--- a/P7_01_Support.pptx
+++ b/P7_01_Support.pptx
@@ -276,7 +276,7 @@
             <a:pPr rtl="0"/>
             <a:fld id="{3C80F580-3B6A-44CD-9A1E-E890016126F8}" type="datetime1">
               <a:rPr lang="fr-FR" smtClean="0"/>
-              <a:t>18/02/2022</a:t>
+              <a:t>20/02/2022</a:t>
             </a:fld>
             <a:endParaRPr lang="fr-FR"/>
           </a:p>
@@ -446,7 +446,7 @@
             <a:pPr rtl="0"/>
             <a:fld id="{7DF8ED89-FBF4-48E3-B6C6-C071DA98F802}" type="datetime1">
               <a:rPr lang="fr-FR" noProof="1" dirty="0" smtClean="0"/>
-              <a:t>18/02/2022</a:t>
+              <a:t>20/02/2022</a:t>
             </a:fld>
             <a:endParaRPr lang="fr-FR" noProof="1"/>
           </a:p>
@@ -1780,7 +1780,7 @@
             <a:pPr rtl="0"/>
             <a:fld id="{7DF3CA4B-903E-431D-AF93-2AD02E04DE8A}" type="datetime1">
               <a:rPr lang="fr-FR" noProof="0" smtClean="0"/>
-              <a:t>18/02/2022</a:t>
+              <a:t>20/02/2022</a:t>
             </a:fld>
             <a:endParaRPr lang="fr-FR" noProof="0"/>
           </a:p>
@@ -2406,7 +2406,7 @@
             <a:pPr rtl="0"/>
             <a:fld id="{802CD4F2-526B-4131-B91B-856C46007FC5}" type="datetime1">
               <a:rPr lang="fr-FR" noProof="0" smtClean="0"/>
-              <a:t>18/02/2022</a:t>
+              <a:t>20/02/2022</a:t>
             </a:fld>
             <a:endParaRPr lang="fr-FR" noProof="0"/>
           </a:p>
@@ -5747,7 +5747,7 @@
         <p:spPr>
           <a:xfrm>
             <a:off x="521207" y="1472184"/>
-            <a:ext cx="9637777" cy="4031873"/>
+            <a:ext cx="9637777" cy="4278094"/>
           </a:xfrm>
           <a:prstGeom prst="rect">
             <a:avLst/>
@@ -5903,15 +5903,15 @@
             </a:r>
             <a:r>
               <a:rPr lang="fr-FR" sz="1600" dirty="0"/>
-              <a:t>, 50 combinaisons </a:t>
+              <a:t>, optimisateur </a:t>
             </a:r>
             <a:r>
               <a:rPr lang="fr-FR" sz="1600" dirty="0" err="1"/>
-              <a:t>difféntes</a:t>
+              <a:t>Bayesien</a:t>
             </a:r>
             <a:r>
               <a:rPr lang="fr-FR" sz="1600" dirty="0"/>
-              <a:t> de paramètres par algorithme </a:t>
+              <a:t>, 50 combinaisons différentes de paramètres par algorithme </a:t>
             </a:r>
           </a:p>
         </p:txBody>
@@ -8514,7 +8514,7 @@
         <p:spPr>
           <a:xfrm>
             <a:off x="236433" y="1308407"/>
-            <a:ext cx="11955567" cy="4336059"/>
+            <a:ext cx="11955567" cy="4028282"/>
           </a:xfrm>
           <a:prstGeom prst="rect">
             <a:avLst/>
@@ -8558,7 +8558,7 @@
             </a:endParaRPr>
           </a:p>
           <a:p>
-            <a:pPr lvl="0" algn="just">
+            <a:pPr lvl="0">
               <a:lnSpc>
                 <a:spcPct val="107000"/>
               </a:lnSpc>
@@ -8574,7 +8574,7 @@
             </a:r>
           </a:p>
           <a:p>
-            <a:pPr marL="342900" lvl="0" indent="-342900" algn="just">
+            <a:pPr marL="342900" lvl="0" indent="-342900">
               <a:lnSpc>
                 <a:spcPct val="107000"/>
               </a:lnSpc>
@@ -8637,7 +8637,7 @@
             </a:r>
           </a:p>
           <a:p>
-            <a:pPr marL="342900" lvl="0" indent="-342900" algn="just">
+            <a:pPr marL="342900" lvl="0" indent="-342900">
               <a:lnSpc>
                 <a:spcPct val="107000"/>
               </a:lnSpc>
@@ -8706,7 +8706,7 @@
             </a:endParaRPr>
           </a:p>
           <a:p>
-            <a:pPr marL="285750" lvl="0" indent="-285750" algn="just">
+            <a:pPr marL="285750" lvl="0" indent="-285750">
               <a:lnSpc>
                 <a:spcPct val="107000"/>
               </a:lnSpc>
@@ -8724,7 +8724,7 @@
             </a:r>
           </a:p>
           <a:p>
-            <a:pPr lvl="0" algn="just">
+            <a:pPr lvl="0">
               <a:lnSpc>
                 <a:spcPct val="107000"/>
               </a:lnSpc>
@@ -8740,7 +8740,7 @@
             </a:r>
           </a:p>
           <a:p>
-            <a:pPr marL="228600" algn="just">
+            <a:pPr marL="228600">
               <a:lnSpc>
                 <a:spcPct val="107000"/>
               </a:lnSpc>
@@ -8756,7 +8756,7 @@
             </a:r>
           </a:p>
           <a:p>
-            <a:pPr lvl="0" algn="just">
+            <a:pPr lvl="0">
               <a:lnSpc>
                 <a:spcPct val="107000"/>
               </a:lnSpc>
@@ -8787,7 +8787,7 @@
             </a:endParaRPr>
           </a:p>
           <a:p>
-            <a:pPr marL="228600" algn="just">
+            <a:pPr marL="228600">
               <a:lnSpc>
                 <a:spcPct val="107000"/>
               </a:lnSpc>
@@ -8802,67 +8802,26 @@
                 <a:ea typeface="Calibri" panose="020F0502020204030204" pitchFamily="34" charset="0"/>
                 <a:cs typeface="Arial" panose="020B0604020202020204" pitchFamily="34" charset="0"/>
               </a:rPr>
-              <a:t>La méthode du « </a:t>
-            </a:r>
-            <a:r>
-              <a:rPr lang="fr-FR" sz="1800" dirty="0" err="1">
-                <a:effectLst/>
-                <a:latin typeface="Calibri" panose="020F0502020204030204" pitchFamily="34" charset="0"/>
-                <a:ea typeface="Calibri" panose="020F0502020204030204" pitchFamily="34" charset="0"/>
-                <a:cs typeface="Arial" panose="020B0604020202020204" pitchFamily="34" charset="0"/>
-              </a:rPr>
-              <a:t>surrogate</a:t>
-            </a:r>
-            <a:r>
+              <a:t>La prédiction de solvabilité repose sur le modèle entier.</a:t>
+            </a:r>
+            <a:br>
               <a:rPr lang="fr-FR" sz="1800" dirty="0">
                 <a:effectLst/>
                 <a:latin typeface="Calibri" panose="020F0502020204030204" pitchFamily="34" charset="0"/>
                 <a:ea typeface="Calibri" panose="020F0502020204030204" pitchFamily="34" charset="0"/>
                 <a:cs typeface="Arial" panose="020B0604020202020204" pitchFamily="34" charset="0"/>
               </a:rPr>
-              <a:t> model » permet d’interpréter le modèle de substitution, pas réellement le modèle original. </a:t>
-            </a:r>
-          </a:p>
-          <a:p>
-            <a:pPr marL="228600" algn="just">
-              <a:lnSpc>
-                <a:spcPct val="107000"/>
-              </a:lnSpc>
-              <a:spcAft>
-                <a:spcPts val="800"/>
-              </a:spcAft>
-            </a:pPr>
-            <a:r>
-              <a:rPr lang="fr-FR" sz="1800" dirty="0">
-                <a:effectLst/>
+            </a:br>
+            <a:r>
+              <a:rPr lang="fr-FR" dirty="0">
                 <a:latin typeface="Calibri" panose="020F0502020204030204" pitchFamily="34" charset="0"/>
                 <a:ea typeface="Calibri" panose="020F0502020204030204" pitchFamily="34" charset="0"/>
                 <a:cs typeface="Arial" panose="020B0604020202020204" pitchFamily="34" charset="0"/>
               </a:rPr>
-              <a:t>Pour les individus faisant partie du jeu de données d’entraînement, cela ne pose pas de soucis, mais cela peut en poser </a:t>
-            </a:r>
-          </a:p>
-          <a:p>
-            <a:pPr marL="228600" algn="just">
-              <a:lnSpc>
-                <a:spcPct val="107000"/>
-              </a:lnSpc>
-              <a:spcAft>
-                <a:spcPts val="800"/>
-              </a:spcAft>
-            </a:pPr>
-            <a:r>
-              <a:rPr lang="fr-FR" sz="1800" dirty="0">
-                <a:effectLst/>
-                <a:latin typeface="Calibri" panose="020F0502020204030204" pitchFamily="34" charset="0"/>
-                <a:ea typeface="Calibri" panose="020F0502020204030204" pitchFamily="34" charset="0"/>
-                <a:cs typeface="Arial" panose="020B0604020202020204" pitchFamily="34" charset="0"/>
-              </a:rPr>
-              <a:t>pour les individus qui ne font pas partie du jeu d’entraînement. Le « </a:t>
-            </a:r>
-            <a:r>
-              <a:rPr lang="fr-FR" sz="1800" dirty="0" err="1">
-                <a:effectLst/>
+              <a:t>L’interprétabilité repose sur le modèle </a:t>
+            </a:r>
+            <a:r>
+              <a:rPr lang="fr-FR" dirty="0" err="1">
                 <a:latin typeface="Calibri" panose="020F0502020204030204" pitchFamily="34" charset="0"/>
                 <a:ea typeface="Calibri" panose="020F0502020204030204" pitchFamily="34" charset="0"/>
                 <a:cs typeface="Arial" panose="020B0604020202020204" pitchFamily="34" charset="0"/>
@@ -8870,51 +8829,67 @@
               <a:t>surrogate</a:t>
             </a:r>
             <a:r>
-              <a:rPr lang="fr-FR" sz="1800" dirty="0">
-                <a:effectLst/>
+              <a:rPr lang="fr-FR" dirty="0">
                 <a:latin typeface="Calibri" panose="020F0502020204030204" pitchFamily="34" charset="0"/>
                 <a:ea typeface="Calibri" panose="020F0502020204030204" pitchFamily="34" charset="0"/>
                 <a:cs typeface="Arial" panose="020B0604020202020204" pitchFamily="34" charset="0"/>
               </a:rPr>
-              <a:t> model » peut alors donner </a:t>
-            </a:r>
-            <a:r>
-              <a:rPr lang="fr-FR" sz="1800">
-                <a:effectLst/>
+              <a:t>: </a:t>
+            </a:r>
+            <a:r>
+              <a:rPr lang="fr-FR" dirty="0" err="1">
                 <a:latin typeface="Calibri" panose="020F0502020204030204" pitchFamily="34" charset="0"/>
                 <a:ea typeface="Calibri" panose="020F0502020204030204" pitchFamily="34" charset="0"/>
                 <a:cs typeface="Arial" panose="020B0604020202020204" pitchFamily="34" charset="0"/>
               </a:rPr>
-              <a:t>des </a:t>
-            </a:r>
-          </a:p>
-          <a:p>
-            <a:pPr marL="228600" algn="just">
-              <a:lnSpc>
-                <a:spcPct val="107000"/>
-              </a:lnSpc>
-              <a:spcAft>
-                <a:spcPts val="800"/>
-              </a:spcAft>
-            </a:pPr>
-            <a:r>
-              <a:rPr lang="fr-FR" sz="1800">
-                <a:effectLst/>
+              <a:t>treeinterpreter</a:t>
+            </a:r>
+            <a:r>
+              <a:rPr lang="fr-FR" dirty="0">
                 <a:latin typeface="Calibri" panose="020F0502020204030204" pitchFamily="34" charset="0"/>
                 <a:ea typeface="Calibri" panose="020F0502020204030204" pitchFamily="34" charset="0"/>
                 <a:cs typeface="Arial" panose="020B0604020202020204" pitchFamily="34" charset="0"/>
               </a:rPr>
-              <a:t>prévisions </a:t>
-            </a:r>
-            <a:r>
-              <a:rPr lang="fr-FR" sz="1800" dirty="0">
-                <a:effectLst/>
+              <a:t> sur arbre de décision. Il faut alors faire une mise à jour régulière du modèle </a:t>
+            </a:r>
+            <a:r>
+              <a:rPr lang="fr-FR" dirty="0" err="1">
                 <a:latin typeface="Calibri" panose="020F0502020204030204" pitchFamily="34" charset="0"/>
                 <a:ea typeface="Calibri" panose="020F0502020204030204" pitchFamily="34" charset="0"/>
                 <a:cs typeface="Arial" panose="020B0604020202020204" pitchFamily="34" charset="0"/>
               </a:rPr>
-              <a:t>différentes du modèle initial. Il faudra alors faire un réentrainement du modèle de manière régulière.</a:t>
-            </a:r>
+              <a:t>surrogate</a:t>
+            </a:r>
+            <a:r>
+              <a:rPr lang="fr-FR" dirty="0">
+                <a:latin typeface="Calibri" panose="020F0502020204030204" pitchFamily="34" charset="0"/>
+                <a:ea typeface="Calibri" panose="020F0502020204030204" pitchFamily="34" charset="0"/>
+                <a:cs typeface="Arial" panose="020B0604020202020204" pitchFamily="34" charset="0"/>
+              </a:rPr>
+              <a:t>, au fur et à mesure que le nombre de nouveaux clients augmente. Ceci afin que les </a:t>
+            </a:r>
+            <a:r>
+              <a:rPr lang="fr-FR" dirty="0" err="1">
+                <a:latin typeface="Calibri" panose="020F0502020204030204" pitchFamily="34" charset="0"/>
+                <a:ea typeface="Calibri" panose="020F0502020204030204" pitchFamily="34" charset="0"/>
+                <a:cs typeface="Arial" panose="020B0604020202020204" pitchFamily="34" charset="0"/>
+              </a:rPr>
+              <a:t>features</a:t>
+            </a:r>
+            <a:r>
+              <a:rPr lang="fr-FR" dirty="0">
+                <a:latin typeface="Calibri" panose="020F0502020204030204" pitchFamily="34" charset="0"/>
+                <a:ea typeface="Calibri" panose="020F0502020204030204" pitchFamily="34" charset="0"/>
+                <a:cs typeface="Arial" panose="020B0604020202020204" pitchFamily="34" charset="0"/>
+              </a:rPr>
+              <a:t> globales de la population ne diffèrent pas du modèle entier. </a:t>
+            </a:r>
+            <a:endParaRPr lang="fr-FR" sz="1800" dirty="0">
+              <a:effectLst/>
+              <a:latin typeface="Calibri" panose="020F0502020204030204" pitchFamily="34" charset="0"/>
+              <a:ea typeface="Calibri" panose="020F0502020204030204" pitchFamily="34" charset="0"/>
+              <a:cs typeface="Arial" panose="020B0604020202020204" pitchFamily="34" charset="0"/>
+            </a:endParaRPr>
           </a:p>
           <a:p>
             <a:pPr marL="285750" indent="-285750">
@@ -11598,21 +11573,21 @@
 </file>
 
 <file path=customXml/item1.xml><?xml version="1.0" encoding="utf-8"?>
+<p:properties xmlns:p="http://schemas.microsoft.com/office/2006/metadata/properties" xmlns:xsi="http://www.w3.org/2001/XMLSchema-instance" xmlns:pc="http://schemas.microsoft.com/office/infopath/2007/PartnerControls">
+  <documentManagement>
+    <Status xmlns="71af3243-3dd4-4a8d-8c0d-dd76da1f02a5">Not started</Status>
+    <MediaServiceKeyPoints xmlns="71af3243-3dd4-4a8d-8c0d-dd76da1f02a5" xsi:nil="true"/>
+  </documentManagement>
+</p:properties>
+</file>
+
+<file path=customXml/item2.xml><?xml version="1.0" encoding="utf-8"?>
 <?mso-contentType ?>
 <FormTemplates xmlns="http://schemas.microsoft.com/sharepoint/v3/contenttype/forms">
   <Display>DocumentLibraryForm</Display>
   <Edit>DocumentLibraryForm</Edit>
   <New>DocumentLibraryForm</New>
 </FormTemplates>
-</file>
-
-<file path=customXml/item2.xml><?xml version="1.0" encoding="utf-8"?>
-<p:properties xmlns:p="http://schemas.microsoft.com/office/2006/metadata/properties" xmlns:xsi="http://www.w3.org/2001/XMLSchema-instance" xmlns:pc="http://schemas.microsoft.com/office/infopath/2007/PartnerControls">
-  <documentManagement>
-    <Status xmlns="71af3243-3dd4-4a8d-8c0d-dd76da1f02a5">Not started</Status>
-    <MediaServiceKeyPoints xmlns="71af3243-3dd4-4a8d-8c0d-dd76da1f02a5" xsi:nil="true"/>
-  </documentManagement>
-</p:properties>
 </file>
 
 <file path=customXml/item3.xml><?xml version="1.0" encoding="utf-8"?>
@@ -11837,19 +11812,19 @@
 </file>
 
 <file path=customXml/itemProps1.xml><?xml version="1.0" encoding="utf-8"?>
-<ds:datastoreItem xmlns:ds="http://schemas.openxmlformats.org/officeDocument/2006/customXml" ds:itemID="{7EE8C63A-4744-4DE4-BB49-0FF0B5375C60}">
+<ds:datastoreItem xmlns:ds="http://schemas.openxmlformats.org/officeDocument/2006/customXml" ds:itemID="{950072C5-DDE0-4258-BA7A-4D4B80DFA632}">
   <ds:schemaRefs>
-    <ds:schemaRef ds:uri="http://schemas.microsoft.com/sharepoint/v3/contenttype/forms"/>
+    <ds:schemaRef ds:uri="http://schemas.microsoft.com/office/2006/metadata/properties"/>
+    <ds:schemaRef ds:uri="http://schemas.microsoft.com/office/infopath/2007/PartnerControls"/>
+    <ds:schemaRef ds:uri="71af3243-3dd4-4a8d-8c0d-dd76da1f02a5"/>
   </ds:schemaRefs>
 </ds:datastoreItem>
 </file>
 
 <file path=customXml/itemProps2.xml><?xml version="1.0" encoding="utf-8"?>
-<ds:datastoreItem xmlns:ds="http://schemas.openxmlformats.org/officeDocument/2006/customXml" ds:itemID="{950072C5-DDE0-4258-BA7A-4D4B80DFA632}">
+<ds:datastoreItem xmlns:ds="http://schemas.openxmlformats.org/officeDocument/2006/customXml" ds:itemID="{7EE8C63A-4744-4DE4-BB49-0FF0B5375C60}">
   <ds:schemaRefs>
-    <ds:schemaRef ds:uri="http://schemas.microsoft.com/office/2006/metadata/properties"/>
-    <ds:schemaRef ds:uri="http://schemas.microsoft.com/office/infopath/2007/PartnerControls"/>
-    <ds:schemaRef ds:uri="71af3243-3dd4-4a8d-8c0d-dd76da1f02a5"/>
+    <ds:schemaRef ds:uri="http://schemas.microsoft.com/sharepoint/v3/contenttype/forms"/>
   </ds:schemaRefs>
 </ds:datastoreItem>
 </file>

--- a/P7_01_Support.pptx
+++ b/P7_01_Support.pptx
@@ -5,10 +5,10 @@
     <p:sldMasterId id="2147483660" r:id="rId4"/>
   </p:sldMasterIdLst>
   <p:notesMasterIdLst>
-    <p:notesMasterId r:id="rId25"/>
+    <p:notesMasterId r:id="rId24"/>
   </p:notesMasterIdLst>
   <p:handoutMasterIdLst>
-    <p:handoutMasterId r:id="rId26"/>
+    <p:handoutMasterId r:id="rId25"/>
   </p:handoutMasterIdLst>
   <p:sldIdLst>
     <p:sldId id="256" r:id="rId5"/>
@@ -20,17 +20,16 @@
     <p:sldId id="448" r:id="rId11"/>
     <p:sldId id="447" r:id="rId12"/>
     <p:sldId id="426" r:id="rId13"/>
-    <p:sldId id="429" r:id="rId14"/>
-    <p:sldId id="449" r:id="rId15"/>
-    <p:sldId id="450" r:id="rId16"/>
-    <p:sldId id="451" r:id="rId17"/>
-    <p:sldId id="455" r:id="rId18"/>
-    <p:sldId id="385" r:id="rId19"/>
-    <p:sldId id="454" r:id="rId20"/>
-    <p:sldId id="456" r:id="rId21"/>
-    <p:sldId id="457" r:id="rId22"/>
-    <p:sldId id="452" r:id="rId23"/>
-    <p:sldId id="362" r:id="rId24"/>
+    <p:sldId id="449" r:id="rId14"/>
+    <p:sldId id="450" r:id="rId15"/>
+    <p:sldId id="429" r:id="rId16"/>
+    <p:sldId id="455" r:id="rId17"/>
+    <p:sldId id="385" r:id="rId18"/>
+    <p:sldId id="454" r:id="rId19"/>
+    <p:sldId id="456" r:id="rId20"/>
+    <p:sldId id="457" r:id="rId21"/>
+    <p:sldId id="452" r:id="rId22"/>
+    <p:sldId id="362" r:id="rId23"/>
   </p:sldIdLst>
   <p:sldSz cx="12192000" cy="6858000"/>
   <p:notesSz cx="6858000" cy="9144000"/>
@@ -147,10 +146,9 @@
             <p14:sldId id="448"/>
             <p14:sldId id="447"/>
             <p14:sldId id="426"/>
-            <p14:sldId id="429"/>
             <p14:sldId id="449"/>
             <p14:sldId id="450"/>
-            <p14:sldId id="451"/>
+            <p14:sldId id="429"/>
             <p14:sldId id="455"/>
             <p14:sldId id="385"/>
             <p14:sldId id="454"/>
@@ -1232,7 +1230,7 @@
             <a:pPr rtl="0"/>
             <a:fld id="{DF61EA0F-A667-4B49-8422-0062BC55E249}" type="slidenum">
               <a:rPr lang="fr-FR" smtClean="0"/>
-              <a:t>15</a:t>
+              <a:t>14</a:t>
             </a:fld>
             <a:endParaRPr lang="fr-FR"/>
           </a:p>
@@ -1323,7 +1321,7 @@
             <a:pPr rtl="0"/>
             <a:fld id="{DF61EA0F-A667-4B49-8422-0062BC55E249}" type="slidenum">
               <a:rPr lang="fr-FR" smtClean="0"/>
-              <a:t>19</a:t>
+              <a:t>18</a:t>
             </a:fld>
             <a:endParaRPr lang="fr-FR"/>
           </a:p>
@@ -3265,277 +3263,6 @@
           <p:cNvPr id="2" name="Titre 1">
             <a:extLst>
               <a:ext uri="{FF2B5EF4-FFF2-40B4-BE49-F238E27FC236}">
-                <a16:creationId xmlns:a16="http://schemas.microsoft.com/office/drawing/2014/main" id="{3F6EE76D-942F-489D-8E64-6BFFA528F2B9}"/>
-              </a:ext>
-            </a:extLst>
-          </p:cNvPr>
-          <p:cNvSpPr>
-            <a:spLocks noGrp="1"/>
-          </p:cNvSpPr>
-          <p:nvPr>
-            <p:ph type="title"/>
-          </p:nvPr>
-        </p:nvSpPr>
-        <p:spPr>
-          <a:xfrm>
-            <a:off x="521207" y="448056"/>
-            <a:ext cx="8229686" cy="640080"/>
-          </a:xfrm>
-        </p:spPr>
-        <p:txBody>
-          <a:bodyPr>
-            <a:normAutofit/>
-          </a:bodyPr>
-          <a:lstStyle/>
-          <a:p>
-            <a:r>
-              <a:rPr lang="fr-FR" sz="2000" b="1" dirty="0">
-                <a:solidFill>
-                  <a:schemeClr val="tx1"/>
-                </a:solidFill>
-                <a:latin typeface="+mn-lt"/>
-                <a:ea typeface="+mn-ea"/>
-                <a:cs typeface="+mn-cs"/>
-              </a:rPr>
-              <a:t>Métrique métier</a:t>
-            </a:r>
-          </a:p>
-        </p:txBody>
-      </p:sp>
-      <p:sp>
-        <p:nvSpPr>
-          <p:cNvPr id="4" name="ZoneTexte 3">
-            <a:extLst>
-              <a:ext uri="{FF2B5EF4-FFF2-40B4-BE49-F238E27FC236}">
-                <a16:creationId xmlns:a16="http://schemas.microsoft.com/office/drawing/2014/main" id="{A90C18B5-954C-4BE6-B5FE-DD3EA7AFF0CE}"/>
-              </a:ext>
-            </a:extLst>
-          </p:cNvPr>
-          <p:cNvSpPr txBox="1"/>
-          <p:nvPr/>
-        </p:nvSpPr>
-        <p:spPr>
-          <a:xfrm>
-            <a:off x="9966121" y="6479140"/>
-            <a:ext cx="3456264" cy="369332"/>
-          </a:xfrm>
-          <a:prstGeom prst="rect">
-            <a:avLst/>
-          </a:prstGeom>
-          <a:noFill/>
-        </p:spPr>
-        <p:txBody>
-          <a:bodyPr wrap="square" rtlCol="0">
-            <a:spAutoFit/>
-          </a:bodyPr>
-          <a:lstStyle/>
-          <a:p>
-            <a:r>
-              <a:rPr lang="fr-FR" dirty="0"/>
-              <a:t>Teycir Ben </a:t>
-            </a:r>
-            <a:r>
-              <a:rPr lang="fr-FR" dirty="0" err="1"/>
-              <a:t>Soltane</a:t>
-            </a:r>
-            <a:r>
-              <a:rPr lang="fr-FR" dirty="0"/>
-              <a:t> </a:t>
-            </a:r>
-          </a:p>
-        </p:txBody>
-      </p:sp>
-      <p:pic>
-        <p:nvPicPr>
-          <p:cNvPr id="5" name="Image 4">
-            <a:extLst>
-              <a:ext uri="{FF2B5EF4-FFF2-40B4-BE49-F238E27FC236}">
-                <a16:creationId xmlns:a16="http://schemas.microsoft.com/office/drawing/2014/main" id="{E20B9FD2-2276-4E16-AC20-4EE97720C685}"/>
-              </a:ext>
-            </a:extLst>
-          </p:cNvPr>
-          <p:cNvPicPr>
-            <a:picLocks noChangeAspect="1"/>
-          </p:cNvPicPr>
-          <p:nvPr/>
-        </p:nvPicPr>
-        <p:blipFill>
-          <a:blip r:embed="rId2">
-            <a:extLst>
-              <a:ext uri="{28A0092B-C50C-407E-A947-70E740481C1C}">
-                <a14:useLocalDpi xmlns:a14="http://schemas.microsoft.com/office/drawing/2010/main" val="0"/>
-              </a:ext>
-            </a:extLst>
-          </a:blip>
-          <a:stretch>
-            <a:fillRect/>
-          </a:stretch>
-        </p:blipFill>
-        <p:spPr>
-          <a:xfrm>
-            <a:off x="228957" y="6511425"/>
-            <a:ext cx="2133333" cy="304762"/>
-          </a:xfrm>
-          <a:prstGeom prst="rect">
-            <a:avLst/>
-          </a:prstGeom>
-        </p:spPr>
-      </p:pic>
-      <p:pic>
-        <p:nvPicPr>
-          <p:cNvPr id="8" name="Image 7">
-            <a:extLst>
-              <a:ext uri="{FF2B5EF4-FFF2-40B4-BE49-F238E27FC236}">
-                <a16:creationId xmlns:a16="http://schemas.microsoft.com/office/drawing/2014/main" id="{0741536F-6B57-40A3-B69E-FA0AF8FDB921}"/>
-              </a:ext>
-            </a:extLst>
-          </p:cNvPr>
-          <p:cNvPicPr>
-            <a:picLocks noChangeAspect="1"/>
-          </p:cNvPicPr>
-          <p:nvPr/>
-        </p:nvPicPr>
-        <p:blipFill>
-          <a:blip r:embed="rId3"/>
-          <a:stretch>
-            <a:fillRect/>
-          </a:stretch>
-        </p:blipFill>
-        <p:spPr>
-          <a:xfrm>
-            <a:off x="6268488" y="2882854"/>
-            <a:ext cx="5514286" cy="3628571"/>
-          </a:xfrm>
-          <a:prstGeom prst="rect">
-            <a:avLst/>
-          </a:prstGeom>
-        </p:spPr>
-      </p:pic>
-      <p:pic>
-        <p:nvPicPr>
-          <p:cNvPr id="10" name="Image 9">
-            <a:extLst>
-              <a:ext uri="{FF2B5EF4-FFF2-40B4-BE49-F238E27FC236}">
-                <a16:creationId xmlns:a16="http://schemas.microsoft.com/office/drawing/2014/main" id="{EA72F713-AAFB-400D-8361-719CEBD014C9}"/>
-              </a:ext>
-            </a:extLst>
-          </p:cNvPr>
-          <p:cNvPicPr>
-            <a:picLocks noChangeAspect="1"/>
-          </p:cNvPicPr>
-          <p:nvPr/>
-        </p:nvPicPr>
-        <p:blipFill>
-          <a:blip r:embed="rId4"/>
-          <a:stretch>
-            <a:fillRect/>
-          </a:stretch>
-        </p:blipFill>
-        <p:spPr>
-          <a:xfrm>
-            <a:off x="681714" y="1532861"/>
-            <a:ext cx="10828571" cy="1200000"/>
-          </a:xfrm>
-          <a:prstGeom prst="rect">
-            <a:avLst/>
-          </a:prstGeom>
-        </p:spPr>
-      </p:pic>
-      <p:pic>
-        <p:nvPicPr>
-          <p:cNvPr id="12" name="Image 11">
-            <a:extLst>
-              <a:ext uri="{FF2B5EF4-FFF2-40B4-BE49-F238E27FC236}">
-                <a16:creationId xmlns:a16="http://schemas.microsoft.com/office/drawing/2014/main" id="{DBFFF105-9DE8-478A-B4CD-ED9E8C9F969C}"/>
-              </a:ext>
-            </a:extLst>
-          </p:cNvPr>
-          <p:cNvPicPr>
-            <a:picLocks noChangeAspect="1"/>
-          </p:cNvPicPr>
-          <p:nvPr/>
-        </p:nvPicPr>
-        <p:blipFill>
-          <a:blip r:embed="rId5"/>
-          <a:stretch>
-            <a:fillRect/>
-          </a:stretch>
-        </p:blipFill>
-        <p:spPr>
-          <a:xfrm>
-            <a:off x="4628877" y="5568568"/>
-            <a:ext cx="1523810" cy="942857"/>
-          </a:xfrm>
-          <a:prstGeom prst="rect">
-            <a:avLst/>
-          </a:prstGeom>
-        </p:spPr>
-      </p:pic>
-      <p:pic>
-        <p:nvPicPr>
-          <p:cNvPr id="14" name="Image 13">
-            <a:extLst>
-              <a:ext uri="{FF2B5EF4-FFF2-40B4-BE49-F238E27FC236}">
-                <a16:creationId xmlns:a16="http://schemas.microsoft.com/office/drawing/2014/main" id="{86A89A4A-627B-4026-BE53-11B48CCB4314}"/>
-              </a:ext>
-            </a:extLst>
-          </p:cNvPr>
-          <p:cNvPicPr>
-            <a:picLocks noChangeAspect="1"/>
-          </p:cNvPicPr>
-          <p:nvPr/>
-        </p:nvPicPr>
-        <p:blipFill>
-          <a:blip r:embed="rId6"/>
-          <a:stretch>
-            <a:fillRect/>
-          </a:stretch>
-        </p:blipFill>
-        <p:spPr>
-          <a:xfrm>
-            <a:off x="327626" y="3326905"/>
-            <a:ext cx="5825061" cy="1647619"/>
-          </a:xfrm>
-          <a:prstGeom prst="rect">
-            <a:avLst/>
-          </a:prstGeom>
-        </p:spPr>
-      </p:pic>
-    </p:spTree>
-    <p:extLst>
-      <p:ext uri="{BB962C8B-B14F-4D97-AF65-F5344CB8AC3E}">
-        <p14:creationId xmlns:p14="http://schemas.microsoft.com/office/powerpoint/2010/main" val="3955826058"/>
-      </p:ext>
-    </p:extLst>
-  </p:cSld>
-  <p:clrMapOvr>
-    <a:masterClrMapping/>
-  </p:clrMapOvr>
-</p:sld>
-</file>
-
-<file path=ppt/slides/slide11.xml><?xml version="1.0" encoding="utf-8"?>
-<p:sld xmlns:a="http://schemas.openxmlformats.org/drawingml/2006/main" xmlns:r="http://schemas.openxmlformats.org/officeDocument/2006/relationships" xmlns:p="http://schemas.openxmlformats.org/presentationml/2006/main">
-  <p:cSld>
-    <p:spTree>
-      <p:nvGrpSpPr>
-        <p:cNvPr id="1" name=""/>
-        <p:cNvGrpSpPr/>
-        <p:nvPr/>
-      </p:nvGrpSpPr>
-      <p:grpSpPr>
-        <a:xfrm>
-          <a:off x="0" y="0"/>
-          <a:ext cx="0" cy="0"/>
-          <a:chOff x="0" y="0"/>
-          <a:chExt cx="0" cy="0"/>
-        </a:xfrm>
-      </p:grpSpPr>
-      <p:sp>
-        <p:nvSpPr>
-          <p:cNvPr id="2" name="Titre 1">
-            <a:extLst>
-              <a:ext uri="{FF2B5EF4-FFF2-40B4-BE49-F238E27FC236}">
                 <a16:creationId xmlns:a16="http://schemas.microsoft.com/office/drawing/2014/main" id="{0BD235EC-26A9-4DB1-B3C9-E378D8DE2A56}"/>
               </a:ext>
             </a:extLst>
@@ -3561,7 +3288,7 @@
                 <a:ea typeface="+mn-ea"/>
                 <a:cs typeface="+mn-cs"/>
               </a:rPr>
-              <a:t>Sélection du modèle</a:t>
+              <a:t>Etapes de modélisation</a:t>
             </a:r>
           </a:p>
         </p:txBody>
@@ -3615,7 +3342,7 @@
             <a:pPr algn="ctr"/>
             <a:r>
               <a:rPr lang="fr-FR" dirty="0"/>
-              <a:t>Data train</a:t>
+              <a:t>Data complet</a:t>
             </a:r>
           </a:p>
         </p:txBody>
@@ -3668,10 +3395,9 @@
           <a:p>
             <a:pPr algn="ctr"/>
             <a:r>
-              <a:rPr lang="fr-FR" dirty="0" err="1"/>
-              <a:t>X_fit</a:t>
-            </a:r>
-            <a:endParaRPr lang="fr-FR" dirty="0"/>
+              <a:rPr lang="fr-FR" sz="1400" dirty="0"/>
+              <a:t>Données entrainement 80%</a:t>
+            </a:r>
           </a:p>
         </p:txBody>
       </p:sp>
@@ -3723,19 +3449,18 @@
           <a:p>
             <a:pPr algn="ctr"/>
             <a:r>
-              <a:rPr lang="fr-FR" dirty="0" err="1"/>
-              <a:t>X_eval</a:t>
-            </a:r>
-            <a:endParaRPr lang="fr-FR" dirty="0"/>
+              <a:rPr lang="fr-FR" sz="1400" dirty="0"/>
+              <a:t>Données Test 20% </a:t>
+            </a:r>
           </a:p>
         </p:txBody>
       </p:sp>
       <p:sp>
         <p:nvSpPr>
-          <p:cNvPr id="10" name="Rectangle : coins arrondis 9">
+          <p:cNvPr id="12" name="Rectangle : coins arrondis 11">
             <a:extLst>
               <a:ext uri="{FF2B5EF4-FFF2-40B4-BE49-F238E27FC236}">
-                <a16:creationId xmlns:a16="http://schemas.microsoft.com/office/drawing/2014/main" id="{04BE0035-CE5E-4431-A98C-E041A94BEE7A}"/>
+                <a16:creationId xmlns:a16="http://schemas.microsoft.com/office/drawing/2014/main" id="{E26D396C-16F9-4E64-9D42-1A4A3E1467E6}"/>
               </a:ext>
             </a:extLst>
           </p:cNvPr>
@@ -3744,21 +3469,18 @@
         </p:nvSpPr>
         <p:spPr>
           <a:xfrm>
-            <a:off x="8240170" y="1253343"/>
-            <a:ext cx="1800513" cy="779304"/>
+            <a:off x="6867895" y="4896355"/>
+            <a:ext cx="1472665" cy="865890"/>
           </a:xfrm>
           <a:prstGeom prst="roundRect">
             <a:avLst/>
           </a:prstGeom>
           <a:solidFill>
-            <a:schemeClr val="accent2">
-              <a:lumMod val="60000"/>
-              <a:lumOff val="40000"/>
-            </a:schemeClr>
+            <a:schemeClr val="accent5"/>
           </a:solidFill>
           <a:ln>
             <a:solidFill>
-              <a:schemeClr val="accent2"/>
+              <a:schemeClr val="tx1"/>
             </a:solidFill>
           </a:ln>
         </p:spPr>
@@ -3784,19 +3506,234 @@
           <a:p>
             <a:pPr algn="ctr"/>
             <a:r>
-              <a:rPr lang="fr-FR" dirty="0" err="1"/>
-              <a:t>Preprocess</a:t>
-            </a:r>
-            <a:endParaRPr lang="fr-FR" dirty="0"/>
+              <a:rPr lang="fr-FR" sz="1400" dirty="0"/>
+              <a:t>Score final</a:t>
+            </a:r>
           </a:p>
         </p:txBody>
       </p:sp>
+      <p:cxnSp>
+        <p:nvCxnSpPr>
+          <p:cNvPr id="13" name="Connecteur : en angle 12">
+            <a:extLst>
+              <a:ext uri="{FF2B5EF4-FFF2-40B4-BE49-F238E27FC236}">
+                <a16:creationId xmlns:a16="http://schemas.microsoft.com/office/drawing/2014/main" id="{1A50B042-FAAA-412B-A9AE-AC6F41C6F9EF}"/>
+              </a:ext>
+            </a:extLst>
+          </p:cNvPr>
+          <p:cNvCxnSpPr>
+            <a:cxnSpLocks/>
+            <a:stCxn id="7" idx="4"/>
+            <a:endCxn id="9" idx="2"/>
+          </p:cNvCxnSpPr>
+          <p:nvPr/>
+        </p:nvCxnSpPr>
+        <p:spPr>
+          <a:xfrm>
+            <a:off x="2310268" y="3393496"/>
+            <a:ext cx="474045" cy="1943694"/>
+          </a:xfrm>
+          <a:prstGeom prst="bentConnector3">
+            <a:avLst>
+              <a:gd name="adj1" fmla="val 50000"/>
+            </a:avLst>
+          </a:prstGeom>
+          <a:ln>
+            <a:tailEnd type="triangle"/>
+          </a:ln>
+        </p:spPr>
+        <p:style>
+          <a:lnRef idx="1">
+            <a:schemeClr val="accent1"/>
+          </a:lnRef>
+          <a:fillRef idx="0">
+            <a:schemeClr val="accent1"/>
+          </a:fillRef>
+          <a:effectRef idx="0">
+            <a:schemeClr val="accent1"/>
+          </a:effectRef>
+          <a:fontRef idx="minor">
+            <a:schemeClr val="tx1"/>
+          </a:fontRef>
+        </p:style>
+      </p:cxnSp>
+      <p:cxnSp>
+        <p:nvCxnSpPr>
+          <p:cNvPr id="14" name="Connecteur droit avec flèche 13">
+            <a:extLst>
+              <a:ext uri="{FF2B5EF4-FFF2-40B4-BE49-F238E27FC236}">
+                <a16:creationId xmlns:a16="http://schemas.microsoft.com/office/drawing/2014/main" id="{40DC1943-4C76-4358-831E-49315A5DCF47}"/>
+              </a:ext>
+            </a:extLst>
+          </p:cNvPr>
+          <p:cNvCxnSpPr>
+            <a:cxnSpLocks/>
+            <a:stCxn id="9" idx="4"/>
+            <a:endCxn id="12" idx="1"/>
+          </p:cNvCxnSpPr>
+          <p:nvPr/>
+        </p:nvCxnSpPr>
+        <p:spPr>
+          <a:xfrm flipV="1">
+            <a:off x="4256978" y="5329300"/>
+            <a:ext cx="2610917" cy="7890"/>
+          </a:xfrm>
+          <a:prstGeom prst="straightConnector1">
+            <a:avLst/>
+          </a:prstGeom>
+          <a:ln>
+            <a:tailEnd type="triangle"/>
+          </a:ln>
+        </p:spPr>
+        <p:style>
+          <a:lnRef idx="1">
+            <a:schemeClr val="accent1"/>
+          </a:lnRef>
+          <a:fillRef idx="0">
+            <a:schemeClr val="accent1"/>
+          </a:fillRef>
+          <a:effectRef idx="0">
+            <a:schemeClr val="accent1"/>
+          </a:effectRef>
+          <a:fontRef idx="minor">
+            <a:schemeClr val="tx1"/>
+          </a:fontRef>
+        </p:style>
+      </p:cxnSp>
+      <p:cxnSp>
+        <p:nvCxnSpPr>
+          <p:cNvPr id="15" name="Connecteur droit avec flèche 14">
+            <a:extLst>
+              <a:ext uri="{FF2B5EF4-FFF2-40B4-BE49-F238E27FC236}">
+                <a16:creationId xmlns:a16="http://schemas.microsoft.com/office/drawing/2014/main" id="{5D08CD8F-3927-41F5-9DD6-885011295A37}"/>
+              </a:ext>
+            </a:extLst>
+          </p:cNvPr>
+          <p:cNvCxnSpPr>
+            <a:cxnSpLocks/>
+            <a:stCxn id="8" idx="4"/>
+            <a:endCxn id="27" idx="2"/>
+          </p:cNvCxnSpPr>
+          <p:nvPr/>
+        </p:nvCxnSpPr>
+        <p:spPr>
+          <a:xfrm flipV="1">
+            <a:off x="4256978" y="1859855"/>
+            <a:ext cx="288768" cy="4621"/>
+          </a:xfrm>
+          <a:prstGeom prst="straightConnector1">
+            <a:avLst/>
+          </a:prstGeom>
+          <a:ln>
+            <a:tailEnd type="triangle"/>
+          </a:ln>
+        </p:spPr>
+        <p:style>
+          <a:lnRef idx="1">
+            <a:schemeClr val="accent1"/>
+          </a:lnRef>
+          <a:fillRef idx="0">
+            <a:schemeClr val="accent1"/>
+          </a:fillRef>
+          <a:effectRef idx="0">
+            <a:schemeClr val="accent1"/>
+          </a:effectRef>
+          <a:fontRef idx="minor">
+            <a:schemeClr val="tx1"/>
+          </a:fontRef>
+        </p:style>
+      </p:cxnSp>
+      <p:cxnSp>
+        <p:nvCxnSpPr>
+          <p:cNvPr id="16" name="Connecteur droit avec flèche 15">
+            <a:extLst>
+              <a:ext uri="{FF2B5EF4-FFF2-40B4-BE49-F238E27FC236}">
+                <a16:creationId xmlns:a16="http://schemas.microsoft.com/office/drawing/2014/main" id="{384BC76F-66C8-48FF-8B67-830643951FEB}"/>
+              </a:ext>
+            </a:extLst>
+          </p:cNvPr>
+          <p:cNvCxnSpPr>
+            <a:cxnSpLocks/>
+            <a:stCxn id="27" idx="4"/>
+            <a:endCxn id="28" idx="2"/>
+          </p:cNvCxnSpPr>
+          <p:nvPr/>
+        </p:nvCxnSpPr>
+        <p:spPr>
+          <a:xfrm>
+            <a:off x="6018411" y="1859855"/>
+            <a:ext cx="322627" cy="0"/>
+          </a:xfrm>
+          <a:prstGeom prst="straightConnector1">
+            <a:avLst/>
+          </a:prstGeom>
+          <a:ln>
+            <a:tailEnd type="triangle"/>
+          </a:ln>
+        </p:spPr>
+        <p:style>
+          <a:lnRef idx="1">
+            <a:schemeClr val="accent1"/>
+          </a:lnRef>
+          <a:fillRef idx="0">
+            <a:schemeClr val="accent1"/>
+          </a:fillRef>
+          <a:effectRef idx="0">
+            <a:schemeClr val="accent1"/>
+          </a:effectRef>
+          <a:fontRef idx="minor">
+            <a:schemeClr val="tx1"/>
+          </a:fontRef>
+        </p:style>
+      </p:cxnSp>
+      <p:cxnSp>
+        <p:nvCxnSpPr>
+          <p:cNvPr id="17" name="Connecteur droit avec flèche 16">
+            <a:extLst>
+              <a:ext uri="{FF2B5EF4-FFF2-40B4-BE49-F238E27FC236}">
+                <a16:creationId xmlns:a16="http://schemas.microsoft.com/office/drawing/2014/main" id="{C553BBE0-95B2-41C8-912E-C2324EF1DF2D}"/>
+              </a:ext>
+            </a:extLst>
+          </p:cNvPr>
+          <p:cNvCxnSpPr>
+            <a:cxnSpLocks/>
+            <a:stCxn id="28" idx="4"/>
+          </p:cNvCxnSpPr>
+          <p:nvPr/>
+        </p:nvCxnSpPr>
+        <p:spPr>
+          <a:xfrm>
+            <a:off x="7813703" y="1859855"/>
+            <a:ext cx="642400" cy="0"/>
+          </a:xfrm>
+          <a:prstGeom prst="straightConnector1">
+            <a:avLst/>
+          </a:prstGeom>
+          <a:ln>
+            <a:tailEnd type="triangle"/>
+          </a:ln>
+        </p:spPr>
+        <p:style>
+          <a:lnRef idx="1">
+            <a:schemeClr val="accent1"/>
+          </a:lnRef>
+          <a:fillRef idx="0">
+            <a:schemeClr val="accent1"/>
+          </a:fillRef>
+          <a:effectRef idx="0">
+            <a:schemeClr val="accent1"/>
+          </a:effectRef>
+          <a:fontRef idx="minor">
+            <a:schemeClr val="tx1"/>
+          </a:fontRef>
+        </p:style>
+      </p:cxnSp>
       <p:sp>
         <p:nvSpPr>
-          <p:cNvPr id="11" name="Rectangle : coins arrondis 10">
+          <p:cNvPr id="18" name="Rectangle : coins arrondis 17">
             <a:extLst>
               <a:ext uri="{FF2B5EF4-FFF2-40B4-BE49-F238E27FC236}">
-                <a16:creationId xmlns:a16="http://schemas.microsoft.com/office/drawing/2014/main" id="{D0B6A7D4-0FBD-4B0C-ACDF-F1F59E852199}"/>
+                <a16:creationId xmlns:a16="http://schemas.microsoft.com/office/drawing/2014/main" id="{E7D563F3-84B4-4DE1-B73B-515EECE74ECF}"/>
               </a:ext>
             </a:extLst>
           </p:cNvPr>
@@ -3805,21 +3742,18 @@
         </p:nvSpPr>
         <p:spPr>
           <a:xfrm>
-            <a:off x="10156186" y="1267679"/>
-            <a:ext cx="1256681" cy="764968"/>
+            <a:off x="8802274" y="2801006"/>
+            <a:ext cx="3235068" cy="521476"/>
           </a:xfrm>
           <a:prstGeom prst="roundRect">
             <a:avLst/>
           </a:prstGeom>
           <a:solidFill>
-            <a:schemeClr val="accent2">
-              <a:lumMod val="60000"/>
-              <a:lumOff val="40000"/>
-            </a:schemeClr>
+            <a:schemeClr val="accent2"/>
           </a:solidFill>
           <a:ln>
             <a:solidFill>
-              <a:schemeClr val="accent2"/>
+              <a:schemeClr val="tx1"/>
             </a:solidFill>
           </a:ln>
         </p:spPr>
@@ -3845,25 +3779,75 @@
           <a:p>
             <a:pPr algn="ctr"/>
             <a:r>
-              <a:rPr lang="fr-FR" dirty="0"/>
-              <a:t>Model </a:t>
-            </a:r>
-          </a:p>
-          <a:p>
-            <a:pPr algn="ctr"/>
-            <a:r>
-              <a:rPr lang="fr-FR" dirty="0"/>
-              <a:t>+ HP</a:t>
+              <a:rPr lang="fr-FR" sz="1400" dirty="0" err="1"/>
+              <a:t>randomized</a:t>
+            </a:r>
+            <a:r>
+              <a:rPr lang="fr-FR" sz="1400" dirty="0"/>
+              <a:t> </a:t>
+            </a:r>
+            <a:r>
+              <a:rPr lang="fr-FR" sz="1400" dirty="0" err="1"/>
+              <a:t>search</a:t>
+            </a:r>
+            <a:r>
+              <a:rPr lang="fr-FR" sz="1400" dirty="0"/>
+              <a:t>:  évaluation  avec AUC et fonction métier </a:t>
             </a:r>
           </a:p>
         </p:txBody>
       </p:sp>
+      <p:cxnSp>
+        <p:nvCxnSpPr>
+          <p:cNvPr id="19" name="Connecteur : en angle 18">
+            <a:extLst>
+              <a:ext uri="{FF2B5EF4-FFF2-40B4-BE49-F238E27FC236}">
+                <a16:creationId xmlns:a16="http://schemas.microsoft.com/office/drawing/2014/main" id="{E465AFDE-18C8-4BA6-970E-10F58F71E27C}"/>
+              </a:ext>
+            </a:extLst>
+          </p:cNvPr>
+          <p:cNvCxnSpPr>
+            <a:cxnSpLocks/>
+            <a:stCxn id="28" idx="3"/>
+            <a:endCxn id="20" idx="0"/>
+          </p:cNvCxnSpPr>
+          <p:nvPr/>
+        </p:nvCxnSpPr>
+        <p:spPr>
+          <a:xfrm rot="16200000" flipH="1">
+            <a:off x="7085840" y="2375963"/>
+            <a:ext cx="505106" cy="522044"/>
+          </a:xfrm>
+          <a:prstGeom prst="bentConnector3">
+            <a:avLst>
+              <a:gd name="adj1" fmla="val 50000"/>
+            </a:avLst>
+          </a:prstGeom>
+          <a:ln>
+            <a:tailEnd type="triangle"/>
+          </a:ln>
+        </p:spPr>
+        <p:style>
+          <a:lnRef idx="1">
+            <a:schemeClr val="accent1"/>
+          </a:lnRef>
+          <a:fillRef idx="0">
+            <a:schemeClr val="accent1"/>
+          </a:fillRef>
+          <a:effectRef idx="0">
+            <a:schemeClr val="accent1"/>
+          </a:effectRef>
+          <a:fontRef idx="minor">
+            <a:schemeClr val="tx1"/>
+          </a:fontRef>
+        </p:style>
+      </p:cxnSp>
       <p:sp>
         <p:nvSpPr>
-          <p:cNvPr id="12" name="Rectangle : coins arrondis 11">
+          <p:cNvPr id="20" name="Rectangle : coins arrondis 19">
             <a:extLst>
               <a:ext uri="{FF2B5EF4-FFF2-40B4-BE49-F238E27FC236}">
-                <a16:creationId xmlns:a16="http://schemas.microsoft.com/office/drawing/2014/main" id="{E26D396C-16F9-4E64-9D42-1A4A3E1467E6}"/>
+                <a16:creationId xmlns:a16="http://schemas.microsoft.com/office/drawing/2014/main" id="{F1C794B9-3E32-44EC-8D80-3AD46411BD04}"/>
               </a:ext>
             </a:extLst>
           </p:cNvPr>
@@ -3872,14 +3856,14 @@
         </p:nvSpPr>
         <p:spPr>
           <a:xfrm>
-            <a:off x="6867895" y="4896355"/>
-            <a:ext cx="1472665" cy="865890"/>
+            <a:off x="6863082" y="2889538"/>
+            <a:ext cx="1472665" cy="865889"/>
           </a:xfrm>
           <a:prstGeom prst="roundRect">
             <a:avLst/>
           </a:prstGeom>
           <a:solidFill>
-            <a:schemeClr val="accent5"/>
+            <a:schemeClr val="accent6"/>
           </a:solidFill>
           <a:ln>
             <a:solidFill>
@@ -3910,41 +3894,34 @@
             <a:pPr algn="ctr"/>
             <a:r>
               <a:rPr lang="fr-FR" dirty="0"/>
-              <a:t>Final </a:t>
-            </a:r>
-            <a:r>
-              <a:rPr lang="fr-FR" dirty="0" err="1"/>
-              <a:t>scoring</a:t>
-            </a:r>
-            <a:endParaRPr lang="fr-FR" dirty="0"/>
+              <a:t>Sélection de modèle</a:t>
+            </a:r>
           </a:p>
         </p:txBody>
       </p:sp>
       <p:cxnSp>
         <p:nvCxnSpPr>
-          <p:cNvPr id="13" name="Connecteur : en angle 12">
+          <p:cNvPr id="22" name="Connecteur : en angle 21">
             <a:extLst>
               <a:ext uri="{FF2B5EF4-FFF2-40B4-BE49-F238E27FC236}">
-                <a16:creationId xmlns:a16="http://schemas.microsoft.com/office/drawing/2014/main" id="{1A50B042-FAAA-412B-A9AE-AC6F41C6F9EF}"/>
+                <a16:creationId xmlns:a16="http://schemas.microsoft.com/office/drawing/2014/main" id="{F762C4B9-F1C9-4D47-A5E3-961A12FC94E0}"/>
               </a:ext>
             </a:extLst>
           </p:cNvPr>
           <p:cNvCxnSpPr>
             <a:cxnSpLocks/>
             <a:stCxn id="7" idx="4"/>
-            <a:endCxn id="9" idx="2"/>
+            <a:endCxn id="8" idx="2"/>
           </p:cNvCxnSpPr>
           <p:nvPr/>
         </p:nvCxnSpPr>
         <p:spPr>
-          <a:xfrm>
-            <a:off x="2310268" y="3393496"/>
-            <a:ext cx="474045" cy="1943694"/>
+          <a:xfrm flipV="1">
+            <a:off x="2310268" y="1864476"/>
+            <a:ext cx="474045" cy="1529020"/>
           </a:xfrm>
           <a:prstGeom prst="bentConnector3">
-            <a:avLst>
-              <a:gd name="adj1" fmla="val 50000"/>
-            </a:avLst>
+            <a:avLst/>
           </a:prstGeom>
           <a:ln>
             <a:tailEnd type="triangle"/>
@@ -3967,154 +3944,26 @@
       </p:cxnSp>
       <p:cxnSp>
         <p:nvCxnSpPr>
-          <p:cNvPr id="14" name="Connecteur droit avec flèche 13">
+          <p:cNvPr id="23" name="Connecteur : en angle 22">
             <a:extLst>
               <a:ext uri="{FF2B5EF4-FFF2-40B4-BE49-F238E27FC236}">
-                <a16:creationId xmlns:a16="http://schemas.microsoft.com/office/drawing/2014/main" id="{40DC1943-4C76-4358-831E-49315A5DCF47}"/>
+                <a16:creationId xmlns:a16="http://schemas.microsoft.com/office/drawing/2014/main" id="{94271C17-E007-4183-990F-68B748FB05A6}"/>
               </a:ext>
             </a:extLst>
           </p:cNvPr>
           <p:cNvCxnSpPr>
             <a:cxnSpLocks/>
-            <a:stCxn id="9" idx="4"/>
-            <a:endCxn id="12" idx="1"/>
+            <a:stCxn id="8" idx="3"/>
+            <a:endCxn id="24" idx="1"/>
           </p:cNvCxnSpPr>
           <p:nvPr/>
         </p:nvCxnSpPr>
         <p:spPr>
-          <a:xfrm flipV="1">
-            <a:off x="4256978" y="5329300"/>
-            <a:ext cx="2610917" cy="7890"/>
-          </a:xfrm>
-          <a:prstGeom prst="straightConnector1">
-            <a:avLst/>
-          </a:prstGeom>
-          <a:ln>
-            <a:tailEnd type="triangle"/>
-          </a:ln>
-        </p:spPr>
-        <p:style>
-          <a:lnRef idx="1">
-            <a:schemeClr val="accent1"/>
-          </a:lnRef>
-          <a:fillRef idx="0">
-            <a:schemeClr val="accent1"/>
-          </a:fillRef>
-          <a:effectRef idx="0">
-            <a:schemeClr val="accent1"/>
-          </a:effectRef>
-          <a:fontRef idx="minor">
-            <a:schemeClr val="tx1"/>
-          </a:fontRef>
-        </p:style>
-      </p:cxnSp>
-      <p:cxnSp>
-        <p:nvCxnSpPr>
-          <p:cNvPr id="15" name="Connecteur droit avec flèche 14">
-            <a:extLst>
-              <a:ext uri="{FF2B5EF4-FFF2-40B4-BE49-F238E27FC236}">
-                <a16:creationId xmlns:a16="http://schemas.microsoft.com/office/drawing/2014/main" id="{5D08CD8F-3927-41F5-9DD6-885011295A37}"/>
-              </a:ext>
-            </a:extLst>
-          </p:cNvPr>
-          <p:cNvCxnSpPr>
-            <a:cxnSpLocks/>
-            <a:stCxn id="8" idx="4"/>
-            <a:endCxn id="27" idx="2"/>
-          </p:cNvCxnSpPr>
-          <p:nvPr/>
-        </p:nvCxnSpPr>
-        <p:spPr>
-          <a:xfrm flipV="1">
-            <a:off x="4256978" y="1859855"/>
-            <a:ext cx="288768" cy="4621"/>
-          </a:xfrm>
-          <a:prstGeom prst="straightConnector1">
-            <a:avLst/>
-          </a:prstGeom>
-          <a:ln>
-            <a:tailEnd type="triangle"/>
-          </a:ln>
-        </p:spPr>
-        <p:style>
-          <a:lnRef idx="1">
-            <a:schemeClr val="accent1"/>
-          </a:lnRef>
-          <a:fillRef idx="0">
-            <a:schemeClr val="accent1"/>
-          </a:fillRef>
-          <a:effectRef idx="0">
-            <a:schemeClr val="accent1"/>
-          </a:effectRef>
-          <a:fontRef idx="minor">
-            <a:schemeClr val="tx1"/>
-          </a:fontRef>
-        </p:style>
-      </p:cxnSp>
-      <p:cxnSp>
-        <p:nvCxnSpPr>
-          <p:cNvPr id="16" name="Connecteur droit avec flèche 15">
-            <a:extLst>
-              <a:ext uri="{FF2B5EF4-FFF2-40B4-BE49-F238E27FC236}">
-                <a16:creationId xmlns:a16="http://schemas.microsoft.com/office/drawing/2014/main" id="{384BC76F-66C8-48FF-8B67-830643951FEB}"/>
-              </a:ext>
-            </a:extLst>
-          </p:cNvPr>
-          <p:cNvCxnSpPr>
-            <a:cxnSpLocks/>
-            <a:stCxn id="27" idx="4"/>
-            <a:endCxn id="28" idx="2"/>
-          </p:cNvCxnSpPr>
-          <p:nvPr/>
-        </p:nvCxnSpPr>
-        <p:spPr>
-          <a:xfrm>
-            <a:off x="6018411" y="1859855"/>
-            <a:ext cx="322627" cy="0"/>
-          </a:xfrm>
-          <a:prstGeom prst="straightConnector1">
-            <a:avLst/>
-          </a:prstGeom>
-          <a:ln>
-            <a:tailEnd type="triangle"/>
-          </a:ln>
-        </p:spPr>
-        <p:style>
-          <a:lnRef idx="1">
-            <a:schemeClr val="accent1"/>
-          </a:lnRef>
-          <a:fillRef idx="0">
-            <a:schemeClr val="accent1"/>
-          </a:fillRef>
-          <a:effectRef idx="0">
-            <a:schemeClr val="accent1"/>
-          </a:effectRef>
-          <a:fontRef idx="minor">
-            <a:schemeClr val="tx1"/>
-          </a:fontRef>
-        </p:style>
-      </p:cxnSp>
-      <p:cxnSp>
-        <p:nvCxnSpPr>
-          <p:cNvPr id="17" name="Connecteur droit avec flèche 16">
-            <a:extLst>
-              <a:ext uri="{FF2B5EF4-FFF2-40B4-BE49-F238E27FC236}">
-                <a16:creationId xmlns:a16="http://schemas.microsoft.com/office/drawing/2014/main" id="{C553BBE0-95B2-41C8-912E-C2324EF1DF2D}"/>
-              </a:ext>
-            </a:extLst>
-          </p:cNvPr>
-          <p:cNvCxnSpPr>
-            <a:cxnSpLocks/>
-            <a:stCxn id="28" idx="4"/>
-          </p:cNvCxnSpPr>
-          <p:nvPr/>
-        </p:nvCxnSpPr>
-        <p:spPr>
-          <a:xfrm>
-            <a:off x="7813703" y="1859855"/>
-            <a:ext cx="327250" cy="1"/>
-          </a:xfrm>
-          <a:prstGeom prst="straightConnector1">
+          <a:xfrm rot="16200000" flipH="1">
+            <a:off x="3319766" y="2589932"/>
+            <a:ext cx="1696077" cy="1294317"/>
+          </a:xfrm>
+          <a:prstGeom prst="bentConnector2">
             <a:avLst/>
           </a:prstGeom>
           <a:ln>
@@ -4138,10 +3987,10 @@
       </p:cxnSp>
       <p:sp>
         <p:nvSpPr>
-          <p:cNvPr id="18" name="Rectangle : coins arrondis 17">
+          <p:cNvPr id="24" name="Rectangle : coins arrondis 23">
             <a:extLst>
               <a:ext uri="{FF2B5EF4-FFF2-40B4-BE49-F238E27FC236}">
-                <a16:creationId xmlns:a16="http://schemas.microsoft.com/office/drawing/2014/main" id="{E7D563F3-84B4-4DE1-B73B-515EECE74ECF}"/>
+                <a16:creationId xmlns:a16="http://schemas.microsoft.com/office/drawing/2014/main" id="{B2FE43E1-A131-42B8-BD77-B97186EAA694}"/>
               </a:ext>
             </a:extLst>
           </p:cNvPr>
@@ -4150,14 +3999,14 @@
         </p:nvSpPr>
         <p:spPr>
           <a:xfrm>
-            <a:off x="8240170" y="2118790"/>
-            <a:ext cx="3235068" cy="521476"/>
+            <a:off x="4814963" y="3652185"/>
+            <a:ext cx="1472665" cy="865889"/>
           </a:xfrm>
           <a:prstGeom prst="roundRect">
             <a:avLst/>
           </a:prstGeom>
           <a:solidFill>
-            <a:schemeClr val="accent2"/>
+            <a:schemeClr val="accent6"/>
           </a:solidFill>
           <a:ln>
             <a:solidFill>
@@ -4188,52 +4037,76 @@
             <a:pPr algn="ctr"/>
             <a:r>
               <a:rPr lang="fr-FR" dirty="0"/>
-              <a:t>Cross Validation or </a:t>
-            </a:r>
-            <a:r>
-              <a:rPr lang="fr-FR" dirty="0" err="1"/>
-              <a:t>randomized</a:t>
-            </a:r>
-            <a:r>
-              <a:rPr lang="fr-FR" dirty="0"/>
-              <a:t> </a:t>
-            </a:r>
-            <a:r>
-              <a:rPr lang="fr-FR" dirty="0" err="1"/>
-              <a:t>search</a:t>
-            </a:r>
-            <a:r>
-              <a:rPr lang="fr-FR" dirty="0"/>
-              <a:t> </a:t>
+              <a:t>Sélection du seuil</a:t>
             </a:r>
           </a:p>
         </p:txBody>
       </p:sp>
       <p:cxnSp>
         <p:nvCxnSpPr>
-          <p:cNvPr id="19" name="Connecteur : en angle 18">
+          <p:cNvPr id="25" name="Connecteur : en angle 24">
             <a:extLst>
               <a:ext uri="{FF2B5EF4-FFF2-40B4-BE49-F238E27FC236}">
-                <a16:creationId xmlns:a16="http://schemas.microsoft.com/office/drawing/2014/main" id="{E465AFDE-18C8-4BA6-970E-10F58F71E27C}"/>
+                <a16:creationId xmlns:a16="http://schemas.microsoft.com/office/drawing/2014/main" id="{0942D7D0-0F92-4BEE-82C6-44A6644F54C3}"/>
               </a:ext>
             </a:extLst>
           </p:cNvPr>
           <p:cNvCxnSpPr>
             <a:cxnSpLocks/>
-            <a:stCxn id="28" idx="3"/>
-            <a:endCxn id="20" idx="0"/>
+            <a:stCxn id="20" idx="1"/>
+            <a:endCxn id="24" idx="0"/>
           </p:cNvCxnSpPr>
           <p:nvPr/>
         </p:nvCxnSpPr>
         <p:spPr>
+          <a:xfrm rot="10800000" flipV="1">
+            <a:off x="5551296" y="3322483"/>
+            <a:ext cx="1311786" cy="329702"/>
+          </a:xfrm>
+          <a:prstGeom prst="bentConnector2">
+            <a:avLst/>
+          </a:prstGeom>
+          <a:ln>
+            <a:tailEnd type="triangle"/>
+          </a:ln>
+        </p:spPr>
+        <p:style>
+          <a:lnRef idx="1">
+            <a:schemeClr val="accent1"/>
+          </a:lnRef>
+          <a:fillRef idx="0">
+            <a:schemeClr val="accent1"/>
+          </a:fillRef>
+          <a:effectRef idx="0">
+            <a:schemeClr val="accent1"/>
+          </a:effectRef>
+          <a:fontRef idx="minor">
+            <a:schemeClr val="tx1"/>
+          </a:fontRef>
+        </p:style>
+      </p:cxnSp>
+      <p:cxnSp>
+        <p:nvCxnSpPr>
+          <p:cNvPr id="26" name="Connecteur : en angle 25">
+            <a:extLst>
+              <a:ext uri="{FF2B5EF4-FFF2-40B4-BE49-F238E27FC236}">
+                <a16:creationId xmlns:a16="http://schemas.microsoft.com/office/drawing/2014/main" id="{757308AD-50AD-453A-AF14-553025D60398}"/>
+              </a:ext>
+            </a:extLst>
+          </p:cNvPr>
+          <p:cNvCxnSpPr>
+            <a:stCxn id="24" idx="2"/>
+            <a:endCxn id="12" idx="0"/>
+          </p:cNvCxnSpPr>
+          <p:nvPr/>
+        </p:nvCxnSpPr>
+        <p:spPr>
           <a:xfrm rot="16200000" flipH="1">
-            <a:off x="7085840" y="2375963"/>
-            <a:ext cx="505106" cy="522044"/>
+            <a:off x="6388622" y="3680748"/>
+            <a:ext cx="378281" cy="2052932"/>
           </a:xfrm>
           <a:prstGeom prst="bentConnector3">
-            <a:avLst>
-              <a:gd name="adj1" fmla="val 50000"/>
-            </a:avLst>
+            <a:avLst/>
           </a:prstGeom>
           <a:ln>
             <a:tailEnd type="triangle"/>
@@ -4256,10 +4129,10 @@
       </p:cxnSp>
       <p:sp>
         <p:nvSpPr>
-          <p:cNvPr id="20" name="Rectangle : coins arrondis 19">
+          <p:cNvPr id="27" name="Organigramme : Disque magnétique 26">
             <a:extLst>
               <a:ext uri="{FF2B5EF4-FFF2-40B4-BE49-F238E27FC236}">
-                <a16:creationId xmlns:a16="http://schemas.microsoft.com/office/drawing/2014/main" id="{F1C794B9-3E32-44EC-8D80-3AD46411BD04}"/>
+                <a16:creationId xmlns:a16="http://schemas.microsoft.com/office/drawing/2014/main" id="{38F85A44-0A4C-4B43-98D3-E3B1E4AC56FF}"/>
               </a:ext>
             </a:extLst>
           </p:cNvPr>
@@ -4268,15 +4141,12 @@
         </p:nvSpPr>
         <p:spPr>
           <a:xfrm>
-            <a:off x="6863082" y="2889538"/>
-            <a:ext cx="1472665" cy="865889"/>
-          </a:xfrm>
-          <a:prstGeom prst="roundRect">
+            <a:off x="4545746" y="1335278"/>
+            <a:ext cx="1472665" cy="1049154"/>
+          </a:xfrm>
+          <a:prstGeom prst="flowChartMagneticDisk">
             <a:avLst/>
           </a:prstGeom>
-          <a:solidFill>
-            <a:schemeClr val="accent6"/>
-          </a:solidFill>
           <a:ln>
             <a:solidFill>
               <a:schemeClr val="tx1"/>
@@ -4305,152 +4175,18 @@
           <a:p>
             <a:pPr algn="ctr"/>
             <a:r>
-              <a:rPr lang="fr-FR" dirty="0" err="1"/>
-              <a:t>Selected</a:t>
-            </a:r>
-            <a:r>
-              <a:rPr lang="fr-FR" dirty="0"/>
-              <a:t> model</a:t>
+              <a:rPr lang="fr-FR" sz="1400" dirty="0"/>
+              <a:t>Equilibrage</a:t>
             </a:r>
           </a:p>
         </p:txBody>
       </p:sp>
-      <p:cxnSp>
-        <p:nvCxnSpPr>
-          <p:cNvPr id="21" name="Connecteur : en angle 20">
-            <a:extLst>
-              <a:ext uri="{FF2B5EF4-FFF2-40B4-BE49-F238E27FC236}">
-                <a16:creationId xmlns:a16="http://schemas.microsoft.com/office/drawing/2014/main" id="{4DB94B9C-F099-4D1A-90CC-FC26187A7F11}"/>
-              </a:ext>
-            </a:extLst>
-          </p:cNvPr>
-          <p:cNvCxnSpPr>
-            <a:cxnSpLocks/>
-            <a:stCxn id="18" idx="2"/>
-            <a:endCxn id="20" idx="0"/>
-          </p:cNvCxnSpPr>
-          <p:nvPr/>
-        </p:nvCxnSpPr>
-        <p:spPr>
-          <a:xfrm rot="5400000">
-            <a:off x="8603924" y="1635758"/>
-            <a:ext cx="249272" cy="2258289"/>
-          </a:xfrm>
-          <a:prstGeom prst="bentConnector3">
-            <a:avLst>
-              <a:gd name="adj1" fmla="val 50000"/>
-            </a:avLst>
-          </a:prstGeom>
-          <a:ln>
-            <a:tailEnd type="triangle"/>
-          </a:ln>
-        </p:spPr>
-        <p:style>
-          <a:lnRef idx="1">
-            <a:schemeClr val="accent1"/>
-          </a:lnRef>
-          <a:fillRef idx="0">
-            <a:schemeClr val="accent1"/>
-          </a:fillRef>
-          <a:effectRef idx="0">
-            <a:schemeClr val="accent1"/>
-          </a:effectRef>
-          <a:fontRef idx="minor">
-            <a:schemeClr val="tx1"/>
-          </a:fontRef>
-        </p:style>
-      </p:cxnSp>
-      <p:cxnSp>
-        <p:nvCxnSpPr>
-          <p:cNvPr id="22" name="Connecteur : en angle 21">
-            <a:extLst>
-              <a:ext uri="{FF2B5EF4-FFF2-40B4-BE49-F238E27FC236}">
-                <a16:creationId xmlns:a16="http://schemas.microsoft.com/office/drawing/2014/main" id="{F762C4B9-F1C9-4D47-A5E3-961A12FC94E0}"/>
-              </a:ext>
-            </a:extLst>
-          </p:cNvPr>
-          <p:cNvCxnSpPr>
-            <a:stCxn id="7" idx="4"/>
-            <a:endCxn id="8" idx="2"/>
-          </p:cNvCxnSpPr>
-          <p:nvPr/>
-        </p:nvCxnSpPr>
-        <p:spPr>
-          <a:xfrm flipV="1">
-            <a:off x="2310268" y="1864476"/>
-            <a:ext cx="474045" cy="1529020"/>
-          </a:xfrm>
-          <a:prstGeom prst="bentConnector3">
-            <a:avLst/>
-          </a:prstGeom>
-          <a:ln>
-            <a:tailEnd type="triangle"/>
-          </a:ln>
-        </p:spPr>
-        <p:style>
-          <a:lnRef idx="1">
-            <a:schemeClr val="accent1"/>
-          </a:lnRef>
-          <a:fillRef idx="0">
-            <a:schemeClr val="accent1"/>
-          </a:fillRef>
-          <a:effectRef idx="0">
-            <a:schemeClr val="accent1"/>
-          </a:effectRef>
-          <a:fontRef idx="minor">
-            <a:schemeClr val="tx1"/>
-          </a:fontRef>
-        </p:style>
-      </p:cxnSp>
-      <p:cxnSp>
-        <p:nvCxnSpPr>
-          <p:cNvPr id="23" name="Connecteur : en angle 22">
-            <a:extLst>
-              <a:ext uri="{FF2B5EF4-FFF2-40B4-BE49-F238E27FC236}">
-                <a16:creationId xmlns:a16="http://schemas.microsoft.com/office/drawing/2014/main" id="{94271C17-E007-4183-990F-68B748FB05A6}"/>
-              </a:ext>
-            </a:extLst>
-          </p:cNvPr>
-          <p:cNvCxnSpPr>
-            <a:cxnSpLocks/>
-            <a:stCxn id="8" idx="3"/>
-            <a:endCxn id="24" idx="1"/>
-          </p:cNvCxnSpPr>
-          <p:nvPr/>
-        </p:nvCxnSpPr>
-        <p:spPr>
-          <a:xfrm rot="16200000" flipH="1">
-            <a:off x="3319766" y="2589932"/>
-            <a:ext cx="1696077" cy="1294317"/>
-          </a:xfrm>
-          <a:prstGeom prst="bentConnector2">
-            <a:avLst/>
-          </a:prstGeom>
-          <a:ln>
-            <a:tailEnd type="triangle"/>
-          </a:ln>
-        </p:spPr>
-        <p:style>
-          <a:lnRef idx="1">
-            <a:schemeClr val="accent1"/>
-          </a:lnRef>
-          <a:fillRef idx="0">
-            <a:schemeClr val="accent1"/>
-          </a:fillRef>
-          <a:effectRef idx="0">
-            <a:schemeClr val="accent1"/>
-          </a:effectRef>
-          <a:fontRef idx="minor">
-            <a:schemeClr val="tx1"/>
-          </a:fontRef>
-        </p:style>
-      </p:cxnSp>
       <p:sp>
         <p:nvSpPr>
-          <p:cNvPr id="24" name="Rectangle : coins arrondis 23">
+          <p:cNvPr id="28" name="Organigramme : Disque magnétique 27">
             <a:extLst>
               <a:ext uri="{FF2B5EF4-FFF2-40B4-BE49-F238E27FC236}">
-                <a16:creationId xmlns:a16="http://schemas.microsoft.com/office/drawing/2014/main" id="{B2FE43E1-A131-42B8-BD77-B97186EAA694}"/>
+                <a16:creationId xmlns:a16="http://schemas.microsoft.com/office/drawing/2014/main" id="{88FB7163-9904-4A73-8B4B-DA2BF37BC0A8}"/>
               </a:ext>
             </a:extLst>
           </p:cNvPr>
@@ -4459,15 +4195,12 @@
         </p:nvSpPr>
         <p:spPr>
           <a:xfrm>
-            <a:off x="4814963" y="3652185"/>
-            <a:ext cx="1472665" cy="865889"/>
-          </a:xfrm>
-          <a:prstGeom prst="roundRect">
+            <a:off x="6341038" y="1335278"/>
+            <a:ext cx="1472665" cy="1049154"/>
+          </a:xfrm>
+          <a:prstGeom prst="flowChartMagneticDisk">
             <a:avLst/>
           </a:prstGeom>
-          <a:solidFill>
-            <a:schemeClr val="accent6"/>
-          </a:solidFill>
           <a:ln>
             <a:solidFill>
               <a:schemeClr val="tx1"/>
@@ -4496,44 +4229,37 @@
           <a:p>
             <a:pPr algn="ctr"/>
             <a:r>
-              <a:rPr lang="fr-FR" dirty="0" err="1"/>
-              <a:t>Selected</a:t>
-            </a:r>
-            <a:r>
-              <a:rPr lang="fr-FR" dirty="0"/>
-              <a:t> </a:t>
-            </a:r>
-            <a:r>
-              <a:rPr lang="fr-FR" dirty="0" err="1"/>
-              <a:t>threshold</a:t>
-            </a:r>
-            <a:endParaRPr lang="fr-FR" dirty="0"/>
+              <a:rPr lang="fr-FR" sz="1400" dirty="0" err="1"/>
+              <a:t>Echantillonage</a:t>
+            </a:r>
+            <a:endParaRPr lang="fr-FR" sz="1400" dirty="0"/>
           </a:p>
         </p:txBody>
       </p:sp>
       <p:cxnSp>
         <p:nvCxnSpPr>
-          <p:cNvPr id="25" name="Connecteur : en angle 24">
+          <p:cNvPr id="29" name="Connecteur : en angle 28">
             <a:extLst>
               <a:ext uri="{FF2B5EF4-FFF2-40B4-BE49-F238E27FC236}">
-                <a16:creationId xmlns:a16="http://schemas.microsoft.com/office/drawing/2014/main" id="{0942D7D0-0F92-4BEE-82C6-44A6644F54C3}"/>
+                <a16:creationId xmlns:a16="http://schemas.microsoft.com/office/drawing/2014/main" id="{0B166E59-BFF2-4F8E-8A5F-8AADB0F543BB}"/>
               </a:ext>
             </a:extLst>
           </p:cNvPr>
           <p:cNvCxnSpPr>
-            <a:cxnSpLocks/>
-            <a:stCxn id="20" idx="1"/>
-            <a:endCxn id="24" idx="0"/>
+            <a:stCxn id="20" idx="3"/>
+            <a:endCxn id="12" idx="3"/>
           </p:cNvCxnSpPr>
           <p:nvPr/>
         </p:nvCxnSpPr>
         <p:spPr>
-          <a:xfrm rot="10800000" flipV="1">
-            <a:off x="5551296" y="3322483"/>
-            <a:ext cx="1311786" cy="329702"/>
-          </a:xfrm>
-          <a:prstGeom prst="bentConnector2">
-            <a:avLst/>
+          <a:xfrm>
+            <a:off x="8335747" y="3322483"/>
+            <a:ext cx="4813" cy="2006817"/>
+          </a:xfrm>
+          <a:prstGeom prst="bentConnector3">
+            <a:avLst>
+              <a:gd name="adj1" fmla="val 4849636"/>
+            </a:avLst>
           </a:prstGeom>
           <a:ln>
             <a:tailEnd type="triangle"/>
@@ -4556,25 +4282,26 @@
       </p:cxnSp>
       <p:cxnSp>
         <p:nvCxnSpPr>
-          <p:cNvPr id="26" name="Connecteur : en angle 25">
+          <p:cNvPr id="30" name="Connecteur : en angle 29">
             <a:extLst>
               <a:ext uri="{FF2B5EF4-FFF2-40B4-BE49-F238E27FC236}">
-                <a16:creationId xmlns:a16="http://schemas.microsoft.com/office/drawing/2014/main" id="{757308AD-50AD-453A-AF14-553025D60398}"/>
+                <a16:creationId xmlns:a16="http://schemas.microsoft.com/office/drawing/2014/main" id="{876FB556-8954-42F4-9D25-FCD16148363F}"/>
               </a:ext>
             </a:extLst>
           </p:cNvPr>
           <p:cNvCxnSpPr>
-            <a:stCxn id="24" idx="2"/>
-            <a:endCxn id="12" idx="0"/>
+            <a:cxnSpLocks/>
+            <a:stCxn id="7" idx="3"/>
+            <a:endCxn id="31" idx="1"/>
           </p:cNvCxnSpPr>
           <p:nvPr/>
         </p:nvCxnSpPr>
         <p:spPr>
           <a:xfrm rot="16200000" flipH="1">
-            <a:off x="6388622" y="3680748"/>
-            <a:ext cx="378281" cy="2052932"/>
-          </a:xfrm>
-          <a:prstGeom prst="bentConnector3">
+            <a:off x="4326999" y="1251636"/>
+            <a:ext cx="2159846" cy="7665973"/>
+          </a:xfrm>
+          <a:prstGeom prst="bentConnector2">
             <a:avLst/>
           </a:prstGeom>
           <a:ln>
@@ -4598,10 +4325,10 @@
       </p:cxnSp>
       <p:sp>
         <p:nvSpPr>
-          <p:cNvPr id="27" name="Organigramme : Disque magnétique 26">
+          <p:cNvPr id="31" name="Rectangle : coins arrondis 30">
             <a:extLst>
               <a:ext uri="{FF2B5EF4-FFF2-40B4-BE49-F238E27FC236}">
-                <a16:creationId xmlns:a16="http://schemas.microsoft.com/office/drawing/2014/main" id="{38F85A44-0A4C-4B43-98D3-E3B1E4AC56FF}"/>
+                <a16:creationId xmlns:a16="http://schemas.microsoft.com/office/drawing/2014/main" id="{72B9595C-D2AA-4907-B212-FBD6866B2F59}"/>
               </a:ext>
             </a:extLst>
           </p:cNvPr>
@@ -4610,12 +4337,15 @@
         </p:nvSpPr>
         <p:spPr>
           <a:xfrm>
-            <a:off x="4545746" y="1335278"/>
-            <a:ext cx="1472665" cy="1049154"/>
-          </a:xfrm>
-          <a:prstGeom prst="flowChartMagneticDisk">
+            <a:off x="9239909" y="5731601"/>
+            <a:ext cx="1472665" cy="865889"/>
+          </a:xfrm>
+          <a:prstGeom prst="roundRect">
             <a:avLst/>
           </a:prstGeom>
+          <a:solidFill>
+            <a:schemeClr val="accent6"/>
+          </a:solidFill>
           <a:ln>
             <a:solidFill>
               <a:schemeClr val="tx1"/>
@@ -4644,19 +4374,18 @@
           <a:p>
             <a:pPr algn="ctr"/>
             <a:r>
-              <a:rPr lang="fr-FR" dirty="0" err="1"/>
-              <a:t>Balanced</a:t>
-            </a:r>
-            <a:endParaRPr lang="fr-FR" dirty="0"/>
+              <a:rPr lang="fr-FR" dirty="0"/>
+              <a:t>Modèle final</a:t>
+            </a:r>
           </a:p>
         </p:txBody>
       </p:sp>
       <p:sp>
         <p:nvSpPr>
-          <p:cNvPr id="28" name="Organigramme : Disque magnétique 27">
+          <p:cNvPr id="32" name="Organigramme : Disque magnétique 31">
             <a:extLst>
               <a:ext uri="{FF2B5EF4-FFF2-40B4-BE49-F238E27FC236}">
-                <a16:creationId xmlns:a16="http://schemas.microsoft.com/office/drawing/2014/main" id="{88FB7163-9904-4A73-8B4B-DA2BF37BC0A8}"/>
+                <a16:creationId xmlns:a16="http://schemas.microsoft.com/office/drawing/2014/main" id="{0BD8AC44-F9A2-4F2B-B378-69BC0D8CD918}"/>
               </a:ext>
             </a:extLst>
           </p:cNvPr>
@@ -4665,7 +4394,7 @@
         </p:nvSpPr>
         <p:spPr>
           <a:xfrm>
-            <a:off x="6341038" y="1335278"/>
+            <a:off x="8550035" y="1335278"/>
             <a:ext cx="1472665" cy="1049154"/>
           </a:xfrm>
           <a:prstGeom prst="flowChartMagneticDisk">
@@ -4699,37 +4428,33 @@
           <a:p>
             <a:pPr algn="ctr"/>
             <a:r>
-              <a:rPr lang="fr-FR" dirty="0" err="1"/>
-              <a:t>Sampled</a:t>
-            </a:r>
-            <a:endParaRPr lang="fr-FR" dirty="0"/>
+              <a:rPr lang="fr-FR" sz="1400" dirty="0"/>
+              <a:t>Evaluation </a:t>
+            </a:r>
           </a:p>
         </p:txBody>
       </p:sp>
       <p:cxnSp>
         <p:nvCxnSpPr>
-          <p:cNvPr id="29" name="Connecteur : en angle 28">
+          <p:cNvPr id="33" name="Connecteur droit avec flèche 32">
             <a:extLst>
               <a:ext uri="{FF2B5EF4-FFF2-40B4-BE49-F238E27FC236}">
-                <a16:creationId xmlns:a16="http://schemas.microsoft.com/office/drawing/2014/main" id="{0B166E59-BFF2-4F8E-8A5F-8AADB0F543BB}"/>
+                <a16:creationId xmlns:a16="http://schemas.microsoft.com/office/drawing/2014/main" id="{D4994FBF-2126-4604-B366-45929DD175D3}"/>
               </a:ext>
             </a:extLst>
           </p:cNvPr>
           <p:cNvCxnSpPr>
-            <a:stCxn id="20" idx="3"/>
-            <a:endCxn id="12" idx="3"/>
+            <a:cxnSpLocks/>
           </p:cNvCxnSpPr>
           <p:nvPr/>
         </p:nvCxnSpPr>
         <p:spPr>
           <a:xfrm>
-            <a:off x="8335747" y="3322483"/>
-            <a:ext cx="4813" cy="2006817"/>
-          </a:xfrm>
-          <a:prstGeom prst="bentConnector3">
-            <a:avLst>
-              <a:gd name="adj1" fmla="val 4849636"/>
-            </a:avLst>
+            <a:off x="10022700" y="2340999"/>
+            <a:ext cx="585310" cy="415741"/>
+          </a:xfrm>
+          <a:prstGeom prst="straightConnector1">
+            <a:avLst/>
           </a:prstGeom>
           <a:ln>
             <a:tailEnd type="triangle"/>
@@ -4752,26 +4477,24 @@
       </p:cxnSp>
       <p:cxnSp>
         <p:nvCxnSpPr>
-          <p:cNvPr id="30" name="Connecteur : en angle 29">
+          <p:cNvPr id="34" name="Connecteur droit avec flèche 33">
             <a:extLst>
               <a:ext uri="{FF2B5EF4-FFF2-40B4-BE49-F238E27FC236}">
-                <a16:creationId xmlns:a16="http://schemas.microsoft.com/office/drawing/2014/main" id="{876FB556-8954-42F4-9D25-FCD16148363F}"/>
+                <a16:creationId xmlns:a16="http://schemas.microsoft.com/office/drawing/2014/main" id="{C5039C0D-2410-4960-93B2-8CF09CF1C6E8}"/>
               </a:ext>
             </a:extLst>
           </p:cNvPr>
           <p:cNvCxnSpPr>
             <a:cxnSpLocks/>
-            <a:stCxn id="7" idx="3"/>
-            <a:endCxn id="31" idx="1"/>
           </p:cNvCxnSpPr>
           <p:nvPr/>
         </p:nvCxnSpPr>
         <p:spPr>
-          <a:xfrm rot="16200000" flipH="1">
-            <a:off x="4326999" y="1251636"/>
-            <a:ext cx="2159846" cy="7665973"/>
-          </a:xfrm>
-          <a:prstGeom prst="bentConnector2">
+          <a:xfrm flipV="1">
+            <a:off x="10074871" y="1088136"/>
+            <a:ext cx="637703" cy="759429"/>
+          </a:xfrm>
+          <a:prstGeom prst="straightConnector1">
             <a:avLst/>
           </a:prstGeom>
           <a:ln>
@@ -4795,10 +4518,10 @@
       </p:cxnSp>
       <p:sp>
         <p:nvSpPr>
-          <p:cNvPr id="31" name="Rectangle : coins arrondis 30">
+          <p:cNvPr id="35" name="Rectangle : coins arrondis 34">
             <a:extLst>
               <a:ext uri="{FF2B5EF4-FFF2-40B4-BE49-F238E27FC236}">
-                <a16:creationId xmlns:a16="http://schemas.microsoft.com/office/drawing/2014/main" id="{72B9595C-D2AA-4907-B212-FBD6866B2F59}"/>
+                <a16:creationId xmlns:a16="http://schemas.microsoft.com/office/drawing/2014/main" id="{A36984F9-F11A-474D-9595-7DD4DFF711E0}"/>
               </a:ext>
             </a:extLst>
           </p:cNvPr>
@@ -4807,14 +4530,14 @@
         </p:nvSpPr>
         <p:spPr>
           <a:xfrm>
-            <a:off x="9239909" y="5731601"/>
-            <a:ext cx="1472665" cy="865889"/>
+            <a:off x="8803944" y="454360"/>
+            <a:ext cx="3235068" cy="521476"/>
           </a:xfrm>
           <a:prstGeom prst="roundRect">
             <a:avLst/>
           </a:prstGeom>
           <a:solidFill>
-            <a:schemeClr val="accent6"/>
+            <a:schemeClr val="accent2"/>
           </a:solidFill>
           <a:ln>
             <a:solidFill>
@@ -4844,9 +4567,30 @@
           <a:p>
             <a:pPr algn="ctr"/>
             <a:r>
-              <a:rPr lang="fr-FR" dirty="0"/>
-              <a:t>Final model</a:t>
-            </a:r>
+              <a:rPr lang="fr-FR" sz="1400" dirty="0"/>
+              <a:t>Comparaison entre </a:t>
+            </a:r>
+            <a:r>
+              <a:rPr lang="fr-FR" sz="1400" dirty="0" err="1"/>
+              <a:t>lightGBM</a:t>
+            </a:r>
+            <a:r>
+              <a:rPr lang="fr-FR" sz="1400" dirty="0"/>
+              <a:t> et </a:t>
+            </a:r>
+            <a:r>
+              <a:rPr lang="fr-FR" sz="1400" dirty="0" err="1"/>
+              <a:t>random</a:t>
+            </a:r>
+            <a:r>
+              <a:rPr lang="fr-FR" sz="1400" dirty="0"/>
+              <a:t> </a:t>
+            </a:r>
+            <a:r>
+              <a:rPr lang="fr-FR" sz="1400" dirty="0" err="1"/>
+              <a:t>forest</a:t>
+            </a:r>
+            <a:endParaRPr lang="fr-FR" sz="1400" dirty="0"/>
           </a:p>
         </p:txBody>
       </p:sp>
@@ -5173,60 +4917,6 @@
                                           </p:stCondLst>
                                         </p:cTn>
                                         <p:tgtEl>
-                                          <p:spTgt spid="10"/>
-                                        </p:tgtEl>
-                                        <p:attrNameLst>
-                                          <p:attrName>style.visibility</p:attrName>
-                                        </p:attrNameLst>
-                                      </p:cBhvr>
-                                      <p:to>
-                                        <p:strVal val="visible"/>
-                                      </p:to>
-                                    </p:set>
-                                  </p:childTnLst>
-                                </p:cTn>
-                              </p:par>
-                              <p:par>
-                                <p:cTn id="29" presetID="1" presetClass="entr" presetSubtype="0" fill="hold" grpId="0" nodeType="withEffect">
-                                  <p:stCondLst>
-                                    <p:cond delay="0"/>
-                                  </p:stCondLst>
-                                  <p:childTnLst>
-                                    <p:set>
-                                      <p:cBhvr>
-                                        <p:cTn id="30" dur="1" fill="hold">
-                                          <p:stCondLst>
-                                            <p:cond delay="0"/>
-                                          </p:stCondLst>
-                                        </p:cTn>
-                                        <p:tgtEl>
-                                          <p:spTgt spid="11"/>
-                                        </p:tgtEl>
-                                        <p:attrNameLst>
-                                          <p:attrName>style.visibility</p:attrName>
-                                        </p:attrNameLst>
-                                      </p:cBhvr>
-                                      <p:to>
-                                        <p:strVal val="visible"/>
-                                      </p:to>
-                                    </p:set>
-                                  </p:childTnLst>
-                                </p:cTn>
-                              </p:par>
-                              <p:par>
-                                <p:cTn id="31" presetID="1" presetClass="entr" presetSubtype="0" fill="hold" grpId="0" nodeType="withEffect">
-                                  <p:stCondLst>
-                                    <p:cond delay="0"/>
-                                  </p:stCondLst>
-                                  <p:childTnLst>
-                                    <p:set>
-                                      <p:cBhvr>
-                                        <p:cTn id="32" dur="1" fill="hold">
-                                          <p:stCondLst>
-                                            <p:cond delay="0"/>
-                                          </p:stCondLst>
-                                        </p:cTn>
-                                        <p:tgtEl>
                                           <p:spTgt spid="18"/>
                                         </p:tgtEl>
                                         <p:attrNameLst>
@@ -5247,26 +4937,26 @@
                     </p:cTn>
                   </p:par>
                   <p:par>
-                    <p:cTn id="33" fill="hold">
+                    <p:cTn id="29" fill="hold">
                       <p:stCondLst>
                         <p:cond delay="indefinite"/>
                       </p:stCondLst>
                       <p:childTnLst>
                         <p:par>
-                          <p:cTn id="34" fill="hold">
+                          <p:cTn id="30" fill="hold">
                             <p:stCondLst>
                               <p:cond delay="0"/>
                             </p:stCondLst>
                             <p:childTnLst>
                               <p:par>
-                                <p:cTn id="35" presetID="1" presetClass="entr" presetSubtype="0" fill="hold" nodeType="clickEffect">
+                                <p:cTn id="31" presetID="1" presetClass="entr" presetSubtype="0" fill="hold" nodeType="clickEffect">
                                   <p:stCondLst>
                                     <p:cond delay="0"/>
                                   </p:stCondLst>
                                   <p:childTnLst>
                                     <p:set>
                                       <p:cBhvr>
-                                        <p:cTn id="36" dur="1" fill="hold">
+                                        <p:cTn id="32" dur="1" fill="hold">
                                           <p:stCondLst>
                                             <p:cond delay="0"/>
                                           </p:stCondLst>
@@ -5286,7 +4976,52 @@
                                 </p:cTn>
                               </p:par>
                               <p:par>
-                                <p:cTn id="37" presetID="1" presetClass="entr" presetSubtype="0" fill="hold" nodeType="withEffect">
+                                <p:cTn id="33" presetID="1" presetClass="entr" presetSubtype="0" fill="hold" grpId="0" nodeType="withEffect">
+                                  <p:stCondLst>
+                                    <p:cond delay="0"/>
+                                  </p:stCondLst>
+                                  <p:childTnLst>
+                                    <p:set>
+                                      <p:cBhvr>
+                                        <p:cTn id="34" dur="1" fill="hold">
+                                          <p:stCondLst>
+                                            <p:cond delay="0"/>
+                                          </p:stCondLst>
+                                        </p:cTn>
+                                        <p:tgtEl>
+                                          <p:spTgt spid="20"/>
+                                        </p:tgtEl>
+                                        <p:attrNameLst>
+                                          <p:attrName>style.visibility</p:attrName>
+                                        </p:attrNameLst>
+                                      </p:cBhvr>
+                                      <p:to>
+                                        <p:strVal val="visible"/>
+                                      </p:to>
+                                    </p:set>
+                                  </p:childTnLst>
+                                </p:cTn>
+                              </p:par>
+                            </p:childTnLst>
+                          </p:cTn>
+                        </p:par>
+                      </p:childTnLst>
+                    </p:cTn>
+                  </p:par>
+                  <p:par>
+                    <p:cTn id="35" fill="hold">
+                      <p:stCondLst>
+                        <p:cond delay="indefinite"/>
+                      </p:stCondLst>
+                      <p:childTnLst>
+                        <p:par>
+                          <p:cTn id="36" fill="hold">
+                            <p:stCondLst>
+                              <p:cond delay="0"/>
+                            </p:stCondLst>
+                            <p:childTnLst>
+                              <p:par>
+                                <p:cTn id="37" presetID="1" presetClass="entr" presetSubtype="0" fill="hold" nodeType="clickEffect">
                                   <p:stCondLst>
                                     <p:cond delay="0"/>
                                   </p:stCondLst>
@@ -5299,7 +5034,7 @@
                                           </p:stCondLst>
                                         </p:cTn>
                                         <p:tgtEl>
-                                          <p:spTgt spid="21"/>
+                                          <p:spTgt spid="23"/>
                                         </p:tgtEl>
                                         <p:attrNameLst>
                                           <p:attrName>style.visibility</p:attrName>
@@ -5326,7 +5061,34 @@
                                           </p:stCondLst>
                                         </p:cTn>
                                         <p:tgtEl>
-                                          <p:spTgt spid="20"/>
+                                          <p:spTgt spid="24"/>
+                                        </p:tgtEl>
+                                        <p:attrNameLst>
+                                          <p:attrName>style.visibility</p:attrName>
+                                        </p:attrNameLst>
+                                      </p:cBhvr>
+                                      <p:to>
+                                        <p:strVal val="visible"/>
+                                      </p:to>
+                                    </p:set>
+                                  </p:childTnLst>
+                                </p:cTn>
+                              </p:par>
+                              <p:par>
+                                <p:cTn id="41" presetID="1" presetClass="entr" presetSubtype="0" fill="hold" nodeType="withEffect">
+                                  <p:stCondLst>
+                                    <p:cond delay="0"/>
+                                  </p:stCondLst>
+                                  <p:childTnLst>
+                                    <p:set>
+                                      <p:cBhvr>
+                                        <p:cTn id="42" dur="1" fill="hold">
+                                          <p:stCondLst>
+                                            <p:cond delay="0"/>
+                                          </p:stCondLst>
+                                        </p:cTn>
+                                        <p:tgtEl>
+                                          <p:spTgt spid="25"/>
                                         </p:tgtEl>
                                         <p:attrNameLst>
                                           <p:attrName>style.visibility</p:attrName>
@@ -5346,46 +5108,19 @@
                     </p:cTn>
                   </p:par>
                   <p:par>
-                    <p:cTn id="41" fill="hold">
+                    <p:cTn id="43" fill="hold">
                       <p:stCondLst>
                         <p:cond delay="indefinite"/>
                       </p:stCondLst>
                       <p:childTnLst>
                         <p:par>
-                          <p:cTn id="42" fill="hold">
+                          <p:cTn id="44" fill="hold">
                             <p:stCondLst>
                               <p:cond delay="0"/>
                             </p:stCondLst>
                             <p:childTnLst>
                               <p:par>
-                                <p:cTn id="43" presetID="1" presetClass="entr" presetSubtype="0" fill="hold" nodeType="clickEffect">
-                                  <p:stCondLst>
-                                    <p:cond delay="0"/>
-                                  </p:stCondLst>
-                                  <p:childTnLst>
-                                    <p:set>
-                                      <p:cBhvr>
-                                        <p:cTn id="44" dur="1" fill="hold">
-                                          <p:stCondLst>
-                                            <p:cond delay="0"/>
-                                          </p:stCondLst>
-                                        </p:cTn>
-                                        <p:tgtEl>
-                                          <p:spTgt spid="23"/>
-                                        </p:tgtEl>
-                                        <p:attrNameLst>
-                                          <p:attrName>style.visibility</p:attrName>
-                                        </p:attrNameLst>
-                                      </p:cBhvr>
-                                      <p:to>
-                                        <p:strVal val="visible"/>
-                                      </p:to>
-                                    </p:set>
-                                  </p:childTnLst>
-                                </p:cTn>
-                              </p:par>
-                              <p:par>
-                                <p:cTn id="45" presetID="1" presetClass="entr" presetSubtype="0" fill="hold" grpId="0" nodeType="withEffect">
+                                <p:cTn id="45" presetID="1" presetClass="entr" presetSubtype="0" fill="hold" nodeType="clickEffect">
                                   <p:stCondLst>
                                     <p:cond delay="0"/>
                                   </p:stCondLst>
@@ -5398,7 +5133,7 @@
                                           </p:stCondLst>
                                         </p:cTn>
                                         <p:tgtEl>
-                                          <p:spTgt spid="24"/>
+                                          <p:spTgt spid="26"/>
                                         </p:tgtEl>
                                         <p:attrNameLst>
                                           <p:attrName>style.visibility</p:attrName>
@@ -5425,7 +5160,61 @@
                                           </p:stCondLst>
                                         </p:cTn>
                                         <p:tgtEl>
-                                          <p:spTgt spid="25"/>
+                                          <p:spTgt spid="14"/>
+                                        </p:tgtEl>
+                                        <p:attrNameLst>
+                                          <p:attrName>style.visibility</p:attrName>
+                                        </p:attrNameLst>
+                                      </p:cBhvr>
+                                      <p:to>
+                                        <p:strVal val="visible"/>
+                                      </p:to>
+                                    </p:set>
+                                  </p:childTnLst>
+                                </p:cTn>
+                              </p:par>
+                              <p:par>
+                                <p:cTn id="49" presetID="1" presetClass="entr" presetSubtype="0" fill="hold" nodeType="withEffect">
+                                  <p:stCondLst>
+                                    <p:cond delay="0"/>
+                                  </p:stCondLst>
+                                  <p:childTnLst>
+                                    <p:set>
+                                      <p:cBhvr>
+                                        <p:cTn id="50" dur="1" fill="hold">
+                                          <p:stCondLst>
+                                            <p:cond delay="0"/>
+                                          </p:stCondLst>
+                                        </p:cTn>
+                                        <p:tgtEl>
+                                          <p:spTgt spid="29"/>
+                                        </p:tgtEl>
+                                        <p:attrNameLst>
+                                          <p:attrName>style.visibility</p:attrName>
+                                        </p:attrNameLst>
+                                      </p:cBhvr>
+                                      <p:to>
+                                        <p:strVal val="visible"/>
+                                      </p:to>
+                                    </p:set>
+                                  </p:childTnLst>
+                                </p:cTn>
+                              </p:par>
+                              <p:par>
+                                <p:cTn id="51" presetID="1" presetClass="entr" presetSubtype="0" fill="hold" grpId="0" nodeType="withEffect">
+                                  <p:stCondLst>
+                                    <p:cond delay="0"/>
+                                  </p:stCondLst>
+                                  <p:childTnLst>
+                                    <p:set>
+                                      <p:cBhvr>
+                                        <p:cTn id="52" dur="1" fill="hold">
+                                          <p:stCondLst>
+                                            <p:cond delay="0"/>
+                                          </p:stCondLst>
+                                        </p:cTn>
+                                        <p:tgtEl>
+                                          <p:spTgt spid="12"/>
                                         </p:tgtEl>
                                         <p:attrNameLst>
                                           <p:attrName>style.visibility</p:attrName>
@@ -5445,73 +5234,19 @@
                     </p:cTn>
                   </p:par>
                   <p:par>
-                    <p:cTn id="49" fill="hold">
+                    <p:cTn id="53" fill="hold">
                       <p:stCondLst>
                         <p:cond delay="indefinite"/>
                       </p:stCondLst>
                       <p:childTnLst>
                         <p:par>
-                          <p:cTn id="50" fill="hold">
+                          <p:cTn id="54" fill="hold">
                             <p:stCondLst>
                               <p:cond delay="0"/>
                             </p:stCondLst>
                             <p:childTnLst>
                               <p:par>
-                                <p:cTn id="51" presetID="1" presetClass="entr" presetSubtype="0" fill="hold" nodeType="clickEffect">
-                                  <p:stCondLst>
-                                    <p:cond delay="0"/>
-                                  </p:stCondLst>
-                                  <p:childTnLst>
-                                    <p:set>
-                                      <p:cBhvr>
-                                        <p:cTn id="52" dur="1" fill="hold">
-                                          <p:stCondLst>
-                                            <p:cond delay="0"/>
-                                          </p:stCondLst>
-                                        </p:cTn>
-                                        <p:tgtEl>
-                                          <p:spTgt spid="26"/>
-                                        </p:tgtEl>
-                                        <p:attrNameLst>
-                                          <p:attrName>style.visibility</p:attrName>
-                                        </p:attrNameLst>
-                                      </p:cBhvr>
-                                      <p:to>
-                                        <p:strVal val="visible"/>
-                                      </p:to>
-                                    </p:set>
-                                  </p:childTnLst>
-                                </p:cTn>
-                              </p:par>
-                              <p:par>
-                                <p:cTn id="53" presetID="1" presetClass="entr" presetSubtype="0" fill="hold" nodeType="withEffect">
-                                  <p:stCondLst>
-                                    <p:cond delay="0"/>
-                                  </p:stCondLst>
-                                  <p:childTnLst>
-                                    <p:set>
-                                      <p:cBhvr>
-                                        <p:cTn id="54" dur="1" fill="hold">
-                                          <p:stCondLst>
-                                            <p:cond delay="0"/>
-                                          </p:stCondLst>
-                                        </p:cTn>
-                                        <p:tgtEl>
-                                          <p:spTgt spid="14"/>
-                                        </p:tgtEl>
-                                        <p:attrNameLst>
-                                          <p:attrName>style.visibility</p:attrName>
-                                        </p:attrNameLst>
-                                      </p:cBhvr>
-                                      <p:to>
-                                        <p:strVal val="visible"/>
-                                      </p:to>
-                                    </p:set>
-                                  </p:childTnLst>
-                                </p:cTn>
-                              </p:par>
-                              <p:par>
-                                <p:cTn id="55" presetID="1" presetClass="entr" presetSubtype="0" fill="hold" nodeType="withEffect">
+                                <p:cTn id="55" presetID="1" presetClass="entr" presetSubtype="0" fill="hold" nodeType="clickEffect">
                                   <p:stCondLst>
                                     <p:cond delay="0"/>
                                   </p:stCondLst>
@@ -5524,7 +5259,7 @@
                                           </p:stCondLst>
                                         </p:cTn>
                                         <p:tgtEl>
-                                          <p:spTgt spid="29"/>
+                                          <p:spTgt spid="30"/>
                                         </p:tgtEl>
                                         <p:attrNameLst>
                                           <p:attrName>style.visibility</p:attrName>
@@ -5551,7 +5286,34 @@
                                           </p:stCondLst>
                                         </p:cTn>
                                         <p:tgtEl>
-                                          <p:spTgt spid="12"/>
+                                          <p:spTgt spid="31"/>
+                                        </p:tgtEl>
+                                        <p:attrNameLst>
+                                          <p:attrName>style.visibility</p:attrName>
+                                        </p:attrNameLst>
+                                      </p:cBhvr>
+                                      <p:to>
+                                        <p:strVal val="visible"/>
+                                      </p:to>
+                                    </p:set>
+                                  </p:childTnLst>
+                                </p:cTn>
+                              </p:par>
+                              <p:par>
+                                <p:cTn id="59" presetID="1" presetClass="entr" presetSubtype="0" fill="hold" grpId="0" nodeType="withEffect">
+                                  <p:stCondLst>
+                                    <p:cond delay="0"/>
+                                  </p:stCondLst>
+                                  <p:childTnLst>
+                                    <p:set>
+                                      <p:cBhvr>
+                                        <p:cTn id="60" dur="1" fill="hold">
+                                          <p:stCondLst>
+                                            <p:cond delay="0"/>
+                                          </p:stCondLst>
+                                        </p:cTn>
+                                        <p:tgtEl>
+                                          <p:spTgt spid="32"/>
                                         </p:tgtEl>
                                         <p:attrNameLst>
                                           <p:attrName>style.visibility</p:attrName>
@@ -5571,32 +5333,77 @@
                     </p:cTn>
                   </p:par>
                   <p:par>
-                    <p:cTn id="59" fill="hold">
+                    <p:cTn id="61" fill="hold">
                       <p:stCondLst>
                         <p:cond delay="indefinite"/>
                       </p:stCondLst>
                       <p:childTnLst>
                         <p:par>
-                          <p:cTn id="60" fill="hold">
+                          <p:cTn id="62" fill="hold">
                             <p:stCondLst>
                               <p:cond delay="0"/>
                             </p:stCondLst>
                             <p:childTnLst>
                               <p:par>
-                                <p:cTn id="61" presetID="1" presetClass="entr" presetSubtype="0" fill="hold" nodeType="clickEffect">
+                                <p:cTn id="63" presetID="1" presetClass="entr" presetSubtype="0" fill="hold" nodeType="clickEffect">
                                   <p:stCondLst>
                                     <p:cond delay="0"/>
                                   </p:stCondLst>
                                   <p:childTnLst>
                                     <p:set>
                                       <p:cBhvr>
-                                        <p:cTn id="62" dur="1" fill="hold">
+                                        <p:cTn id="64" dur="1" fill="hold">
                                           <p:stCondLst>
                                             <p:cond delay="0"/>
                                           </p:stCondLst>
                                         </p:cTn>
                                         <p:tgtEl>
-                                          <p:spTgt spid="30"/>
+                                          <p:spTgt spid="33"/>
+                                        </p:tgtEl>
+                                        <p:attrNameLst>
+                                          <p:attrName>style.visibility</p:attrName>
+                                        </p:attrNameLst>
+                                      </p:cBhvr>
+                                      <p:to>
+                                        <p:strVal val="visible"/>
+                                      </p:to>
+                                    </p:set>
+                                  </p:childTnLst>
+                                </p:cTn>
+                              </p:par>
+                            </p:childTnLst>
+                          </p:cTn>
+                        </p:par>
+                      </p:childTnLst>
+                    </p:cTn>
+                  </p:par>
+                  <p:par>
+                    <p:cTn id="65" fill="hold">
+                      <p:stCondLst>
+                        <p:cond delay="indefinite"/>
+                      </p:stCondLst>
+                      <p:childTnLst>
+                        <p:par>
+                          <p:cTn id="66" fill="hold">
+                            <p:stCondLst>
+                              <p:cond delay="0"/>
+                            </p:stCondLst>
+                            <p:childTnLst>
+                              <p:par>
+                                <p:cTn id="67" presetID="1" presetClass="entr" presetSubtype="0" fill="hold" nodeType="clickEffect">
+                                  <p:stCondLst>
+                                    <p:cond delay="0"/>
+                                  </p:stCondLst>
+                                  <p:childTnLst>
+                                    <p:set>
+                                      <p:cBhvr>
+                                        <p:cTn id="68" dur="1" fill="hold">
+                                          <p:stCondLst>
+                                            <p:cond delay="0"/>
+                                          </p:stCondLst>
+                                        </p:cTn>
+                                        <p:tgtEl>
+                                          <p:spTgt spid="34"/>
                                         </p:tgtEl>
                                         <p:attrNameLst>
                                           <p:attrName>style.visibility</p:attrName>
@@ -5610,20 +5417,20 @@
                                 </p:cTn>
                               </p:par>
                               <p:par>
-                                <p:cTn id="63" presetID="1" presetClass="entr" presetSubtype="0" fill="hold" grpId="0" nodeType="withEffect">
+                                <p:cTn id="69" presetID="1" presetClass="entr" presetSubtype="0" fill="hold" grpId="0" nodeType="withEffect">
                                   <p:stCondLst>
                                     <p:cond delay="0"/>
                                   </p:stCondLst>
                                   <p:childTnLst>
                                     <p:set>
                                       <p:cBhvr>
-                                        <p:cTn id="64" dur="1" fill="hold">
+                                        <p:cTn id="70" dur="1" fill="hold">
                                           <p:stCondLst>
                                             <p:cond delay="0"/>
                                           </p:stCondLst>
                                         </p:cTn>
                                         <p:tgtEl>
-                                          <p:spTgt spid="31"/>
+                                          <p:spTgt spid="35"/>
                                         </p:tgtEl>
                                         <p:attrNameLst>
                                           <p:attrName>style.visibility</p:attrName>
@@ -5666,8 +5473,6 @@
     <p:bldLst>
       <p:bldP spid="8" grpId="0" animBg="1"/>
       <p:bldP spid="9" grpId="0" animBg="1"/>
-      <p:bldP spid="10" grpId="0" animBg="1"/>
-      <p:bldP spid="11" grpId="0" animBg="1"/>
       <p:bldP spid="12" grpId="0" animBg="1"/>
       <p:bldP spid="18" grpId="0" animBg="1"/>
       <p:bldP spid="20" grpId="0" animBg="1"/>
@@ -5675,8 +5480,345 @@
       <p:bldP spid="27" grpId="0" animBg="1"/>
       <p:bldP spid="28" grpId="0" animBg="1"/>
       <p:bldP spid="31" grpId="0" animBg="1"/>
+      <p:bldP spid="32" grpId="0" animBg="1"/>
+      <p:bldP spid="35" grpId="0" animBg="1"/>
     </p:bldLst>
   </p:timing>
+</p:sld>
+</file>
+
+<file path=ppt/slides/slide11.xml><?xml version="1.0" encoding="utf-8"?>
+<p:sld xmlns:a="http://schemas.openxmlformats.org/drawingml/2006/main" xmlns:r="http://schemas.openxmlformats.org/officeDocument/2006/relationships" xmlns:p="http://schemas.openxmlformats.org/presentationml/2006/main">
+  <p:cSld>
+    <p:spTree>
+      <p:nvGrpSpPr>
+        <p:cNvPr id="1" name=""/>
+        <p:cNvGrpSpPr/>
+        <p:nvPr/>
+      </p:nvGrpSpPr>
+      <p:grpSpPr>
+        <a:xfrm>
+          <a:off x="0" y="0"/>
+          <a:ext cx="0" cy="0"/>
+          <a:chOff x="0" y="0"/>
+          <a:chExt cx="0" cy="0"/>
+        </a:xfrm>
+      </p:grpSpPr>
+      <p:sp>
+        <p:nvSpPr>
+          <p:cNvPr id="2" name="Titre 1">
+            <a:extLst>
+              <a:ext uri="{FF2B5EF4-FFF2-40B4-BE49-F238E27FC236}">
+                <a16:creationId xmlns:a16="http://schemas.microsoft.com/office/drawing/2014/main" id="{0BD235EC-26A9-4DB1-B3C9-E378D8DE2A56}"/>
+              </a:ext>
+            </a:extLst>
+          </p:cNvPr>
+          <p:cNvSpPr>
+            <a:spLocks noGrp="1"/>
+          </p:cNvSpPr>
+          <p:nvPr>
+            <p:ph type="title"/>
+          </p:nvPr>
+        </p:nvSpPr>
+        <p:spPr/>
+        <p:txBody>
+          <a:bodyPr/>
+          <a:lstStyle/>
+          <a:p>
+            <a:r>
+              <a:rPr lang="fr-FR" sz="2000" b="1" dirty="0">
+                <a:solidFill>
+                  <a:schemeClr val="tx1"/>
+                </a:solidFill>
+                <a:latin typeface="+mn-lt"/>
+                <a:ea typeface="+mn-ea"/>
+                <a:cs typeface="+mn-cs"/>
+              </a:rPr>
+              <a:t>Algorithmes testés</a:t>
+            </a:r>
+          </a:p>
+        </p:txBody>
+      </p:sp>
+      <p:sp>
+        <p:nvSpPr>
+          <p:cNvPr id="4" name="ZoneTexte 3">
+            <a:extLst>
+              <a:ext uri="{FF2B5EF4-FFF2-40B4-BE49-F238E27FC236}">
+                <a16:creationId xmlns:a16="http://schemas.microsoft.com/office/drawing/2014/main" id="{191B1B02-8B8E-40AB-8152-50D83D5F4100}"/>
+              </a:ext>
+            </a:extLst>
+          </p:cNvPr>
+          <p:cNvSpPr txBox="1"/>
+          <p:nvPr/>
+        </p:nvSpPr>
+        <p:spPr>
+          <a:xfrm>
+            <a:off x="521207" y="1472184"/>
+            <a:ext cx="9637777" cy="1846659"/>
+          </a:xfrm>
+          <a:prstGeom prst="rect">
+            <a:avLst/>
+          </a:prstGeom>
+          <a:noFill/>
+        </p:spPr>
+        <p:txBody>
+          <a:bodyPr wrap="square" rtlCol="0">
+            <a:spAutoFit/>
+          </a:bodyPr>
+          <a:lstStyle/>
+          <a:p>
+            <a:pPr marL="285750" indent="-285750">
+              <a:buFontTx/>
+              <a:buChar char="-"/>
+            </a:pPr>
+            <a:r>
+              <a:rPr lang="fr-FR" sz="1400" b="1" dirty="0"/>
+              <a:t>Bayésien naïf</a:t>
+            </a:r>
+            <a:r>
+              <a:rPr lang="fr-FR" sz="1400" dirty="0"/>
+              <a:t> : Le classifieur naïf bayésien est l'une des méthodes les plus simples en apprentissage supervisé basée sur le théorème de Bayes. Il est utilisé comme </a:t>
+            </a:r>
+            <a:r>
+              <a:rPr lang="fr-FR" sz="1400" dirty="0" err="1"/>
+              <a:t>baseline</a:t>
+            </a:r>
+            <a:r>
+              <a:rPr lang="fr-FR" sz="1400" dirty="0"/>
+              <a:t>, niveau 0.</a:t>
+            </a:r>
+          </a:p>
+          <a:p>
+            <a:pPr marL="285750" indent="-285750">
+              <a:buFontTx/>
+              <a:buChar char="-"/>
+            </a:pPr>
+            <a:r>
+              <a:rPr lang="fr-FR" sz="1400" b="1" dirty="0" err="1"/>
+              <a:t>Random</a:t>
+            </a:r>
+            <a:r>
+              <a:rPr lang="fr-FR" sz="1400" b="1" dirty="0"/>
+              <a:t> </a:t>
+            </a:r>
+            <a:r>
+              <a:rPr lang="fr-FR" sz="1400" b="1" dirty="0" err="1"/>
+              <a:t>forest</a:t>
+            </a:r>
+            <a:r>
+              <a:rPr lang="fr-FR" sz="1400" dirty="0"/>
+              <a:t>: est constituée d'un nombre arbitraire d'arbres simples, qui permettent de voter pour la classe la plus populaire (classification), ou dont les réponses sont combinées (moyennées) pour obtenir une estimation de la variable dépendante (régression).</a:t>
+            </a:r>
+          </a:p>
+          <a:p>
+            <a:pPr marL="285750" indent="-285750">
+              <a:buFontTx/>
+              <a:buChar char="-"/>
+            </a:pPr>
+            <a:r>
+              <a:rPr lang="fr-FR" sz="1400" b="1" dirty="0" err="1"/>
+              <a:t>Lightgbm</a:t>
+            </a:r>
+            <a:r>
+              <a:rPr lang="fr-FR" sz="1400" dirty="0"/>
+              <a:t>: est basé sur le </a:t>
+            </a:r>
+            <a:r>
+              <a:rPr lang="fr-FR" sz="1400" dirty="0">
+                <a:hlinkClick r:id="rId2">
+                  <a:extLst>
+                    <a:ext uri="{A12FA001-AC4F-418D-AE19-62706E023703}">
+                      <ahyp:hlinkClr xmlns:ahyp="http://schemas.microsoft.com/office/drawing/2018/hyperlinkcolor" val="tx"/>
+                    </a:ext>
+                  </a:extLst>
+                </a:hlinkClick>
+              </a:rPr>
+              <a:t>Gradient </a:t>
+            </a:r>
+            <a:r>
+              <a:rPr lang="fr-FR" sz="1400" dirty="0" err="1">
+                <a:hlinkClick r:id="rId2">
+                  <a:extLst>
+                    <a:ext uri="{A12FA001-AC4F-418D-AE19-62706E023703}">
+                      <ahyp:hlinkClr xmlns:ahyp="http://schemas.microsoft.com/office/drawing/2018/hyperlinkcolor" val="tx"/>
+                    </a:ext>
+                  </a:extLst>
+                </a:hlinkClick>
+              </a:rPr>
+              <a:t>Boosting</a:t>
+            </a:r>
+            <a:r>
+              <a:rPr lang="fr-FR" sz="1400" dirty="0">
+                <a:hlinkClick r:id="rId2">
+                  <a:extLst>
+                    <a:ext uri="{A12FA001-AC4F-418D-AE19-62706E023703}">
+                      <ahyp:hlinkClr xmlns:ahyp="http://schemas.microsoft.com/office/drawing/2018/hyperlinkcolor" val="tx"/>
+                    </a:ext>
+                  </a:extLst>
+                </a:hlinkClick>
+              </a:rPr>
+              <a:t> Machine</a:t>
+            </a:r>
+            <a:r>
+              <a:rPr lang="fr-FR" sz="1400" dirty="0"/>
+              <a:t> (GBM). Il est rapide, distribué, avec de grandes performances et repose sur des arbres de décisions.</a:t>
+            </a:r>
+          </a:p>
+          <a:p>
+            <a:endParaRPr lang="fr-FR" sz="1600" dirty="0"/>
+          </a:p>
+        </p:txBody>
+      </p:sp>
+      <p:pic>
+        <p:nvPicPr>
+          <p:cNvPr id="5" name="Image 4">
+            <a:extLst>
+              <a:ext uri="{FF2B5EF4-FFF2-40B4-BE49-F238E27FC236}">
+                <a16:creationId xmlns:a16="http://schemas.microsoft.com/office/drawing/2014/main" id="{0A4EF5C4-F2BD-432C-BD18-F3E0B7E553E7}"/>
+              </a:ext>
+            </a:extLst>
+          </p:cNvPr>
+          <p:cNvPicPr>
+            <a:picLocks noChangeAspect="1"/>
+          </p:cNvPicPr>
+          <p:nvPr/>
+        </p:nvPicPr>
+        <p:blipFill>
+          <a:blip r:embed="rId3"/>
+          <a:stretch>
+            <a:fillRect/>
+          </a:stretch>
+        </p:blipFill>
+        <p:spPr>
+          <a:xfrm>
+            <a:off x="302003" y="3107029"/>
+            <a:ext cx="4530056" cy="3356983"/>
+          </a:xfrm>
+          <a:prstGeom prst="rect">
+            <a:avLst/>
+          </a:prstGeom>
+        </p:spPr>
+      </p:pic>
+      <p:sp>
+        <p:nvSpPr>
+          <p:cNvPr id="6" name="ZoneTexte 5">
+            <a:extLst>
+              <a:ext uri="{FF2B5EF4-FFF2-40B4-BE49-F238E27FC236}">
+                <a16:creationId xmlns:a16="http://schemas.microsoft.com/office/drawing/2014/main" id="{CBDA1808-E431-47F3-ACD7-2E2664A445F7}"/>
+              </a:ext>
+            </a:extLst>
+          </p:cNvPr>
+          <p:cNvSpPr txBox="1"/>
+          <p:nvPr/>
+        </p:nvSpPr>
+        <p:spPr>
+          <a:xfrm>
+            <a:off x="521207" y="6509749"/>
+            <a:ext cx="3640822" cy="307777"/>
+          </a:xfrm>
+          <a:prstGeom prst="rect">
+            <a:avLst/>
+          </a:prstGeom>
+          <a:noFill/>
+        </p:spPr>
+        <p:txBody>
+          <a:bodyPr wrap="square" rtlCol="0">
+            <a:spAutoFit/>
+          </a:bodyPr>
+          <a:lstStyle/>
+          <a:p>
+            <a:r>
+              <a:rPr lang="fr-FR" sz="1400" dirty="0"/>
+              <a:t>Performances de </a:t>
+            </a:r>
+            <a:r>
+              <a:rPr lang="fr-FR" sz="1400" dirty="0" err="1"/>
+              <a:t>randomforest</a:t>
+            </a:r>
+            <a:endParaRPr lang="fr-FR" sz="1400" dirty="0"/>
+          </a:p>
+        </p:txBody>
+      </p:sp>
+      <p:pic>
+        <p:nvPicPr>
+          <p:cNvPr id="8" name="Image 7">
+            <a:extLst>
+              <a:ext uri="{FF2B5EF4-FFF2-40B4-BE49-F238E27FC236}">
+                <a16:creationId xmlns:a16="http://schemas.microsoft.com/office/drawing/2014/main" id="{0F55A183-8EA7-450E-83DB-D2CC08687D14}"/>
+              </a:ext>
+            </a:extLst>
+          </p:cNvPr>
+          <p:cNvPicPr>
+            <a:picLocks noChangeAspect="1"/>
+          </p:cNvPicPr>
+          <p:nvPr/>
+        </p:nvPicPr>
+        <p:blipFill>
+          <a:blip r:embed="rId4"/>
+          <a:stretch>
+            <a:fillRect/>
+          </a:stretch>
+        </p:blipFill>
+        <p:spPr>
+          <a:xfrm>
+            <a:off x="6535022" y="2908096"/>
+            <a:ext cx="4546909" cy="3555916"/>
+          </a:xfrm>
+          <a:prstGeom prst="rect">
+            <a:avLst/>
+          </a:prstGeom>
+        </p:spPr>
+      </p:pic>
+      <p:sp>
+        <p:nvSpPr>
+          <p:cNvPr id="9" name="ZoneTexte 8">
+            <a:extLst>
+              <a:ext uri="{FF2B5EF4-FFF2-40B4-BE49-F238E27FC236}">
+                <a16:creationId xmlns:a16="http://schemas.microsoft.com/office/drawing/2014/main" id="{EFB8C062-347F-400D-B69A-87D2B910375D}"/>
+              </a:ext>
+            </a:extLst>
+          </p:cNvPr>
+          <p:cNvSpPr txBox="1"/>
+          <p:nvPr/>
+        </p:nvSpPr>
+        <p:spPr>
+          <a:xfrm>
+            <a:off x="7200242" y="6550223"/>
+            <a:ext cx="3640822" cy="307777"/>
+          </a:xfrm>
+          <a:prstGeom prst="rect">
+            <a:avLst/>
+          </a:prstGeom>
+          <a:noFill/>
+        </p:spPr>
+        <p:txBody>
+          <a:bodyPr wrap="square" rtlCol="0">
+            <a:spAutoFit/>
+          </a:bodyPr>
+          <a:lstStyle/>
+          <a:p>
+            <a:r>
+              <a:rPr lang="fr-FR" sz="1400" dirty="0"/>
+              <a:t>Performances de </a:t>
+            </a:r>
+            <a:r>
+              <a:rPr lang="fr-FR" sz="1400" dirty="0" err="1"/>
+              <a:t>lgbm</a:t>
+            </a:r>
+            <a:endParaRPr lang="fr-FR" sz="1400" dirty="0"/>
+          </a:p>
+        </p:txBody>
+      </p:sp>
+    </p:spTree>
+    <p:extLst>
+      <p:ext uri="{BB962C8B-B14F-4D97-AF65-F5344CB8AC3E}">
+        <p14:creationId xmlns:p14="http://schemas.microsoft.com/office/powerpoint/2010/main" val="2691332117"/>
+      </p:ext>
+    </p:extLst>
+  </p:cSld>
+  <p:clrMapOvr>
+    <a:masterClrMapping/>
+  </p:clrMapOvr>
 </p:sld>
 </file>
 
@@ -5702,7 +5844,7 @@
           <p:cNvPr id="2" name="Titre 1">
             <a:extLst>
               <a:ext uri="{FF2B5EF4-FFF2-40B4-BE49-F238E27FC236}">
-                <a16:creationId xmlns:a16="http://schemas.microsoft.com/office/drawing/2014/main" id="{0BD235EC-26A9-4DB1-B3C9-E378D8DE2A56}"/>
+                <a16:creationId xmlns:a16="http://schemas.microsoft.com/office/drawing/2014/main" id="{3F6EE76D-942F-489D-8E64-6BFFA528F2B9}"/>
               </a:ext>
             </a:extLst>
           </p:cNvPr>
@@ -5713,9 +5855,16 @@
             <p:ph type="title"/>
           </p:nvPr>
         </p:nvSpPr>
-        <p:spPr/>
+        <p:spPr>
+          <a:xfrm>
+            <a:off x="521207" y="448056"/>
+            <a:ext cx="8229686" cy="640080"/>
+          </a:xfrm>
+        </p:spPr>
         <p:txBody>
-          <a:bodyPr/>
+          <a:bodyPr>
+            <a:normAutofit/>
+          </a:bodyPr>
           <a:lstStyle/>
           <a:p>
             <a:r>
@@ -5727,7 +5876,7 @@
                 <a:ea typeface="+mn-ea"/>
                 <a:cs typeface="+mn-cs"/>
               </a:rPr>
-              <a:t>Algorithmes testés</a:t>
+              <a:t>Fonction métier</a:t>
             </a:r>
           </a:p>
         </p:txBody>
@@ -5737,7 +5886,7 @@
           <p:cNvPr id="4" name="ZoneTexte 3">
             <a:extLst>
               <a:ext uri="{FF2B5EF4-FFF2-40B4-BE49-F238E27FC236}">
-                <a16:creationId xmlns:a16="http://schemas.microsoft.com/office/drawing/2014/main" id="{191B1B02-8B8E-40AB-8152-50D83D5F4100}"/>
+                <a16:creationId xmlns:a16="http://schemas.microsoft.com/office/drawing/2014/main" id="{A90C18B5-954C-4BE6-B5FE-DD3EA7AFF0CE}"/>
               </a:ext>
             </a:extLst>
           </p:cNvPr>
@@ -5746,8 +5895,8 @@
         </p:nvSpPr>
         <p:spPr>
           <a:xfrm>
-            <a:off x="521207" y="1472184"/>
-            <a:ext cx="9637777" cy="4278094"/>
+            <a:off x="9966121" y="6479140"/>
+            <a:ext cx="3456264" cy="369332"/>
           </a:xfrm>
           <a:prstGeom prst="rect">
             <a:avLst/>
@@ -5760,166 +5909,181 @@
           </a:bodyPr>
           <a:lstStyle/>
           <a:p>
-            <a:pPr marL="285750" indent="-285750">
-              <a:buFontTx/>
-              <a:buChar char="-"/>
-            </a:pPr>
-            <a:r>
-              <a:rPr lang="fr-FR" sz="1600" b="1" dirty="0"/>
-              <a:t>Bayésien naïf</a:t>
-            </a:r>
-            <a:r>
-              <a:rPr lang="fr-FR" sz="1600" dirty="0"/>
-              <a:t> : Le classifieur naïf bayésien est l'une des méthodes les plus simples en apprentissage supervisé basée sur le théorème de Bayes. il est utilisé comme </a:t>
-            </a:r>
-            <a:r>
-              <a:rPr lang="fr-FR" sz="1600" dirty="0" err="1"/>
-              <a:t>baseline</a:t>
-            </a:r>
-            <a:r>
-              <a:rPr lang="fr-FR" sz="1600" dirty="0"/>
-              <a:t>, niveau 0.</a:t>
-            </a:r>
-          </a:p>
-          <a:p>
-            <a:pPr marL="285750" indent="-285750">
-              <a:buFontTx/>
-              <a:buChar char="-"/>
-            </a:pPr>
-            <a:r>
-              <a:rPr lang="fr-FR" sz="1600" b="1" dirty="0"/>
-              <a:t>Régression logistique</a:t>
-            </a:r>
-            <a:r>
-              <a:rPr lang="fr-FR" sz="1600" dirty="0"/>
-              <a:t>: un modèle permettant d’étudier les relations entre un ensemble de variables qualitatives Xi et une variable qualitative Y. Il s’agit d’un modèle linéaire généralisé utilisant une fonction logistique comme fonction de lien. </a:t>
-            </a:r>
-          </a:p>
-          <a:p>
-            <a:pPr marL="285750" indent="-285750">
-              <a:buFontTx/>
-              <a:buChar char="-"/>
-            </a:pPr>
-            <a:r>
-              <a:rPr lang="fr-FR" sz="1600" b="1" dirty="0"/>
-              <a:t>Arbre de décision</a:t>
-            </a:r>
-            <a:r>
-              <a:rPr lang="fr-FR" sz="1600" dirty="0"/>
-              <a:t>: Les arbres de décision sont une catégorie d'arbres utilisée dans l'exploration de données et en informatique décisionnelle. Ils emploient une représentation hiérarchique de la structure des données sous forme des séquences de décisions (tests) en vue de la prédiction d'un résultat ou d'une classe.</a:t>
-            </a:r>
-          </a:p>
-          <a:p>
-            <a:pPr marL="285750" indent="-285750">
-              <a:buFontTx/>
-              <a:buChar char="-"/>
-            </a:pPr>
-            <a:r>
-              <a:rPr lang="fr-FR" sz="1600" b="1" dirty="0" err="1"/>
-              <a:t>Random</a:t>
-            </a:r>
-            <a:r>
-              <a:rPr lang="fr-FR" sz="1600" b="1" dirty="0"/>
+            <a:r>
+              <a:rPr lang="fr-FR" dirty="0"/>
+              <a:t>Teycir Ben </a:t>
+            </a:r>
+            <a:r>
+              <a:rPr lang="fr-FR" dirty="0" err="1"/>
+              <a:t>Soltane</a:t>
+            </a:r>
+            <a:r>
+              <a:rPr lang="fr-FR" dirty="0"/>
               <a:t> </a:t>
-            </a:r>
-            <a:r>
-              <a:rPr lang="fr-FR" sz="1600" b="1" dirty="0" err="1"/>
-              <a:t>forest</a:t>
-            </a:r>
-            <a:r>
-              <a:rPr lang="fr-FR" sz="1600" dirty="0"/>
-              <a:t>: est constituée d'un nombre arbitraire d'arbres simples, qui permettent de voter pour la classe la plus populaire (classification), ou dont les réponses sont combinées (moyennées) pour obtenir une estimation de la variable dépendante (régression).</a:t>
-            </a:r>
-          </a:p>
-          <a:p>
-            <a:pPr marL="285750" indent="-285750">
-              <a:buFontTx/>
-              <a:buChar char="-"/>
-            </a:pPr>
-            <a:r>
-              <a:rPr lang="fr-FR" sz="1600" b="1" dirty="0" err="1"/>
-              <a:t>Lightgbm</a:t>
-            </a:r>
-            <a:r>
-              <a:rPr lang="fr-FR" sz="1600" dirty="0"/>
-              <a:t>: est basé sur le </a:t>
-            </a:r>
-            <a:r>
-              <a:rPr lang="fr-FR" sz="1600" dirty="0">
-                <a:hlinkClick r:id="rId2">
-                  <a:extLst>
-                    <a:ext uri="{A12FA001-AC4F-418D-AE19-62706E023703}">
-                      <ahyp:hlinkClr xmlns:ahyp="http://schemas.microsoft.com/office/drawing/2018/hyperlinkcolor" val="tx"/>
-                    </a:ext>
-                  </a:extLst>
-                </a:hlinkClick>
-              </a:rPr>
-              <a:t>Gradient </a:t>
-            </a:r>
-            <a:r>
-              <a:rPr lang="fr-FR" sz="1600" dirty="0" err="1">
-                <a:hlinkClick r:id="rId2">
-                  <a:extLst>
-                    <a:ext uri="{A12FA001-AC4F-418D-AE19-62706E023703}">
-                      <ahyp:hlinkClr xmlns:ahyp="http://schemas.microsoft.com/office/drawing/2018/hyperlinkcolor" val="tx"/>
-                    </a:ext>
-                  </a:extLst>
-                </a:hlinkClick>
-              </a:rPr>
-              <a:t>Boosting</a:t>
-            </a:r>
-            <a:r>
-              <a:rPr lang="fr-FR" sz="1600" dirty="0">
-                <a:hlinkClick r:id="rId2">
-                  <a:extLst>
-                    <a:ext uri="{A12FA001-AC4F-418D-AE19-62706E023703}">
-                      <ahyp:hlinkClr xmlns:ahyp="http://schemas.microsoft.com/office/drawing/2018/hyperlinkcolor" val="tx"/>
-                    </a:ext>
-                  </a:extLst>
-                </a:hlinkClick>
-              </a:rPr>
-              <a:t> Machine</a:t>
-            </a:r>
-            <a:r>
-              <a:rPr lang="fr-FR" sz="1600" dirty="0"/>
-              <a:t> (GBM). Il est rapide, distribué, avec de grandes performances et repose sur des arbres de décisions.</a:t>
-            </a:r>
-          </a:p>
-          <a:p>
-            <a:pPr marL="285750" indent="-285750">
-              <a:buFontTx/>
-              <a:buChar char="-"/>
-            </a:pPr>
-            <a:endParaRPr lang="fr-FR" sz="1600" dirty="0"/>
-          </a:p>
-          <a:p>
-            <a:r>
-              <a:rPr lang="fr-FR" sz="1600" dirty="0"/>
-              <a:t>Optimisation d’hyperparamètres avec </a:t>
-            </a:r>
-            <a:r>
-              <a:rPr lang="fr-FR" sz="1600" dirty="0" err="1"/>
-              <a:t>hyperopt</a:t>
-            </a:r>
-            <a:r>
-              <a:rPr lang="fr-FR" sz="1600" dirty="0"/>
-              <a:t>, optimisateur </a:t>
-            </a:r>
-            <a:r>
-              <a:rPr lang="fr-FR" sz="1600" dirty="0" err="1"/>
-              <a:t>Bayesien</a:t>
-            </a:r>
-            <a:r>
-              <a:rPr lang="fr-FR" sz="1600" dirty="0"/>
-              <a:t>, 50 combinaisons différentes de paramètres par algorithme </a:t>
             </a:r>
           </a:p>
         </p:txBody>
       </p:sp>
+      <p:pic>
+        <p:nvPicPr>
+          <p:cNvPr id="5" name="Image 4">
+            <a:extLst>
+              <a:ext uri="{FF2B5EF4-FFF2-40B4-BE49-F238E27FC236}">
+                <a16:creationId xmlns:a16="http://schemas.microsoft.com/office/drawing/2014/main" id="{E20B9FD2-2276-4E16-AC20-4EE97720C685}"/>
+              </a:ext>
+            </a:extLst>
+          </p:cNvPr>
+          <p:cNvPicPr>
+            <a:picLocks noChangeAspect="1"/>
+          </p:cNvPicPr>
+          <p:nvPr/>
+        </p:nvPicPr>
+        <p:blipFill>
+          <a:blip r:embed="rId2">
+            <a:extLst>
+              <a:ext uri="{28A0092B-C50C-407E-A947-70E740481C1C}">
+                <a14:useLocalDpi xmlns:a14="http://schemas.microsoft.com/office/drawing/2010/main" val="0"/>
+              </a:ext>
+            </a:extLst>
+          </a:blip>
+          <a:stretch>
+            <a:fillRect/>
+          </a:stretch>
+        </p:blipFill>
+        <p:spPr>
+          <a:xfrm>
+            <a:off x="228957" y="6511425"/>
+            <a:ext cx="2133333" cy="304762"/>
+          </a:xfrm>
+          <a:prstGeom prst="rect">
+            <a:avLst/>
+          </a:prstGeom>
+        </p:spPr>
+      </p:pic>
+      <p:pic>
+        <p:nvPicPr>
+          <p:cNvPr id="8" name="Image 7">
+            <a:extLst>
+              <a:ext uri="{FF2B5EF4-FFF2-40B4-BE49-F238E27FC236}">
+                <a16:creationId xmlns:a16="http://schemas.microsoft.com/office/drawing/2014/main" id="{0741536F-6B57-40A3-B69E-FA0AF8FDB921}"/>
+              </a:ext>
+            </a:extLst>
+          </p:cNvPr>
+          <p:cNvPicPr>
+            <a:picLocks noChangeAspect="1"/>
+          </p:cNvPicPr>
+          <p:nvPr/>
+        </p:nvPicPr>
+        <p:blipFill>
+          <a:blip r:embed="rId3"/>
+          <a:stretch>
+            <a:fillRect/>
+          </a:stretch>
+        </p:blipFill>
+        <p:spPr>
+          <a:xfrm>
+            <a:off x="6268488" y="2882854"/>
+            <a:ext cx="5514286" cy="3628571"/>
+          </a:xfrm>
+          <a:prstGeom prst="rect">
+            <a:avLst/>
+          </a:prstGeom>
+        </p:spPr>
+      </p:pic>
+      <p:pic>
+        <p:nvPicPr>
+          <p:cNvPr id="10" name="Image 9">
+            <a:extLst>
+              <a:ext uri="{FF2B5EF4-FFF2-40B4-BE49-F238E27FC236}">
+                <a16:creationId xmlns:a16="http://schemas.microsoft.com/office/drawing/2014/main" id="{EA72F713-AAFB-400D-8361-719CEBD014C9}"/>
+              </a:ext>
+            </a:extLst>
+          </p:cNvPr>
+          <p:cNvPicPr>
+            <a:picLocks noChangeAspect="1"/>
+          </p:cNvPicPr>
+          <p:nvPr/>
+        </p:nvPicPr>
+        <p:blipFill>
+          <a:blip r:embed="rId4"/>
+          <a:stretch>
+            <a:fillRect/>
+          </a:stretch>
+        </p:blipFill>
+        <p:spPr>
+          <a:xfrm>
+            <a:off x="681714" y="1532861"/>
+            <a:ext cx="10828571" cy="1200000"/>
+          </a:xfrm>
+          <a:prstGeom prst="rect">
+            <a:avLst/>
+          </a:prstGeom>
+        </p:spPr>
+      </p:pic>
+      <p:pic>
+        <p:nvPicPr>
+          <p:cNvPr id="12" name="Image 11">
+            <a:extLst>
+              <a:ext uri="{FF2B5EF4-FFF2-40B4-BE49-F238E27FC236}">
+                <a16:creationId xmlns:a16="http://schemas.microsoft.com/office/drawing/2014/main" id="{DBFFF105-9DE8-478A-B4CD-ED9E8C9F969C}"/>
+              </a:ext>
+            </a:extLst>
+          </p:cNvPr>
+          <p:cNvPicPr>
+            <a:picLocks noChangeAspect="1"/>
+          </p:cNvPicPr>
+          <p:nvPr/>
+        </p:nvPicPr>
+        <p:blipFill>
+          <a:blip r:embed="rId5"/>
+          <a:stretch>
+            <a:fillRect/>
+          </a:stretch>
+        </p:blipFill>
+        <p:spPr>
+          <a:xfrm>
+            <a:off x="4628877" y="5568568"/>
+            <a:ext cx="1523810" cy="942857"/>
+          </a:xfrm>
+          <a:prstGeom prst="rect">
+            <a:avLst/>
+          </a:prstGeom>
+        </p:spPr>
+      </p:pic>
+      <p:pic>
+        <p:nvPicPr>
+          <p:cNvPr id="14" name="Image 13">
+            <a:extLst>
+              <a:ext uri="{FF2B5EF4-FFF2-40B4-BE49-F238E27FC236}">
+                <a16:creationId xmlns:a16="http://schemas.microsoft.com/office/drawing/2014/main" id="{86A89A4A-627B-4026-BE53-11B48CCB4314}"/>
+              </a:ext>
+            </a:extLst>
+          </p:cNvPr>
+          <p:cNvPicPr>
+            <a:picLocks noChangeAspect="1"/>
+          </p:cNvPicPr>
+          <p:nvPr/>
+        </p:nvPicPr>
+        <p:blipFill>
+          <a:blip r:embed="rId6"/>
+          <a:stretch>
+            <a:fillRect/>
+          </a:stretch>
+        </p:blipFill>
+        <p:spPr>
+          <a:xfrm>
+            <a:off x="327626" y="3326905"/>
+            <a:ext cx="5825061" cy="1647619"/>
+          </a:xfrm>
+          <a:prstGeom prst="rect">
+            <a:avLst/>
+          </a:prstGeom>
+        </p:spPr>
+      </p:pic>
     </p:spTree>
     <p:extLst>
       <p:ext uri="{BB962C8B-B14F-4D97-AF65-F5344CB8AC3E}">
-        <p14:creationId xmlns:p14="http://schemas.microsoft.com/office/powerpoint/2010/main" val="2691332117"/>
+        <p14:creationId xmlns:p14="http://schemas.microsoft.com/office/powerpoint/2010/main" val="3955826058"/>
       </p:ext>
     </p:extLst>
   </p:cSld>
@@ -5975,17 +6139,6 @@
           <a:lstStyle/>
           <a:p>
             <a:r>
-              <a:rPr lang="fr-FR" sz="2000" b="1" dirty="0" err="1">
-                <a:solidFill>
-                  <a:schemeClr val="tx1"/>
-                </a:solidFill>
-                <a:latin typeface="+mn-lt"/>
-                <a:ea typeface="+mn-ea"/>
-                <a:cs typeface="+mn-cs"/>
-              </a:rPr>
-              <a:t>Lightgbm</a:t>
-            </a:r>
-            <a:r>
               <a:rPr lang="fr-FR" sz="2000" b="1" dirty="0">
                 <a:solidFill>
                   <a:schemeClr val="tx1"/>
@@ -5994,17 +6147,17 @@
                 <a:ea typeface="+mn-ea"/>
                 <a:cs typeface="+mn-cs"/>
               </a:rPr>
-              <a:t> est l’algorithme retenu car a les meilleurs résultats</a:t>
+              <a:t>Interprétabilité</a:t>
             </a:r>
           </a:p>
         </p:txBody>
       </p:sp>
       <p:pic>
         <p:nvPicPr>
-          <p:cNvPr id="5" name="Image 4">
+          <p:cNvPr id="27" name="Image 26">
             <a:extLst>
               <a:ext uri="{FF2B5EF4-FFF2-40B4-BE49-F238E27FC236}">
-                <a16:creationId xmlns:a16="http://schemas.microsoft.com/office/drawing/2014/main" id="{C6E17BC8-7609-4BFC-BDB6-075781C1267D}"/>
+                <a16:creationId xmlns:a16="http://schemas.microsoft.com/office/drawing/2014/main" id="{C881E674-E5D4-4F56-8B11-0339EBEA4A12}"/>
               </a:ext>
             </a:extLst>
           </p:cNvPr>
@@ -6021,110 +6174,8 @@
         </p:blipFill>
         <p:spPr>
           <a:xfrm>
-            <a:off x="3196000" y="1362952"/>
-            <a:ext cx="5800000" cy="5161905"/>
-          </a:xfrm>
-          <a:prstGeom prst="rect">
-            <a:avLst/>
-          </a:prstGeom>
-        </p:spPr>
-      </p:pic>
-    </p:spTree>
-    <p:extLst>
-      <p:ext uri="{BB962C8B-B14F-4D97-AF65-F5344CB8AC3E}">
-        <p14:creationId xmlns:p14="http://schemas.microsoft.com/office/powerpoint/2010/main" val="1430543812"/>
-      </p:ext>
-    </p:extLst>
-  </p:cSld>
-  <p:clrMapOvr>
-    <a:masterClrMapping/>
-  </p:clrMapOvr>
-</p:sld>
-</file>
-
-<file path=ppt/slides/slide14.xml><?xml version="1.0" encoding="utf-8"?>
-<p:sld xmlns:a="http://schemas.openxmlformats.org/drawingml/2006/main" xmlns:r="http://schemas.openxmlformats.org/officeDocument/2006/relationships" xmlns:p="http://schemas.openxmlformats.org/presentationml/2006/main">
-  <p:cSld>
-    <p:spTree>
-      <p:nvGrpSpPr>
-        <p:cNvPr id="1" name=""/>
-        <p:cNvGrpSpPr/>
-        <p:nvPr/>
-      </p:nvGrpSpPr>
-      <p:grpSpPr>
-        <a:xfrm>
-          <a:off x="0" y="0"/>
-          <a:ext cx="0" cy="0"/>
-          <a:chOff x="0" y="0"/>
-          <a:chExt cx="0" cy="0"/>
-        </a:xfrm>
-      </p:grpSpPr>
-      <p:sp>
-        <p:nvSpPr>
-          <p:cNvPr id="2" name="Titre 1">
-            <a:extLst>
-              <a:ext uri="{FF2B5EF4-FFF2-40B4-BE49-F238E27FC236}">
-                <a16:creationId xmlns:a16="http://schemas.microsoft.com/office/drawing/2014/main" id="{0BD235EC-26A9-4DB1-B3C9-E378D8DE2A56}"/>
-              </a:ext>
-            </a:extLst>
-          </p:cNvPr>
-          <p:cNvSpPr>
-            <a:spLocks noGrp="1"/>
-          </p:cNvSpPr>
-          <p:nvPr>
-            <p:ph type="title"/>
-          </p:nvPr>
-        </p:nvSpPr>
-        <p:spPr>
-          <a:xfrm>
-            <a:off x="521207" y="448056"/>
-            <a:ext cx="8474793" cy="640080"/>
-          </a:xfrm>
-        </p:spPr>
-        <p:txBody>
-          <a:bodyPr>
-            <a:normAutofit/>
-          </a:bodyPr>
-          <a:lstStyle/>
-          <a:p>
-            <a:r>
-              <a:rPr lang="fr-FR" sz="2000" b="1" dirty="0">
-                <a:solidFill>
-                  <a:schemeClr val="tx1"/>
-                </a:solidFill>
-                <a:latin typeface="+mn-lt"/>
-                <a:ea typeface="+mn-ea"/>
-                <a:cs typeface="+mn-cs"/>
-              </a:rPr>
-              <a:t>Interprétabilité</a:t>
-            </a:r>
-          </a:p>
-        </p:txBody>
-      </p:sp>
-      <p:pic>
-        <p:nvPicPr>
-          <p:cNvPr id="27" name="Image 26">
-            <a:extLst>
-              <a:ext uri="{FF2B5EF4-FFF2-40B4-BE49-F238E27FC236}">
-                <a16:creationId xmlns:a16="http://schemas.microsoft.com/office/drawing/2014/main" id="{C881E674-E5D4-4F56-8B11-0339EBEA4A12}"/>
-              </a:ext>
-            </a:extLst>
-          </p:cNvPr>
-          <p:cNvPicPr>
-            <a:picLocks noChangeAspect="1"/>
-          </p:cNvPicPr>
-          <p:nvPr/>
-        </p:nvPicPr>
-        <p:blipFill>
-          <a:blip r:embed="rId2"/>
-          <a:stretch>
-            <a:fillRect/>
-          </a:stretch>
-        </p:blipFill>
-        <p:spPr>
-          <a:xfrm>
-            <a:off x="1222712" y="1336665"/>
-            <a:ext cx="9746576" cy="4908687"/>
+            <a:off x="1764842" y="1479278"/>
+            <a:ext cx="8662316" cy="4362619"/>
           </a:xfrm>
           <a:prstGeom prst="rect">
             <a:avLst/>
@@ -6145,8 +6196,8 @@
         </p:nvSpPr>
         <p:spPr>
           <a:xfrm>
-            <a:off x="521207" y="6409944"/>
-            <a:ext cx="10945369" cy="369332"/>
+            <a:off x="810804" y="5841897"/>
+            <a:ext cx="9727749" cy="923330"/>
           </a:xfrm>
           <a:prstGeom prst="rect">
             <a:avLst/>
@@ -6191,7 +6242,26 @@
               <a:rPr lang="fr-FR" dirty="0" err="1"/>
               <a:t>surrogate</a:t>
             </a:r>
-            <a:endParaRPr lang="fr-FR" dirty="0"/>
+            <a:r>
+              <a:rPr lang="fr-FR" dirty="0"/>
+              <a:t>. Le </a:t>
+            </a:r>
+            <a:r>
+              <a:rPr lang="fr-FR" dirty="0" err="1"/>
+              <a:t>surrogate</a:t>
+            </a:r>
+            <a:r>
+              <a:rPr lang="fr-FR" dirty="0"/>
+              <a:t> sera utilisé pour les </a:t>
+            </a:r>
+            <a:r>
+              <a:rPr lang="fr-FR" dirty="0" err="1"/>
+              <a:t>features</a:t>
+            </a:r>
+            <a:r>
+              <a:rPr lang="fr-FR" dirty="0"/>
+              <a:t> globales. Le modèle complet pour la prédiction. </a:t>
+            </a:r>
           </a:p>
         </p:txBody>
       </p:sp>
@@ -6208,7 +6278,7 @@
 </p:sld>
 </file>
 
-<file path=ppt/slides/slide15.xml><?xml version="1.0" encoding="utf-8"?>
+<file path=ppt/slides/slide14.xml><?xml version="1.0" encoding="utf-8"?>
 <p:sld xmlns:a="http://schemas.openxmlformats.org/drawingml/2006/main" xmlns:r="http://schemas.openxmlformats.org/officeDocument/2006/relationships" xmlns:p="http://schemas.openxmlformats.org/presentationml/2006/main">
   <p:cSld>
     <p:spTree>
@@ -6580,6 +6650,108 @@
 </p:sld>
 </file>
 
+<file path=ppt/slides/slide15.xml><?xml version="1.0" encoding="utf-8"?>
+<p:sld xmlns:a="http://schemas.openxmlformats.org/drawingml/2006/main" xmlns:r="http://schemas.openxmlformats.org/officeDocument/2006/relationships" xmlns:p="http://schemas.openxmlformats.org/presentationml/2006/main">
+  <p:cSld>
+    <p:spTree>
+      <p:nvGrpSpPr>
+        <p:cNvPr id="1" name=""/>
+        <p:cNvGrpSpPr/>
+        <p:nvPr/>
+      </p:nvGrpSpPr>
+      <p:grpSpPr>
+        <a:xfrm>
+          <a:off x="0" y="0"/>
+          <a:ext cx="0" cy="0"/>
+          <a:chOff x="0" y="0"/>
+          <a:chExt cx="0" cy="0"/>
+        </a:xfrm>
+      </p:grpSpPr>
+      <p:sp>
+        <p:nvSpPr>
+          <p:cNvPr id="2" name="Titre 1">
+            <a:extLst>
+              <a:ext uri="{FF2B5EF4-FFF2-40B4-BE49-F238E27FC236}">
+                <a16:creationId xmlns:a16="http://schemas.microsoft.com/office/drawing/2014/main" id="{0BD235EC-26A9-4DB1-B3C9-E378D8DE2A56}"/>
+              </a:ext>
+            </a:extLst>
+          </p:cNvPr>
+          <p:cNvSpPr>
+            <a:spLocks noGrp="1"/>
+          </p:cNvSpPr>
+          <p:nvPr>
+            <p:ph type="title"/>
+          </p:nvPr>
+        </p:nvSpPr>
+        <p:spPr>
+          <a:xfrm>
+            <a:off x="521207" y="448056"/>
+            <a:ext cx="8474793" cy="640080"/>
+          </a:xfrm>
+        </p:spPr>
+        <p:txBody>
+          <a:bodyPr>
+            <a:normAutofit/>
+          </a:bodyPr>
+          <a:lstStyle/>
+          <a:p>
+            <a:r>
+              <a:rPr lang="fr-FR" sz="2000" b="1" dirty="0">
+                <a:solidFill>
+                  <a:schemeClr val="tx1"/>
+                </a:solidFill>
+                <a:latin typeface="+mn-lt"/>
+                <a:ea typeface="+mn-ea"/>
+                <a:cs typeface="+mn-cs"/>
+              </a:rPr>
+              <a:t>Architecture</a:t>
+            </a:r>
+          </a:p>
+        </p:txBody>
+      </p:sp>
+      <p:pic>
+        <p:nvPicPr>
+          <p:cNvPr id="7" name="Image 6">
+            <a:extLst>
+              <a:ext uri="{FF2B5EF4-FFF2-40B4-BE49-F238E27FC236}">
+                <a16:creationId xmlns:a16="http://schemas.microsoft.com/office/drawing/2014/main" id="{50E6B4FE-3758-4274-AEB0-B0945D4FD5DE}"/>
+              </a:ext>
+            </a:extLst>
+          </p:cNvPr>
+          <p:cNvPicPr>
+            <a:picLocks noChangeAspect="1"/>
+          </p:cNvPicPr>
+          <p:nvPr/>
+        </p:nvPicPr>
+        <p:blipFill>
+          <a:blip r:embed="rId2"/>
+          <a:stretch>
+            <a:fillRect/>
+          </a:stretch>
+        </p:blipFill>
+        <p:spPr>
+          <a:xfrm>
+            <a:off x="994299" y="1363188"/>
+            <a:ext cx="10567386" cy="4931080"/>
+          </a:xfrm>
+          <a:prstGeom prst="rect">
+            <a:avLst/>
+          </a:prstGeom>
+        </p:spPr>
+      </p:pic>
+    </p:spTree>
+    <p:extLst>
+      <p:ext uri="{BB962C8B-B14F-4D97-AF65-F5344CB8AC3E}">
+        <p14:creationId xmlns:p14="http://schemas.microsoft.com/office/powerpoint/2010/main" val="3548704483"/>
+      </p:ext>
+    </p:extLst>
+  </p:cSld>
+  <p:clrMapOvr>
+    <a:masterClrMapping/>
+  </p:clrMapOvr>
+</p:sld>
+</file>
+
 <file path=ppt/slides/slide16.xml><?xml version="1.0" encoding="utf-8"?>
 <p:sld xmlns:a="http://schemas.openxmlformats.org/drawingml/2006/main" xmlns:r="http://schemas.openxmlformats.org/officeDocument/2006/relationships" xmlns:p="http://schemas.openxmlformats.org/presentationml/2006/main">
   <p:cSld>
@@ -6634,45 +6806,154 @@
                 <a:ea typeface="+mn-ea"/>
                 <a:cs typeface="+mn-cs"/>
               </a:rPr>
-              <a:t>Architecture</a:t>
+              <a:t>Contenu de l’API</a:t>
             </a:r>
           </a:p>
         </p:txBody>
       </p:sp>
-      <p:pic>
-        <p:nvPicPr>
-          <p:cNvPr id="7" name="Image 6">
+      <p:sp>
+        <p:nvSpPr>
+          <p:cNvPr id="5" name="ZoneTexte 4">
             <a:extLst>
               <a:ext uri="{FF2B5EF4-FFF2-40B4-BE49-F238E27FC236}">
-                <a16:creationId xmlns:a16="http://schemas.microsoft.com/office/drawing/2014/main" id="{50E6B4FE-3758-4274-AEB0-B0945D4FD5DE}"/>
+                <a16:creationId xmlns:a16="http://schemas.microsoft.com/office/drawing/2014/main" id="{8245E8C1-4E0B-49E9-8A45-9FF13063CDA8}"/>
               </a:ext>
             </a:extLst>
           </p:cNvPr>
-          <p:cNvPicPr>
-            <a:picLocks noChangeAspect="1"/>
-          </p:cNvPicPr>
+          <p:cNvSpPr txBox="1"/>
           <p:nvPr/>
-        </p:nvPicPr>
-        <p:blipFill>
-          <a:blip r:embed="rId2"/>
-          <a:stretch>
-            <a:fillRect/>
-          </a:stretch>
-        </p:blipFill>
-        <p:spPr>
-          <a:xfrm>
-            <a:off x="994299" y="1363188"/>
-            <a:ext cx="10567386" cy="4931080"/>
+        </p:nvSpPr>
+        <p:spPr>
+          <a:xfrm>
+            <a:off x="355107" y="1584560"/>
+            <a:ext cx="11514337" cy="2031325"/>
           </a:xfrm>
           <a:prstGeom prst="rect">
             <a:avLst/>
           </a:prstGeom>
-        </p:spPr>
-      </p:pic>
+          <a:noFill/>
+        </p:spPr>
+        <p:txBody>
+          <a:bodyPr wrap="square">
+            <a:spAutoFit/>
+          </a:bodyPr>
+          <a:lstStyle/>
+          <a:p>
+            <a:pPr>
+              <a:buFont typeface="Arial" panose="020B0604020202020204" pitchFamily="34" charset="0"/>
+              <a:buChar char="•"/>
+            </a:pPr>
+            <a:r>
+              <a:rPr lang="fr-FR" dirty="0"/>
+              <a:t>1 </a:t>
+            </a:r>
+            <a:r>
+              <a:rPr lang="fr-FR" dirty="0">
+                <a:hlinkClick r:id="rId2"/>
+              </a:rPr>
+              <a:t>https://pretdepenser.herokuapp.com/api/sk_ids/</a:t>
+            </a:r>
+            <a:r>
+              <a:rPr lang="fr-FR" dirty="0"/>
+              <a:t> ==&gt; Extraire la liste des identifiants des clients</a:t>
+            </a:r>
+          </a:p>
+          <a:p>
+            <a:pPr>
+              <a:buFont typeface="Arial" panose="020B0604020202020204" pitchFamily="34" charset="0"/>
+              <a:buChar char="•"/>
+            </a:pPr>
+            <a:r>
+              <a:rPr lang="fr-FR" dirty="0"/>
+              <a:t>2 </a:t>
+            </a:r>
+            <a:r>
+              <a:rPr lang="fr-FR" dirty="0">
+                <a:hlinkClick r:id="rId3"/>
+              </a:rPr>
+              <a:t>https://pretdepenser.herokuapp.com/api/personal_data?SK_ID_CURR=384575</a:t>
+            </a:r>
+            <a:r>
+              <a:rPr lang="fr-FR" dirty="0"/>
+              <a:t> ==&gt; Obtenir les données du client</a:t>
+            </a:r>
+          </a:p>
+          <a:p>
+            <a:pPr>
+              <a:buFont typeface="Arial" panose="020B0604020202020204" pitchFamily="34" charset="0"/>
+              <a:buChar char="•"/>
+            </a:pPr>
+            <a:r>
+              <a:rPr lang="fr-FR" dirty="0"/>
+              <a:t>3 </a:t>
+            </a:r>
+            <a:r>
+              <a:rPr lang="fr-FR" dirty="0">
+                <a:hlinkClick r:id="rId4"/>
+              </a:rPr>
+              <a:t>https://pretdepenser.herokuapp.com/api/features_desc</a:t>
+            </a:r>
+            <a:r>
+              <a:rPr lang="fr-FR" dirty="0"/>
+              <a:t> ==&gt; Description des </a:t>
+            </a:r>
+            <a:r>
+              <a:rPr lang="fr-FR" dirty="0" err="1"/>
+              <a:t>features</a:t>
+            </a:r>
+            <a:endParaRPr lang="fr-FR" dirty="0"/>
+          </a:p>
+          <a:p>
+            <a:pPr>
+              <a:buFont typeface="Arial" panose="020B0604020202020204" pitchFamily="34" charset="0"/>
+              <a:buChar char="•"/>
+            </a:pPr>
+            <a:r>
+              <a:rPr lang="fr-FR" dirty="0"/>
+              <a:t>4 </a:t>
+            </a:r>
+            <a:r>
+              <a:rPr lang="fr-FR" dirty="0">
+                <a:hlinkClick r:id="rId5"/>
+              </a:rPr>
+              <a:t>https://pretdepenser.herokuapp.com/api/features_imp</a:t>
+            </a:r>
+            <a:r>
+              <a:rPr lang="fr-FR" dirty="0"/>
+              <a:t> ==&gt; Classement de l'importance des </a:t>
+            </a:r>
+            <a:r>
+              <a:rPr lang="fr-FR" dirty="0" err="1"/>
+              <a:t>features</a:t>
+            </a:r>
+            <a:endParaRPr lang="fr-FR" dirty="0"/>
+          </a:p>
+          <a:p>
+            <a:pPr>
+              <a:buFont typeface="Arial" panose="020B0604020202020204" pitchFamily="34" charset="0"/>
+              <a:buChar char="•"/>
+            </a:pPr>
+            <a:r>
+              <a:rPr lang="fr-FR" dirty="0"/>
+              <a:t>5 </a:t>
+            </a:r>
+            <a:r>
+              <a:rPr lang="fr-FR" dirty="0">
+                <a:hlinkClick r:id="rId6"/>
+              </a:rPr>
+              <a:t>https://pretdepenser.herokuapp.com/api/local_interpretation?SK_ID_CURR=384575</a:t>
+            </a:r>
+            <a:r>
+              <a:rPr lang="fr-FR" dirty="0"/>
+              <a:t> ==&gt; Prédiction de solvabilité du client</a:t>
+            </a:r>
+          </a:p>
+        </p:txBody>
+      </p:sp>
     </p:spTree>
     <p:extLst>
       <p:ext uri="{BB962C8B-B14F-4D97-AF65-F5344CB8AC3E}">
-        <p14:creationId xmlns:p14="http://schemas.microsoft.com/office/powerpoint/2010/main" val="3548704483"/>
+        <p14:creationId xmlns:p14="http://schemas.microsoft.com/office/powerpoint/2010/main" val="3221289867"/>
       </p:ext>
     </p:extLst>
   </p:cSld>
@@ -6736,217 +7017,6 @@
                 <a:ea typeface="+mn-ea"/>
                 <a:cs typeface="+mn-cs"/>
               </a:rPr>
-              <a:t>Contenu de l’API</a:t>
-            </a:r>
-          </a:p>
-        </p:txBody>
-      </p:sp>
-      <p:sp>
-        <p:nvSpPr>
-          <p:cNvPr id="5" name="ZoneTexte 4">
-            <a:extLst>
-              <a:ext uri="{FF2B5EF4-FFF2-40B4-BE49-F238E27FC236}">
-                <a16:creationId xmlns:a16="http://schemas.microsoft.com/office/drawing/2014/main" id="{8245E8C1-4E0B-49E9-8A45-9FF13063CDA8}"/>
-              </a:ext>
-            </a:extLst>
-          </p:cNvPr>
-          <p:cNvSpPr txBox="1"/>
-          <p:nvPr/>
-        </p:nvSpPr>
-        <p:spPr>
-          <a:xfrm>
-            <a:off x="355107" y="1584560"/>
-            <a:ext cx="11514337" cy="2031325"/>
-          </a:xfrm>
-          <a:prstGeom prst="rect">
-            <a:avLst/>
-          </a:prstGeom>
-          <a:noFill/>
-        </p:spPr>
-        <p:txBody>
-          <a:bodyPr wrap="square">
-            <a:spAutoFit/>
-          </a:bodyPr>
-          <a:lstStyle/>
-          <a:p>
-            <a:pPr>
-              <a:buFont typeface="Arial" panose="020B0604020202020204" pitchFamily="34" charset="0"/>
-              <a:buChar char="•"/>
-            </a:pPr>
-            <a:r>
-              <a:rPr lang="fr-FR" dirty="0"/>
-              <a:t>1 </a:t>
-            </a:r>
-            <a:r>
-              <a:rPr lang="fr-FR" dirty="0">
-                <a:hlinkClick r:id="rId2"/>
-              </a:rPr>
-              <a:t>https://pretdepenser.herokuapp.com/api/sk_ids/</a:t>
-            </a:r>
-            <a:r>
-              <a:rPr lang="fr-FR" dirty="0"/>
-              <a:t> ==&gt; Extraire la liste des identifiants des clients</a:t>
-            </a:r>
-          </a:p>
-          <a:p>
-            <a:pPr>
-              <a:buFont typeface="Arial" panose="020B0604020202020204" pitchFamily="34" charset="0"/>
-              <a:buChar char="•"/>
-            </a:pPr>
-            <a:r>
-              <a:rPr lang="fr-FR" dirty="0"/>
-              <a:t>2 </a:t>
-            </a:r>
-            <a:r>
-              <a:rPr lang="fr-FR" dirty="0">
-                <a:hlinkClick r:id="rId3"/>
-              </a:rPr>
-              <a:t>https://pretdepenser.herokuapp.com/api/personal_data?SK_ID_CURR=384575</a:t>
-            </a:r>
-            <a:r>
-              <a:rPr lang="fr-FR" dirty="0"/>
-              <a:t> ==&gt; Obtenir les données du client</a:t>
-            </a:r>
-          </a:p>
-          <a:p>
-            <a:pPr>
-              <a:buFont typeface="Arial" panose="020B0604020202020204" pitchFamily="34" charset="0"/>
-              <a:buChar char="•"/>
-            </a:pPr>
-            <a:r>
-              <a:rPr lang="fr-FR" dirty="0"/>
-              <a:t>3 </a:t>
-            </a:r>
-            <a:r>
-              <a:rPr lang="fr-FR" dirty="0">
-                <a:hlinkClick r:id="rId4"/>
-              </a:rPr>
-              <a:t>https://pretdepenser.herokuapp.com/api/features_desc</a:t>
-            </a:r>
-            <a:r>
-              <a:rPr lang="fr-FR" dirty="0"/>
-              <a:t> ==&gt; Description des </a:t>
-            </a:r>
-            <a:r>
-              <a:rPr lang="fr-FR" dirty="0" err="1"/>
-              <a:t>features</a:t>
-            </a:r>
-            <a:endParaRPr lang="fr-FR" dirty="0"/>
-          </a:p>
-          <a:p>
-            <a:pPr>
-              <a:buFont typeface="Arial" panose="020B0604020202020204" pitchFamily="34" charset="0"/>
-              <a:buChar char="•"/>
-            </a:pPr>
-            <a:r>
-              <a:rPr lang="fr-FR" dirty="0"/>
-              <a:t>4 </a:t>
-            </a:r>
-            <a:r>
-              <a:rPr lang="fr-FR" dirty="0">
-                <a:hlinkClick r:id="rId5"/>
-              </a:rPr>
-              <a:t>https://pretdepenser.herokuapp.com/api/features_imp</a:t>
-            </a:r>
-            <a:r>
-              <a:rPr lang="fr-FR" dirty="0"/>
-              <a:t> ==&gt; Classement de l'importance des </a:t>
-            </a:r>
-            <a:r>
-              <a:rPr lang="fr-FR" dirty="0" err="1"/>
-              <a:t>features</a:t>
-            </a:r>
-            <a:endParaRPr lang="fr-FR" dirty="0"/>
-          </a:p>
-          <a:p>
-            <a:pPr>
-              <a:buFont typeface="Arial" panose="020B0604020202020204" pitchFamily="34" charset="0"/>
-              <a:buChar char="•"/>
-            </a:pPr>
-            <a:r>
-              <a:rPr lang="fr-FR" dirty="0"/>
-              <a:t>5 </a:t>
-            </a:r>
-            <a:r>
-              <a:rPr lang="fr-FR" dirty="0">
-                <a:hlinkClick r:id="rId6"/>
-              </a:rPr>
-              <a:t>https://pretdepenser.herokuapp.com/api/local_interpretation?SK_ID_CURR=384575</a:t>
-            </a:r>
-            <a:r>
-              <a:rPr lang="fr-FR" dirty="0"/>
-              <a:t> ==&gt; Prédiction de solvabilité du client</a:t>
-            </a:r>
-          </a:p>
-        </p:txBody>
-      </p:sp>
-    </p:spTree>
-    <p:extLst>
-      <p:ext uri="{BB962C8B-B14F-4D97-AF65-F5344CB8AC3E}">
-        <p14:creationId xmlns:p14="http://schemas.microsoft.com/office/powerpoint/2010/main" val="3221289867"/>
-      </p:ext>
-    </p:extLst>
-  </p:cSld>
-  <p:clrMapOvr>
-    <a:masterClrMapping/>
-  </p:clrMapOvr>
-</p:sld>
-</file>
-
-<file path=ppt/slides/slide18.xml><?xml version="1.0" encoding="utf-8"?>
-<p:sld xmlns:a="http://schemas.openxmlformats.org/drawingml/2006/main" xmlns:r="http://schemas.openxmlformats.org/officeDocument/2006/relationships" xmlns:p="http://schemas.openxmlformats.org/presentationml/2006/main">
-  <p:cSld>
-    <p:spTree>
-      <p:nvGrpSpPr>
-        <p:cNvPr id="1" name=""/>
-        <p:cNvGrpSpPr/>
-        <p:nvPr/>
-      </p:nvGrpSpPr>
-      <p:grpSpPr>
-        <a:xfrm>
-          <a:off x="0" y="0"/>
-          <a:ext cx="0" cy="0"/>
-          <a:chOff x="0" y="0"/>
-          <a:chExt cx="0" cy="0"/>
-        </a:xfrm>
-      </p:grpSpPr>
-      <p:sp>
-        <p:nvSpPr>
-          <p:cNvPr id="2" name="Titre 1">
-            <a:extLst>
-              <a:ext uri="{FF2B5EF4-FFF2-40B4-BE49-F238E27FC236}">
-                <a16:creationId xmlns:a16="http://schemas.microsoft.com/office/drawing/2014/main" id="{0BD235EC-26A9-4DB1-B3C9-E378D8DE2A56}"/>
-              </a:ext>
-            </a:extLst>
-          </p:cNvPr>
-          <p:cNvSpPr>
-            <a:spLocks noGrp="1"/>
-          </p:cNvSpPr>
-          <p:nvPr>
-            <p:ph type="title"/>
-          </p:nvPr>
-        </p:nvSpPr>
-        <p:spPr>
-          <a:xfrm>
-            <a:off x="521207" y="448056"/>
-            <a:ext cx="8474793" cy="640080"/>
-          </a:xfrm>
-        </p:spPr>
-        <p:txBody>
-          <a:bodyPr>
-            <a:normAutofit/>
-          </a:bodyPr>
-          <a:lstStyle/>
-          <a:p>
-            <a:r>
-              <a:rPr lang="fr-FR" sz="2000" b="1" dirty="0">
-                <a:solidFill>
-                  <a:schemeClr val="tx1"/>
-                </a:solidFill>
-                <a:latin typeface="+mn-lt"/>
-                <a:ea typeface="+mn-ea"/>
-                <a:cs typeface="+mn-cs"/>
-              </a:rPr>
               <a:t>Contenu du </a:t>
             </a:r>
             <a:r>
@@ -7581,6 +7651,36 @@
           </a:p>
         </p:txBody>
       </p:sp>
+      <p:pic>
+        <p:nvPicPr>
+          <p:cNvPr id="4" name="Image 3">
+            <a:extLst>
+              <a:ext uri="{FF2B5EF4-FFF2-40B4-BE49-F238E27FC236}">
+                <a16:creationId xmlns:a16="http://schemas.microsoft.com/office/drawing/2014/main" id="{2653D684-7127-4E94-AF89-50B8E6553A72}"/>
+              </a:ext>
+            </a:extLst>
+          </p:cNvPr>
+          <p:cNvPicPr>
+            <a:picLocks noChangeAspect="1"/>
+          </p:cNvPicPr>
+          <p:nvPr/>
+        </p:nvPicPr>
+        <p:blipFill>
+          <a:blip r:embed="rId4"/>
+          <a:stretch>
+            <a:fillRect/>
+          </a:stretch>
+        </p:blipFill>
+        <p:spPr>
+          <a:xfrm>
+            <a:off x="1001195" y="5468714"/>
+            <a:ext cx="2389781" cy="1137259"/>
+          </a:xfrm>
+          <a:prstGeom prst="rect">
+            <a:avLst/>
+          </a:prstGeom>
+        </p:spPr>
+      </p:pic>
     </p:spTree>
     <p:extLst>
       <p:ext uri="{BB962C8B-B14F-4D97-AF65-F5344CB8AC3E}">
@@ -7594,7 +7694,7 @@
 </p:sld>
 </file>
 
-<file path=ppt/slides/slide19.xml><?xml version="1.0" encoding="utf-8"?>
+<file path=ppt/slides/slide18.xml><?xml version="1.0" encoding="utf-8"?>
 <p:sld xmlns:a="http://schemas.openxmlformats.org/drawingml/2006/main" xmlns:r="http://schemas.openxmlformats.org/officeDocument/2006/relationships" xmlns:p="http://schemas.openxmlformats.org/presentationml/2006/main">
   <p:cSld>
     <p:spTree>
@@ -7966,6 +8066,640 @@
 </p:sld>
 </file>
 
+<file path=ppt/slides/slide19.xml><?xml version="1.0" encoding="utf-8"?>
+<p:sld xmlns:a="http://schemas.openxmlformats.org/drawingml/2006/main" xmlns:r="http://schemas.openxmlformats.org/officeDocument/2006/relationships" xmlns:p="http://schemas.openxmlformats.org/presentationml/2006/main">
+  <p:cSld>
+    <p:spTree>
+      <p:nvGrpSpPr>
+        <p:cNvPr id="1" name=""/>
+        <p:cNvGrpSpPr/>
+        <p:nvPr/>
+      </p:nvGrpSpPr>
+      <p:grpSpPr>
+        <a:xfrm>
+          <a:off x="0" y="0"/>
+          <a:ext cx="0" cy="0"/>
+          <a:chOff x="0" y="0"/>
+          <a:chExt cx="0" cy="0"/>
+        </a:xfrm>
+      </p:grpSpPr>
+      <p:sp>
+        <p:nvSpPr>
+          <p:cNvPr id="2" name="Titre 1">
+            <a:extLst>
+              <a:ext uri="{FF2B5EF4-FFF2-40B4-BE49-F238E27FC236}">
+                <a16:creationId xmlns:a16="http://schemas.microsoft.com/office/drawing/2014/main" id="{3F6EE76D-942F-489D-8E64-6BFFA528F2B9}"/>
+              </a:ext>
+            </a:extLst>
+          </p:cNvPr>
+          <p:cNvSpPr>
+            <a:spLocks noGrp="1"/>
+          </p:cNvSpPr>
+          <p:nvPr>
+            <p:ph type="title"/>
+          </p:nvPr>
+        </p:nvSpPr>
+        <p:spPr/>
+        <p:txBody>
+          <a:bodyPr/>
+          <a:lstStyle/>
+          <a:p>
+            <a:r>
+              <a:rPr lang="fr-FR" sz="2000" b="1" dirty="0">
+                <a:solidFill>
+                  <a:schemeClr val="tx1"/>
+                </a:solidFill>
+                <a:latin typeface="+mn-lt"/>
+                <a:ea typeface="+mn-ea"/>
+                <a:cs typeface="+mn-cs"/>
+              </a:rPr>
+              <a:t>Conclusion et pistes d’amélioration</a:t>
+            </a:r>
+          </a:p>
+        </p:txBody>
+      </p:sp>
+      <p:sp>
+        <p:nvSpPr>
+          <p:cNvPr id="4" name="ZoneTexte 3">
+            <a:extLst>
+              <a:ext uri="{FF2B5EF4-FFF2-40B4-BE49-F238E27FC236}">
+                <a16:creationId xmlns:a16="http://schemas.microsoft.com/office/drawing/2014/main" id="{A90C18B5-954C-4BE6-B5FE-DD3EA7AFF0CE}"/>
+              </a:ext>
+            </a:extLst>
+          </p:cNvPr>
+          <p:cNvSpPr txBox="1"/>
+          <p:nvPr/>
+        </p:nvSpPr>
+        <p:spPr>
+          <a:xfrm>
+            <a:off x="9966121" y="6479140"/>
+            <a:ext cx="3456264" cy="369332"/>
+          </a:xfrm>
+          <a:prstGeom prst="rect">
+            <a:avLst/>
+          </a:prstGeom>
+          <a:noFill/>
+        </p:spPr>
+        <p:txBody>
+          <a:bodyPr wrap="square" rtlCol="0">
+            <a:spAutoFit/>
+          </a:bodyPr>
+          <a:lstStyle/>
+          <a:p>
+            <a:r>
+              <a:rPr lang="fr-FR" dirty="0"/>
+              <a:t>Teycir Ben </a:t>
+            </a:r>
+            <a:r>
+              <a:rPr lang="fr-FR" dirty="0" err="1"/>
+              <a:t>Soltane</a:t>
+            </a:r>
+            <a:r>
+              <a:rPr lang="fr-FR" dirty="0"/>
+              <a:t> </a:t>
+            </a:r>
+          </a:p>
+        </p:txBody>
+      </p:sp>
+      <p:pic>
+        <p:nvPicPr>
+          <p:cNvPr id="5" name="Image 4">
+            <a:extLst>
+              <a:ext uri="{FF2B5EF4-FFF2-40B4-BE49-F238E27FC236}">
+                <a16:creationId xmlns:a16="http://schemas.microsoft.com/office/drawing/2014/main" id="{E20B9FD2-2276-4E16-AC20-4EE97720C685}"/>
+              </a:ext>
+            </a:extLst>
+          </p:cNvPr>
+          <p:cNvPicPr>
+            <a:picLocks noChangeAspect="1"/>
+          </p:cNvPicPr>
+          <p:nvPr/>
+        </p:nvPicPr>
+        <p:blipFill>
+          <a:blip r:embed="rId2">
+            <a:extLst>
+              <a:ext uri="{28A0092B-C50C-407E-A947-70E740481C1C}">
+                <a14:useLocalDpi xmlns:a14="http://schemas.microsoft.com/office/drawing/2010/main" val="0"/>
+              </a:ext>
+            </a:extLst>
+          </a:blip>
+          <a:stretch>
+            <a:fillRect/>
+          </a:stretch>
+        </p:blipFill>
+        <p:spPr>
+          <a:xfrm>
+            <a:off x="228957" y="6511425"/>
+            <a:ext cx="2133333" cy="304762"/>
+          </a:xfrm>
+          <a:prstGeom prst="rect">
+            <a:avLst/>
+          </a:prstGeom>
+        </p:spPr>
+      </p:pic>
+      <p:sp>
+        <p:nvSpPr>
+          <p:cNvPr id="3" name="ZoneTexte 2">
+            <a:extLst>
+              <a:ext uri="{FF2B5EF4-FFF2-40B4-BE49-F238E27FC236}">
+                <a16:creationId xmlns:a16="http://schemas.microsoft.com/office/drawing/2014/main" id="{FD7B1D9A-88CE-4FC2-9543-494E589565D2}"/>
+              </a:ext>
+            </a:extLst>
+          </p:cNvPr>
+          <p:cNvSpPr txBox="1"/>
+          <p:nvPr/>
+        </p:nvSpPr>
+        <p:spPr>
+          <a:xfrm>
+            <a:off x="632388" y="1179319"/>
+            <a:ext cx="10759155" cy="830997"/>
+          </a:xfrm>
+          <a:prstGeom prst="rect">
+            <a:avLst/>
+          </a:prstGeom>
+          <a:noFill/>
+        </p:spPr>
+        <p:txBody>
+          <a:bodyPr wrap="square" rtlCol="0">
+            <a:spAutoFit/>
+          </a:bodyPr>
+          <a:lstStyle/>
+          <a:p>
+            <a:pPr marL="285750" indent="-285750">
+              <a:buFont typeface="Arial" panose="020B0604020202020204" pitchFamily="34" charset="0"/>
+              <a:buChar char="•"/>
+            </a:pPr>
+            <a:endParaRPr lang="fr-FR" sz="1600" dirty="0"/>
+          </a:p>
+          <a:p>
+            <a:pPr marL="285750" indent="-285750">
+              <a:buFontTx/>
+              <a:buChar char="-"/>
+            </a:pPr>
+            <a:endParaRPr lang="fr-FR" sz="1600" dirty="0"/>
+          </a:p>
+          <a:p>
+            <a:endParaRPr lang="fr-FR" sz="1600" dirty="0"/>
+          </a:p>
+        </p:txBody>
+      </p:sp>
+      <p:sp>
+        <p:nvSpPr>
+          <p:cNvPr id="6" name="ZoneTexte 5">
+            <a:extLst>
+              <a:ext uri="{FF2B5EF4-FFF2-40B4-BE49-F238E27FC236}">
+                <a16:creationId xmlns:a16="http://schemas.microsoft.com/office/drawing/2014/main" id="{E3351C3B-15C2-4EBF-A530-4FA40743BD55}"/>
+              </a:ext>
+            </a:extLst>
+          </p:cNvPr>
+          <p:cNvSpPr txBox="1"/>
+          <p:nvPr/>
+        </p:nvSpPr>
+        <p:spPr>
+          <a:xfrm>
+            <a:off x="521207" y="1401510"/>
+            <a:ext cx="11101073" cy="584775"/>
+          </a:xfrm>
+          <a:prstGeom prst="rect">
+            <a:avLst/>
+          </a:prstGeom>
+          <a:noFill/>
+        </p:spPr>
+        <p:txBody>
+          <a:bodyPr wrap="square" rtlCol="0">
+            <a:spAutoFit/>
+          </a:bodyPr>
+          <a:lstStyle/>
+          <a:p>
+            <a:pPr marL="285750" indent="-285750">
+              <a:buFontTx/>
+              <a:buChar char="-"/>
+            </a:pPr>
+            <a:endParaRPr lang="fr-FR" sz="1600" dirty="0"/>
+          </a:p>
+          <a:p>
+            <a:pPr marL="285750" indent="-285750">
+              <a:buFontTx/>
+              <a:buChar char="-"/>
+            </a:pPr>
+            <a:endParaRPr lang="fr-FR" sz="1600" dirty="0"/>
+          </a:p>
+        </p:txBody>
+      </p:sp>
+      <p:sp>
+        <p:nvSpPr>
+          <p:cNvPr id="7" name="ZoneTexte 6">
+            <a:extLst>
+              <a:ext uri="{FF2B5EF4-FFF2-40B4-BE49-F238E27FC236}">
+                <a16:creationId xmlns:a16="http://schemas.microsoft.com/office/drawing/2014/main" id="{F9C7FF6F-B953-4DDD-A24E-6D37C80A24DD}"/>
+              </a:ext>
+            </a:extLst>
+          </p:cNvPr>
+          <p:cNvSpPr txBox="1"/>
+          <p:nvPr/>
+        </p:nvSpPr>
+        <p:spPr>
+          <a:xfrm>
+            <a:off x="236433" y="1308407"/>
+            <a:ext cx="11955567" cy="4028282"/>
+          </a:xfrm>
+          <a:prstGeom prst="rect">
+            <a:avLst/>
+          </a:prstGeom>
+          <a:noFill/>
+        </p:spPr>
+        <p:txBody>
+          <a:bodyPr wrap="square" rtlCol="0">
+            <a:spAutoFit/>
+          </a:bodyPr>
+          <a:lstStyle/>
+          <a:p>
+            <a:pPr lvl="0" rtl="0">
+              <a:lnSpc>
+                <a:spcPct val="107000"/>
+              </a:lnSpc>
+            </a:pPr>
+            <a:r>
+              <a:rPr lang="fr-FR" sz="1800" b="1" dirty="0">
+                <a:effectLst/>
+                <a:latin typeface="Calibri" panose="020F0502020204030204" pitchFamily="34" charset="0"/>
+                <a:ea typeface="Calibri" panose="020F0502020204030204" pitchFamily="34" charset="0"/>
+                <a:cs typeface="Arial" panose="020B0604020202020204" pitchFamily="34" charset="0"/>
+              </a:rPr>
+              <a:t>   </a:t>
+            </a:r>
+            <a:r>
+              <a:rPr lang="fr-FR" sz="1800" b="1" u="sng" dirty="0">
+                <a:effectLst/>
+                <a:latin typeface="Calibri" panose="020F0502020204030204" pitchFamily="34" charset="0"/>
+                <a:ea typeface="Calibri" panose="020F0502020204030204" pitchFamily="34" charset="0"/>
+                <a:cs typeface="Arial" panose="020B0604020202020204" pitchFamily="34" charset="0"/>
+              </a:rPr>
+              <a:t>Modèles et hyperparamètres</a:t>
+            </a:r>
+            <a:endParaRPr lang="fr-FR" sz="1800" dirty="0">
+              <a:effectLst/>
+              <a:latin typeface="Calibri" panose="020F0502020204030204" pitchFamily="34" charset="0"/>
+              <a:ea typeface="Calibri" panose="020F0502020204030204" pitchFamily="34" charset="0"/>
+              <a:cs typeface="Arial" panose="020B0604020202020204" pitchFamily="34" charset="0"/>
+            </a:endParaRPr>
+          </a:p>
+          <a:p>
+            <a:pPr lvl="0">
+              <a:lnSpc>
+                <a:spcPct val="107000"/>
+              </a:lnSpc>
+            </a:pPr>
+            <a:r>
+              <a:rPr lang="fr-FR" sz="1800" dirty="0">
+                <a:effectLst/>
+                <a:latin typeface="Calibri" panose="020F0502020204030204" pitchFamily="34" charset="0"/>
+                <a:ea typeface="Calibri" panose="020F0502020204030204" pitchFamily="34" charset="0"/>
+                <a:cs typeface="Arial" panose="020B0604020202020204" pitchFamily="34" charset="0"/>
+              </a:rPr>
+              <a:t>- Un premier axe d’amélioration est d’intégrer dans l’espace de recherche d’autres familles de modèles et notamment :</a:t>
+            </a:r>
+          </a:p>
+          <a:p>
+            <a:pPr marL="342900" lvl="0" indent="-342900">
+              <a:lnSpc>
+                <a:spcPct val="107000"/>
+              </a:lnSpc>
+              <a:buFont typeface="Symbol" panose="05050102010706020507" pitchFamily="18" charset="2"/>
+              <a:buChar char=""/>
+            </a:pPr>
+            <a:r>
+              <a:rPr lang="fr-FR" sz="1800" dirty="0" err="1">
+                <a:effectLst/>
+                <a:latin typeface="Calibri" panose="020F0502020204030204" pitchFamily="34" charset="0"/>
+                <a:ea typeface="Calibri" panose="020F0502020204030204" pitchFamily="34" charset="0"/>
+                <a:cs typeface="Arial" panose="020B0604020202020204" pitchFamily="34" charset="0"/>
+              </a:rPr>
+              <a:t>Boosting</a:t>
+            </a:r>
+            <a:r>
+              <a:rPr lang="fr-FR" sz="1800" dirty="0">
+                <a:effectLst/>
+                <a:latin typeface="Calibri" panose="020F0502020204030204" pitchFamily="34" charset="0"/>
+                <a:ea typeface="Calibri" panose="020F0502020204030204" pitchFamily="34" charset="0"/>
+                <a:cs typeface="Arial" panose="020B0604020202020204" pitchFamily="34" charset="0"/>
+              </a:rPr>
+              <a:t> : </a:t>
+            </a:r>
+            <a:r>
+              <a:rPr lang="fr-FR" sz="1800" dirty="0" err="1">
+                <a:effectLst/>
+                <a:latin typeface="Courier New" panose="02070309020205020404" pitchFamily="49" charset="0"/>
+                <a:ea typeface="Calibri" panose="020F0502020204030204" pitchFamily="34" charset="0"/>
+                <a:cs typeface="Arial" panose="020B0604020202020204" pitchFamily="34" charset="0"/>
+              </a:rPr>
+              <a:t>XGBoost</a:t>
+            </a:r>
+            <a:r>
+              <a:rPr lang="fr-FR" sz="1800" dirty="0">
+                <a:effectLst/>
+                <a:latin typeface="Courier New" panose="02070309020205020404" pitchFamily="49" charset="0"/>
+                <a:ea typeface="Calibri" panose="020F0502020204030204" pitchFamily="34" charset="0"/>
+                <a:cs typeface="Arial" panose="020B0604020202020204" pitchFamily="34" charset="0"/>
+              </a:rPr>
+              <a:t>, </a:t>
+            </a:r>
+            <a:r>
+              <a:rPr lang="fr-FR" sz="1800" dirty="0" err="1">
+                <a:effectLst/>
+                <a:latin typeface="Courier New" panose="02070309020205020404" pitchFamily="49" charset="0"/>
+                <a:ea typeface="Calibri" panose="020F0502020204030204" pitchFamily="34" charset="0"/>
+                <a:cs typeface="Arial" panose="020B0604020202020204" pitchFamily="34" charset="0"/>
+              </a:rPr>
+              <a:t>CatBoost</a:t>
+            </a:r>
+            <a:r>
+              <a:rPr lang="fr-FR" sz="1800" dirty="0">
+                <a:effectLst/>
+                <a:latin typeface="Calibri" panose="020F0502020204030204" pitchFamily="34" charset="0"/>
+                <a:ea typeface="Calibri" panose="020F0502020204030204" pitchFamily="34" charset="0"/>
+                <a:cs typeface="Arial" panose="020B0604020202020204" pitchFamily="34" charset="0"/>
+              </a:rPr>
+              <a:t>…</a:t>
+            </a:r>
+          </a:p>
+          <a:p>
+            <a:pPr marL="342900" lvl="0" indent="-342900">
+              <a:lnSpc>
+                <a:spcPct val="107000"/>
+              </a:lnSpc>
+              <a:buFont typeface="Symbol" panose="05050102010706020507" pitchFamily="18" charset="2"/>
+              <a:buChar char=""/>
+            </a:pPr>
+            <a:r>
+              <a:rPr lang="fr-FR" sz="1800" dirty="0">
+                <a:effectLst/>
+                <a:latin typeface="Calibri" panose="020F0502020204030204" pitchFamily="34" charset="0"/>
+                <a:ea typeface="Calibri" panose="020F0502020204030204" pitchFamily="34" charset="0"/>
+                <a:cs typeface="Arial" panose="020B0604020202020204" pitchFamily="34" charset="0"/>
+              </a:rPr>
+              <a:t>Réseaux neuronaux : </a:t>
+            </a:r>
+            <a:r>
+              <a:rPr lang="fr-FR" sz="1800" dirty="0" err="1">
+                <a:effectLst/>
+                <a:latin typeface="Calibri" panose="020F0502020204030204" pitchFamily="34" charset="0"/>
+                <a:ea typeface="Calibri" panose="020F0502020204030204" pitchFamily="34" charset="0"/>
+                <a:cs typeface="Arial" panose="020B0604020202020204" pitchFamily="34" charset="0"/>
+              </a:rPr>
+              <a:t>fully-connected</a:t>
+            </a:r>
+            <a:r>
+              <a:rPr lang="fr-FR" sz="1800" dirty="0">
+                <a:effectLst/>
+                <a:latin typeface="Calibri" panose="020F0502020204030204" pitchFamily="34" charset="0"/>
+                <a:ea typeface="Calibri" panose="020F0502020204030204" pitchFamily="34" charset="0"/>
+                <a:cs typeface="Arial" panose="020B0604020202020204" pitchFamily="34" charset="0"/>
+              </a:rPr>
+              <a:t> avec </a:t>
+            </a:r>
+            <a:r>
+              <a:rPr lang="fr-FR" sz="1800" dirty="0" err="1">
+                <a:effectLst/>
+                <a:latin typeface="Courier New" panose="02070309020205020404" pitchFamily="49" charset="0"/>
+                <a:ea typeface="Calibri" panose="020F0502020204030204" pitchFamily="34" charset="0"/>
+                <a:cs typeface="Arial" panose="020B0604020202020204" pitchFamily="34" charset="0"/>
+              </a:rPr>
+              <a:t>Keras</a:t>
+            </a:r>
+            <a:r>
+              <a:rPr lang="fr-FR" sz="1800" dirty="0">
+                <a:effectLst/>
+                <a:latin typeface="Courier New" panose="02070309020205020404" pitchFamily="49" charset="0"/>
+                <a:ea typeface="Calibri" panose="020F0502020204030204" pitchFamily="34" charset="0"/>
+                <a:cs typeface="Arial" panose="020B0604020202020204" pitchFamily="34" charset="0"/>
+              </a:rPr>
+              <a:t>/</a:t>
+            </a:r>
+            <a:r>
+              <a:rPr lang="fr-FR" sz="1800" dirty="0" err="1">
+                <a:effectLst/>
+                <a:latin typeface="Courier New" panose="02070309020205020404" pitchFamily="49" charset="0"/>
+                <a:ea typeface="Calibri" panose="020F0502020204030204" pitchFamily="34" charset="0"/>
+                <a:cs typeface="Arial" panose="020B0604020202020204" pitchFamily="34" charset="0"/>
+              </a:rPr>
+              <a:t>TensorFlow</a:t>
+            </a:r>
+            <a:endParaRPr lang="fr-FR" sz="1800" dirty="0">
+              <a:effectLst/>
+              <a:latin typeface="Calibri" panose="020F0502020204030204" pitchFamily="34" charset="0"/>
+              <a:ea typeface="Calibri" panose="020F0502020204030204" pitchFamily="34" charset="0"/>
+              <a:cs typeface="Arial" panose="020B0604020202020204" pitchFamily="34" charset="0"/>
+            </a:endParaRPr>
+          </a:p>
+          <a:p>
+            <a:pPr marL="285750" lvl="0" indent="-285750">
+              <a:lnSpc>
+                <a:spcPct val="107000"/>
+              </a:lnSpc>
+              <a:buFontTx/>
+              <a:buChar char="-"/>
+            </a:pPr>
+            <a:r>
+              <a:rPr lang="fr-FR" sz="1800" dirty="0">
+                <a:effectLst/>
+                <a:latin typeface="Calibri" panose="020F0502020204030204" pitchFamily="34" charset="0"/>
+                <a:ea typeface="Calibri" panose="020F0502020204030204" pitchFamily="34" charset="0"/>
+                <a:cs typeface="Arial" panose="020B0604020202020204" pitchFamily="34" charset="0"/>
+              </a:rPr>
+              <a:t>On peut aussi essayer d’intégrer davantage d’étapes de pré-traitement (pour, par exemple comparer les  </a:t>
+            </a:r>
+          </a:p>
+          <a:p>
+            <a:pPr lvl="0">
+              <a:lnSpc>
+                <a:spcPct val="107000"/>
+              </a:lnSpc>
+            </a:pPr>
+            <a:r>
+              <a:rPr lang="fr-FR" sz="1800" dirty="0">
+                <a:effectLst/>
+                <a:latin typeface="Calibri" panose="020F0502020204030204" pitchFamily="34" charset="0"/>
+                <a:ea typeface="Calibri" panose="020F0502020204030204" pitchFamily="34" charset="0"/>
+                <a:cs typeface="Arial" panose="020B0604020202020204" pitchFamily="34" charset="0"/>
+              </a:rPr>
+              <a:t>méthodes d’équilibrage des classes, ou les méthodes d’imputation).</a:t>
+            </a:r>
+          </a:p>
+          <a:p>
+            <a:pPr marL="228600">
+              <a:lnSpc>
+                <a:spcPct val="107000"/>
+              </a:lnSpc>
+            </a:pPr>
+            <a:r>
+              <a:rPr lang="fr-FR" sz="1800" dirty="0">
+                <a:effectLst/>
+                <a:latin typeface="Calibri" panose="020F0502020204030204" pitchFamily="34" charset="0"/>
+                <a:ea typeface="Calibri" panose="020F0502020204030204" pitchFamily="34" charset="0"/>
+                <a:cs typeface="Arial" panose="020B0604020202020204" pitchFamily="34" charset="0"/>
+              </a:rPr>
+              <a:t> </a:t>
+            </a:r>
+          </a:p>
+          <a:p>
+            <a:pPr lvl="0">
+              <a:lnSpc>
+                <a:spcPct val="107000"/>
+              </a:lnSpc>
+            </a:pPr>
+            <a:r>
+              <a:rPr lang="fr-FR" sz="1800" b="1" dirty="0">
+                <a:effectLst/>
+                <a:latin typeface="Calibri" panose="020F0502020204030204" pitchFamily="34" charset="0"/>
+                <a:ea typeface="Calibri" panose="020F0502020204030204" pitchFamily="34" charset="0"/>
+                <a:cs typeface="Arial" panose="020B0604020202020204" pitchFamily="34" charset="0"/>
+              </a:rPr>
+              <a:t>   </a:t>
+            </a:r>
+            <a:r>
+              <a:rPr lang="fr-FR" sz="1800" b="1" u="sng" dirty="0">
+                <a:effectLst/>
+                <a:latin typeface="Calibri" panose="020F0502020204030204" pitchFamily="34" charset="0"/>
+                <a:ea typeface="Calibri" panose="020F0502020204030204" pitchFamily="34" charset="0"/>
+                <a:cs typeface="Arial" panose="020B0604020202020204" pitchFamily="34" charset="0"/>
+              </a:rPr>
+              <a:t>Interprétabilité</a:t>
+            </a:r>
+            <a:endParaRPr lang="fr-FR" sz="1800" dirty="0">
+              <a:effectLst/>
+              <a:latin typeface="Calibri" panose="020F0502020204030204" pitchFamily="34" charset="0"/>
+              <a:ea typeface="Calibri" panose="020F0502020204030204" pitchFamily="34" charset="0"/>
+              <a:cs typeface="Arial" panose="020B0604020202020204" pitchFamily="34" charset="0"/>
+            </a:endParaRPr>
+          </a:p>
+          <a:p>
+            <a:pPr marL="228600">
+              <a:lnSpc>
+                <a:spcPct val="107000"/>
+              </a:lnSpc>
+              <a:spcAft>
+                <a:spcPts val="800"/>
+              </a:spcAft>
+            </a:pPr>
+            <a:r>
+              <a:rPr lang="fr-FR" sz="1800" dirty="0">
+                <a:effectLst/>
+                <a:latin typeface="Calibri" panose="020F0502020204030204" pitchFamily="34" charset="0"/>
+                <a:ea typeface="Calibri" panose="020F0502020204030204" pitchFamily="34" charset="0"/>
+                <a:cs typeface="Arial" panose="020B0604020202020204" pitchFamily="34" charset="0"/>
+              </a:rPr>
+              <a:t>La prédiction de solvabilité repose sur le modèle entier.</a:t>
+            </a:r>
+            <a:br>
+              <a:rPr lang="fr-FR" sz="1800" dirty="0">
+                <a:effectLst/>
+                <a:latin typeface="Calibri" panose="020F0502020204030204" pitchFamily="34" charset="0"/>
+                <a:ea typeface="Calibri" panose="020F0502020204030204" pitchFamily="34" charset="0"/>
+                <a:cs typeface="Arial" panose="020B0604020202020204" pitchFamily="34" charset="0"/>
+              </a:rPr>
+            </a:br>
+            <a:r>
+              <a:rPr lang="fr-FR" dirty="0">
+                <a:latin typeface="Calibri" panose="020F0502020204030204" pitchFamily="34" charset="0"/>
+                <a:ea typeface="Calibri" panose="020F0502020204030204" pitchFamily="34" charset="0"/>
+                <a:cs typeface="Arial" panose="020B0604020202020204" pitchFamily="34" charset="0"/>
+              </a:rPr>
+              <a:t>L’interprétabilité repose sur le modèle </a:t>
+            </a:r>
+            <a:r>
+              <a:rPr lang="fr-FR" dirty="0" err="1">
+                <a:latin typeface="Calibri" panose="020F0502020204030204" pitchFamily="34" charset="0"/>
+                <a:ea typeface="Calibri" panose="020F0502020204030204" pitchFamily="34" charset="0"/>
+                <a:cs typeface="Arial" panose="020B0604020202020204" pitchFamily="34" charset="0"/>
+              </a:rPr>
+              <a:t>surrogate</a:t>
+            </a:r>
+            <a:r>
+              <a:rPr lang="fr-FR" dirty="0">
+                <a:latin typeface="Calibri" panose="020F0502020204030204" pitchFamily="34" charset="0"/>
+                <a:ea typeface="Calibri" panose="020F0502020204030204" pitchFamily="34" charset="0"/>
+                <a:cs typeface="Arial" panose="020B0604020202020204" pitchFamily="34" charset="0"/>
+              </a:rPr>
+              <a:t>: </a:t>
+            </a:r>
+            <a:r>
+              <a:rPr lang="fr-FR" dirty="0" err="1">
+                <a:latin typeface="Calibri" panose="020F0502020204030204" pitchFamily="34" charset="0"/>
+                <a:ea typeface="Calibri" panose="020F0502020204030204" pitchFamily="34" charset="0"/>
+                <a:cs typeface="Arial" panose="020B0604020202020204" pitchFamily="34" charset="0"/>
+              </a:rPr>
+              <a:t>treeinterpreter</a:t>
+            </a:r>
+            <a:r>
+              <a:rPr lang="fr-FR" dirty="0">
+                <a:latin typeface="Calibri" panose="020F0502020204030204" pitchFamily="34" charset="0"/>
+                <a:ea typeface="Calibri" panose="020F0502020204030204" pitchFamily="34" charset="0"/>
+                <a:cs typeface="Arial" panose="020B0604020202020204" pitchFamily="34" charset="0"/>
+              </a:rPr>
+              <a:t> sur arbre de décision. Il faut alors faire une mise à jour régulière du modèle </a:t>
+            </a:r>
+            <a:r>
+              <a:rPr lang="fr-FR" dirty="0" err="1">
+                <a:latin typeface="Calibri" panose="020F0502020204030204" pitchFamily="34" charset="0"/>
+                <a:ea typeface="Calibri" panose="020F0502020204030204" pitchFamily="34" charset="0"/>
+                <a:cs typeface="Arial" panose="020B0604020202020204" pitchFamily="34" charset="0"/>
+              </a:rPr>
+              <a:t>surrogate</a:t>
+            </a:r>
+            <a:r>
+              <a:rPr lang="fr-FR" dirty="0">
+                <a:latin typeface="Calibri" panose="020F0502020204030204" pitchFamily="34" charset="0"/>
+                <a:ea typeface="Calibri" panose="020F0502020204030204" pitchFamily="34" charset="0"/>
+                <a:cs typeface="Arial" panose="020B0604020202020204" pitchFamily="34" charset="0"/>
+              </a:rPr>
+              <a:t>, au fur et à mesure que le nombre de nouveaux clients augmente. Ceci afin que les </a:t>
+            </a:r>
+            <a:r>
+              <a:rPr lang="fr-FR" dirty="0" err="1">
+                <a:latin typeface="Calibri" panose="020F0502020204030204" pitchFamily="34" charset="0"/>
+                <a:ea typeface="Calibri" panose="020F0502020204030204" pitchFamily="34" charset="0"/>
+                <a:cs typeface="Arial" panose="020B0604020202020204" pitchFamily="34" charset="0"/>
+              </a:rPr>
+              <a:t>features</a:t>
+            </a:r>
+            <a:r>
+              <a:rPr lang="fr-FR" dirty="0">
+                <a:latin typeface="Calibri" panose="020F0502020204030204" pitchFamily="34" charset="0"/>
+                <a:ea typeface="Calibri" panose="020F0502020204030204" pitchFamily="34" charset="0"/>
+                <a:cs typeface="Arial" panose="020B0604020202020204" pitchFamily="34" charset="0"/>
+              </a:rPr>
+              <a:t> globales de la population ne diffèrent pas du modèle entier. </a:t>
+            </a:r>
+            <a:endParaRPr lang="fr-FR" sz="1800" dirty="0">
+              <a:effectLst/>
+              <a:latin typeface="Calibri" panose="020F0502020204030204" pitchFamily="34" charset="0"/>
+              <a:ea typeface="Calibri" panose="020F0502020204030204" pitchFamily="34" charset="0"/>
+              <a:cs typeface="Arial" panose="020B0604020202020204" pitchFamily="34" charset="0"/>
+            </a:endParaRPr>
+          </a:p>
+          <a:p>
+            <a:pPr marL="285750" indent="-285750">
+              <a:buFontTx/>
+              <a:buChar char="-"/>
+            </a:pPr>
+            <a:endParaRPr lang="fr-FR" dirty="0"/>
+          </a:p>
+        </p:txBody>
+      </p:sp>
+    </p:spTree>
+    <p:extLst>
+      <p:ext uri="{BB962C8B-B14F-4D97-AF65-F5344CB8AC3E}">
+        <p14:creationId xmlns:p14="http://schemas.microsoft.com/office/powerpoint/2010/main" val="4256209983"/>
+      </p:ext>
+    </p:extLst>
+  </p:cSld>
+  <p:clrMapOvr>
+    <a:masterClrMapping/>
+  </p:clrMapOvr>
+</p:sld>
+</file>
+
 <file path=ppt/slides/slide2.xml><?xml version="1.0" encoding="utf-8"?>
 <p:sld xmlns:a="http://schemas.openxmlformats.org/drawingml/2006/main" xmlns:r="http://schemas.openxmlformats.org/officeDocument/2006/relationships" xmlns:p="http://schemas.openxmlformats.org/presentationml/2006/main">
   <p:cSld>
@@ -8112,7 +8846,7 @@
         <p:spPr>
           <a:xfrm>
             <a:off x="606751" y="1469878"/>
-            <a:ext cx="11006984" cy="4524315"/>
+            <a:ext cx="11006984" cy="3539430"/>
           </a:xfrm>
           <a:prstGeom prst="rect">
             <a:avLst/>
@@ -8139,48 +8873,7 @@
             </a:r>
           </a:p>
           <a:p>
-            <a:r>
-              <a:rPr lang="fr-FR" sz="1600" dirty="0"/>
-              <a:t>Elle souhaite </a:t>
-            </a:r>
-            <a:r>
-              <a:rPr lang="fr-FR" sz="1600" b="1" dirty="0"/>
-              <a:t>mettre en œuvre un outil de “</a:t>
-            </a:r>
-            <a:r>
-              <a:rPr lang="fr-FR" sz="1600" b="1" dirty="0" err="1"/>
-              <a:t>scoring</a:t>
-            </a:r>
-            <a:r>
-              <a:rPr lang="fr-FR" sz="1600" b="1" dirty="0"/>
-              <a:t> crédit” pour calculer la probabilité </a:t>
-            </a:r>
-            <a:r>
-              <a:rPr lang="fr-FR" sz="1600" dirty="0"/>
-              <a:t>qu’un client rembourse son crédit, puis classifie la demande en crédit accordé ou refusé. Elle souhaite donc développer un </a:t>
-            </a:r>
-            <a:r>
-              <a:rPr lang="fr-FR" sz="1600" b="1" dirty="0"/>
-              <a:t>algorithme de classification</a:t>
-            </a:r>
-            <a:r>
-              <a:rPr lang="fr-FR" sz="1600" dirty="0"/>
-              <a:t> en s’appuyant sur des sources de données variées (données comportementales, données provenant d'autres institutions financières, etc.).</a:t>
-            </a:r>
-          </a:p>
-          <a:p>
-            <a:r>
-              <a:rPr lang="fr-FR" sz="1600" dirty="0"/>
-              <a:t>De plus, les chargés de relation client ont fait remonter le fait que les clients sont de plus en plus demandeurs de </a:t>
-            </a:r>
-            <a:r>
-              <a:rPr lang="fr-FR" sz="1600" b="1" dirty="0"/>
-              <a:t>transparence</a:t>
-            </a:r>
-            <a:r>
-              <a:rPr lang="fr-FR" sz="1600" dirty="0"/>
-              <a:t> vis-à-vis des décisions d’octroi de crédit. </a:t>
-            </a:r>
+            <a:endParaRPr lang="fr-FR" sz="1600" b="1" dirty="0"/>
           </a:p>
           <a:p>
             <a:r>
@@ -8207,6 +8900,9 @@
               <a:rPr lang="fr-FR" sz="1600" dirty="0"/>
               <a:t> pour que les chargés de relation client puissent à la fois expliquer de façon la plus transparente possible les décisions d’octroi de crédit, mais également permettre à leurs clients de disposer de leurs informations personnelles et de les explorer facilement. </a:t>
             </a:r>
+          </a:p>
+          <a:p>
+            <a:endParaRPr lang="fr-FR" sz="1600" dirty="0"/>
           </a:p>
           <a:p>
             <a:r>
@@ -8276,640 +8972,6 @@
       <p:transition/>
     </mc:Fallback>
   </mc:AlternateContent>
-</p:sld>
-</file>
-
-<file path=ppt/slides/slide20.xml><?xml version="1.0" encoding="utf-8"?>
-<p:sld xmlns:a="http://schemas.openxmlformats.org/drawingml/2006/main" xmlns:r="http://schemas.openxmlformats.org/officeDocument/2006/relationships" xmlns:p="http://schemas.openxmlformats.org/presentationml/2006/main">
-  <p:cSld>
-    <p:spTree>
-      <p:nvGrpSpPr>
-        <p:cNvPr id="1" name=""/>
-        <p:cNvGrpSpPr/>
-        <p:nvPr/>
-      </p:nvGrpSpPr>
-      <p:grpSpPr>
-        <a:xfrm>
-          <a:off x="0" y="0"/>
-          <a:ext cx="0" cy="0"/>
-          <a:chOff x="0" y="0"/>
-          <a:chExt cx="0" cy="0"/>
-        </a:xfrm>
-      </p:grpSpPr>
-      <p:sp>
-        <p:nvSpPr>
-          <p:cNvPr id="2" name="Titre 1">
-            <a:extLst>
-              <a:ext uri="{FF2B5EF4-FFF2-40B4-BE49-F238E27FC236}">
-                <a16:creationId xmlns:a16="http://schemas.microsoft.com/office/drawing/2014/main" id="{3F6EE76D-942F-489D-8E64-6BFFA528F2B9}"/>
-              </a:ext>
-            </a:extLst>
-          </p:cNvPr>
-          <p:cNvSpPr>
-            <a:spLocks noGrp="1"/>
-          </p:cNvSpPr>
-          <p:nvPr>
-            <p:ph type="title"/>
-          </p:nvPr>
-        </p:nvSpPr>
-        <p:spPr/>
-        <p:txBody>
-          <a:bodyPr/>
-          <a:lstStyle/>
-          <a:p>
-            <a:r>
-              <a:rPr lang="fr-FR" sz="2000" b="1" dirty="0">
-                <a:solidFill>
-                  <a:schemeClr val="tx1"/>
-                </a:solidFill>
-                <a:latin typeface="+mn-lt"/>
-                <a:ea typeface="+mn-ea"/>
-                <a:cs typeface="+mn-cs"/>
-              </a:rPr>
-              <a:t>Conclusion et pistes d’amélioration</a:t>
-            </a:r>
-          </a:p>
-        </p:txBody>
-      </p:sp>
-      <p:sp>
-        <p:nvSpPr>
-          <p:cNvPr id="4" name="ZoneTexte 3">
-            <a:extLst>
-              <a:ext uri="{FF2B5EF4-FFF2-40B4-BE49-F238E27FC236}">
-                <a16:creationId xmlns:a16="http://schemas.microsoft.com/office/drawing/2014/main" id="{A90C18B5-954C-4BE6-B5FE-DD3EA7AFF0CE}"/>
-              </a:ext>
-            </a:extLst>
-          </p:cNvPr>
-          <p:cNvSpPr txBox="1"/>
-          <p:nvPr/>
-        </p:nvSpPr>
-        <p:spPr>
-          <a:xfrm>
-            <a:off x="9966121" y="6479140"/>
-            <a:ext cx="3456264" cy="369332"/>
-          </a:xfrm>
-          <a:prstGeom prst="rect">
-            <a:avLst/>
-          </a:prstGeom>
-          <a:noFill/>
-        </p:spPr>
-        <p:txBody>
-          <a:bodyPr wrap="square" rtlCol="0">
-            <a:spAutoFit/>
-          </a:bodyPr>
-          <a:lstStyle/>
-          <a:p>
-            <a:r>
-              <a:rPr lang="fr-FR" dirty="0"/>
-              <a:t>Teycir Ben </a:t>
-            </a:r>
-            <a:r>
-              <a:rPr lang="fr-FR" dirty="0" err="1"/>
-              <a:t>Soltane</a:t>
-            </a:r>
-            <a:r>
-              <a:rPr lang="fr-FR" dirty="0"/>
-              <a:t> </a:t>
-            </a:r>
-          </a:p>
-        </p:txBody>
-      </p:sp>
-      <p:pic>
-        <p:nvPicPr>
-          <p:cNvPr id="5" name="Image 4">
-            <a:extLst>
-              <a:ext uri="{FF2B5EF4-FFF2-40B4-BE49-F238E27FC236}">
-                <a16:creationId xmlns:a16="http://schemas.microsoft.com/office/drawing/2014/main" id="{E20B9FD2-2276-4E16-AC20-4EE97720C685}"/>
-              </a:ext>
-            </a:extLst>
-          </p:cNvPr>
-          <p:cNvPicPr>
-            <a:picLocks noChangeAspect="1"/>
-          </p:cNvPicPr>
-          <p:nvPr/>
-        </p:nvPicPr>
-        <p:blipFill>
-          <a:blip r:embed="rId2">
-            <a:extLst>
-              <a:ext uri="{28A0092B-C50C-407E-A947-70E740481C1C}">
-                <a14:useLocalDpi xmlns:a14="http://schemas.microsoft.com/office/drawing/2010/main" val="0"/>
-              </a:ext>
-            </a:extLst>
-          </a:blip>
-          <a:stretch>
-            <a:fillRect/>
-          </a:stretch>
-        </p:blipFill>
-        <p:spPr>
-          <a:xfrm>
-            <a:off x="228957" y="6511425"/>
-            <a:ext cx="2133333" cy="304762"/>
-          </a:xfrm>
-          <a:prstGeom prst="rect">
-            <a:avLst/>
-          </a:prstGeom>
-        </p:spPr>
-      </p:pic>
-      <p:sp>
-        <p:nvSpPr>
-          <p:cNvPr id="3" name="ZoneTexte 2">
-            <a:extLst>
-              <a:ext uri="{FF2B5EF4-FFF2-40B4-BE49-F238E27FC236}">
-                <a16:creationId xmlns:a16="http://schemas.microsoft.com/office/drawing/2014/main" id="{FD7B1D9A-88CE-4FC2-9543-494E589565D2}"/>
-              </a:ext>
-            </a:extLst>
-          </p:cNvPr>
-          <p:cNvSpPr txBox="1"/>
-          <p:nvPr/>
-        </p:nvSpPr>
-        <p:spPr>
-          <a:xfrm>
-            <a:off x="632388" y="1179319"/>
-            <a:ext cx="10759155" cy="830997"/>
-          </a:xfrm>
-          <a:prstGeom prst="rect">
-            <a:avLst/>
-          </a:prstGeom>
-          <a:noFill/>
-        </p:spPr>
-        <p:txBody>
-          <a:bodyPr wrap="square" rtlCol="0">
-            <a:spAutoFit/>
-          </a:bodyPr>
-          <a:lstStyle/>
-          <a:p>
-            <a:pPr marL="285750" indent="-285750">
-              <a:buFont typeface="Arial" panose="020B0604020202020204" pitchFamily="34" charset="0"/>
-              <a:buChar char="•"/>
-            </a:pPr>
-            <a:endParaRPr lang="fr-FR" sz="1600" dirty="0"/>
-          </a:p>
-          <a:p>
-            <a:pPr marL="285750" indent="-285750">
-              <a:buFontTx/>
-              <a:buChar char="-"/>
-            </a:pPr>
-            <a:endParaRPr lang="fr-FR" sz="1600" dirty="0"/>
-          </a:p>
-          <a:p>
-            <a:endParaRPr lang="fr-FR" sz="1600" dirty="0"/>
-          </a:p>
-        </p:txBody>
-      </p:sp>
-      <p:sp>
-        <p:nvSpPr>
-          <p:cNvPr id="6" name="ZoneTexte 5">
-            <a:extLst>
-              <a:ext uri="{FF2B5EF4-FFF2-40B4-BE49-F238E27FC236}">
-                <a16:creationId xmlns:a16="http://schemas.microsoft.com/office/drawing/2014/main" id="{E3351C3B-15C2-4EBF-A530-4FA40743BD55}"/>
-              </a:ext>
-            </a:extLst>
-          </p:cNvPr>
-          <p:cNvSpPr txBox="1"/>
-          <p:nvPr/>
-        </p:nvSpPr>
-        <p:spPr>
-          <a:xfrm>
-            <a:off x="521207" y="1401510"/>
-            <a:ext cx="11101073" cy="584775"/>
-          </a:xfrm>
-          <a:prstGeom prst="rect">
-            <a:avLst/>
-          </a:prstGeom>
-          <a:noFill/>
-        </p:spPr>
-        <p:txBody>
-          <a:bodyPr wrap="square" rtlCol="0">
-            <a:spAutoFit/>
-          </a:bodyPr>
-          <a:lstStyle/>
-          <a:p>
-            <a:pPr marL="285750" indent="-285750">
-              <a:buFontTx/>
-              <a:buChar char="-"/>
-            </a:pPr>
-            <a:endParaRPr lang="fr-FR" sz="1600" dirty="0"/>
-          </a:p>
-          <a:p>
-            <a:pPr marL="285750" indent="-285750">
-              <a:buFontTx/>
-              <a:buChar char="-"/>
-            </a:pPr>
-            <a:endParaRPr lang="fr-FR" sz="1600" dirty="0"/>
-          </a:p>
-        </p:txBody>
-      </p:sp>
-      <p:sp>
-        <p:nvSpPr>
-          <p:cNvPr id="7" name="ZoneTexte 6">
-            <a:extLst>
-              <a:ext uri="{FF2B5EF4-FFF2-40B4-BE49-F238E27FC236}">
-                <a16:creationId xmlns:a16="http://schemas.microsoft.com/office/drawing/2014/main" id="{F9C7FF6F-B953-4DDD-A24E-6D37C80A24DD}"/>
-              </a:ext>
-            </a:extLst>
-          </p:cNvPr>
-          <p:cNvSpPr txBox="1"/>
-          <p:nvPr/>
-        </p:nvSpPr>
-        <p:spPr>
-          <a:xfrm>
-            <a:off x="236433" y="1308407"/>
-            <a:ext cx="11955567" cy="4028282"/>
-          </a:xfrm>
-          <a:prstGeom prst="rect">
-            <a:avLst/>
-          </a:prstGeom>
-          <a:noFill/>
-        </p:spPr>
-        <p:txBody>
-          <a:bodyPr wrap="square" rtlCol="0">
-            <a:spAutoFit/>
-          </a:bodyPr>
-          <a:lstStyle/>
-          <a:p>
-            <a:pPr lvl="0" rtl="0">
-              <a:lnSpc>
-                <a:spcPct val="107000"/>
-              </a:lnSpc>
-            </a:pPr>
-            <a:r>
-              <a:rPr lang="fr-FR" sz="1800" b="1" dirty="0">
-                <a:effectLst/>
-                <a:latin typeface="Calibri" panose="020F0502020204030204" pitchFamily="34" charset="0"/>
-                <a:ea typeface="Calibri" panose="020F0502020204030204" pitchFamily="34" charset="0"/>
-                <a:cs typeface="Arial" panose="020B0604020202020204" pitchFamily="34" charset="0"/>
-              </a:rPr>
-              <a:t>   </a:t>
-            </a:r>
-            <a:r>
-              <a:rPr lang="fr-FR" sz="1800" b="1" u="sng" dirty="0">
-                <a:effectLst/>
-                <a:latin typeface="Calibri" panose="020F0502020204030204" pitchFamily="34" charset="0"/>
-                <a:ea typeface="Calibri" panose="020F0502020204030204" pitchFamily="34" charset="0"/>
-                <a:cs typeface="Arial" panose="020B0604020202020204" pitchFamily="34" charset="0"/>
-              </a:rPr>
-              <a:t>Modèles et hyperparamètres</a:t>
-            </a:r>
-            <a:endParaRPr lang="fr-FR" sz="1800" dirty="0">
-              <a:effectLst/>
-              <a:latin typeface="Calibri" panose="020F0502020204030204" pitchFamily="34" charset="0"/>
-              <a:ea typeface="Calibri" panose="020F0502020204030204" pitchFamily="34" charset="0"/>
-              <a:cs typeface="Arial" panose="020B0604020202020204" pitchFamily="34" charset="0"/>
-            </a:endParaRPr>
-          </a:p>
-          <a:p>
-            <a:pPr lvl="0">
-              <a:lnSpc>
-                <a:spcPct val="107000"/>
-              </a:lnSpc>
-            </a:pPr>
-            <a:r>
-              <a:rPr lang="fr-FR" sz="1800" dirty="0">
-                <a:effectLst/>
-                <a:latin typeface="Calibri" panose="020F0502020204030204" pitchFamily="34" charset="0"/>
-                <a:ea typeface="Calibri" panose="020F0502020204030204" pitchFamily="34" charset="0"/>
-                <a:cs typeface="Arial" panose="020B0604020202020204" pitchFamily="34" charset="0"/>
-              </a:rPr>
-              <a:t>- Un premier axe d’amélioration est d’intégrer dans l’espace de recherche d’autres familles de modèles et notamment :</a:t>
-            </a:r>
-          </a:p>
-          <a:p>
-            <a:pPr marL="342900" lvl="0" indent="-342900">
-              <a:lnSpc>
-                <a:spcPct val="107000"/>
-              </a:lnSpc>
-              <a:buFont typeface="Symbol" panose="05050102010706020507" pitchFamily="18" charset="2"/>
-              <a:buChar char=""/>
-            </a:pPr>
-            <a:r>
-              <a:rPr lang="fr-FR" sz="1800" dirty="0" err="1">
-                <a:effectLst/>
-                <a:latin typeface="Calibri" panose="020F0502020204030204" pitchFamily="34" charset="0"/>
-                <a:ea typeface="Calibri" panose="020F0502020204030204" pitchFamily="34" charset="0"/>
-                <a:cs typeface="Arial" panose="020B0604020202020204" pitchFamily="34" charset="0"/>
-              </a:rPr>
-              <a:t>Boosting</a:t>
-            </a:r>
-            <a:r>
-              <a:rPr lang="fr-FR" sz="1800" dirty="0">
-                <a:effectLst/>
-                <a:latin typeface="Calibri" panose="020F0502020204030204" pitchFamily="34" charset="0"/>
-                <a:ea typeface="Calibri" panose="020F0502020204030204" pitchFamily="34" charset="0"/>
-                <a:cs typeface="Arial" panose="020B0604020202020204" pitchFamily="34" charset="0"/>
-              </a:rPr>
-              <a:t> : </a:t>
-            </a:r>
-            <a:r>
-              <a:rPr lang="fr-FR" sz="1800" dirty="0" err="1">
-                <a:effectLst/>
-                <a:latin typeface="Courier New" panose="02070309020205020404" pitchFamily="49" charset="0"/>
-                <a:ea typeface="Calibri" panose="020F0502020204030204" pitchFamily="34" charset="0"/>
-                <a:cs typeface="Arial" panose="020B0604020202020204" pitchFamily="34" charset="0"/>
-              </a:rPr>
-              <a:t>XGBoost</a:t>
-            </a:r>
-            <a:r>
-              <a:rPr lang="fr-FR" sz="1800" dirty="0">
-                <a:effectLst/>
-                <a:latin typeface="Courier New" panose="02070309020205020404" pitchFamily="49" charset="0"/>
-                <a:ea typeface="Calibri" panose="020F0502020204030204" pitchFamily="34" charset="0"/>
-                <a:cs typeface="Arial" panose="020B0604020202020204" pitchFamily="34" charset="0"/>
-              </a:rPr>
-              <a:t>, </a:t>
-            </a:r>
-            <a:r>
-              <a:rPr lang="fr-FR" sz="1800" dirty="0" err="1">
-                <a:effectLst/>
-                <a:latin typeface="Courier New" panose="02070309020205020404" pitchFamily="49" charset="0"/>
-                <a:ea typeface="Calibri" panose="020F0502020204030204" pitchFamily="34" charset="0"/>
-                <a:cs typeface="Arial" panose="020B0604020202020204" pitchFamily="34" charset="0"/>
-              </a:rPr>
-              <a:t>CatBoost</a:t>
-            </a:r>
-            <a:r>
-              <a:rPr lang="fr-FR" sz="1800" dirty="0">
-                <a:effectLst/>
-                <a:latin typeface="Calibri" panose="020F0502020204030204" pitchFamily="34" charset="0"/>
-                <a:ea typeface="Calibri" panose="020F0502020204030204" pitchFamily="34" charset="0"/>
-                <a:cs typeface="Arial" panose="020B0604020202020204" pitchFamily="34" charset="0"/>
-              </a:rPr>
-              <a:t>…</a:t>
-            </a:r>
-          </a:p>
-          <a:p>
-            <a:pPr marL="342900" lvl="0" indent="-342900">
-              <a:lnSpc>
-                <a:spcPct val="107000"/>
-              </a:lnSpc>
-              <a:buFont typeface="Symbol" panose="05050102010706020507" pitchFamily="18" charset="2"/>
-              <a:buChar char=""/>
-            </a:pPr>
-            <a:r>
-              <a:rPr lang="fr-FR" sz="1800" dirty="0">
-                <a:effectLst/>
-                <a:latin typeface="Calibri" panose="020F0502020204030204" pitchFamily="34" charset="0"/>
-                <a:ea typeface="Calibri" panose="020F0502020204030204" pitchFamily="34" charset="0"/>
-                <a:cs typeface="Arial" panose="020B0604020202020204" pitchFamily="34" charset="0"/>
-              </a:rPr>
-              <a:t>Réseaux neuronaux : </a:t>
-            </a:r>
-            <a:r>
-              <a:rPr lang="fr-FR" sz="1800" dirty="0" err="1">
-                <a:effectLst/>
-                <a:latin typeface="Calibri" panose="020F0502020204030204" pitchFamily="34" charset="0"/>
-                <a:ea typeface="Calibri" panose="020F0502020204030204" pitchFamily="34" charset="0"/>
-                <a:cs typeface="Arial" panose="020B0604020202020204" pitchFamily="34" charset="0"/>
-              </a:rPr>
-              <a:t>fully-connected</a:t>
-            </a:r>
-            <a:r>
-              <a:rPr lang="fr-FR" sz="1800" dirty="0">
-                <a:effectLst/>
-                <a:latin typeface="Calibri" panose="020F0502020204030204" pitchFamily="34" charset="0"/>
-                <a:ea typeface="Calibri" panose="020F0502020204030204" pitchFamily="34" charset="0"/>
-                <a:cs typeface="Arial" panose="020B0604020202020204" pitchFamily="34" charset="0"/>
-              </a:rPr>
-              <a:t> avec </a:t>
-            </a:r>
-            <a:r>
-              <a:rPr lang="fr-FR" sz="1800" dirty="0" err="1">
-                <a:effectLst/>
-                <a:latin typeface="Courier New" panose="02070309020205020404" pitchFamily="49" charset="0"/>
-                <a:ea typeface="Calibri" panose="020F0502020204030204" pitchFamily="34" charset="0"/>
-                <a:cs typeface="Arial" panose="020B0604020202020204" pitchFamily="34" charset="0"/>
-              </a:rPr>
-              <a:t>Keras</a:t>
-            </a:r>
-            <a:r>
-              <a:rPr lang="fr-FR" sz="1800" dirty="0">
-                <a:effectLst/>
-                <a:latin typeface="Courier New" panose="02070309020205020404" pitchFamily="49" charset="0"/>
-                <a:ea typeface="Calibri" panose="020F0502020204030204" pitchFamily="34" charset="0"/>
-                <a:cs typeface="Arial" panose="020B0604020202020204" pitchFamily="34" charset="0"/>
-              </a:rPr>
-              <a:t>/</a:t>
-            </a:r>
-            <a:r>
-              <a:rPr lang="fr-FR" sz="1800" dirty="0" err="1">
-                <a:effectLst/>
-                <a:latin typeface="Courier New" panose="02070309020205020404" pitchFamily="49" charset="0"/>
-                <a:ea typeface="Calibri" panose="020F0502020204030204" pitchFamily="34" charset="0"/>
-                <a:cs typeface="Arial" panose="020B0604020202020204" pitchFamily="34" charset="0"/>
-              </a:rPr>
-              <a:t>TensorFlow</a:t>
-            </a:r>
-            <a:endParaRPr lang="fr-FR" sz="1800" dirty="0">
-              <a:effectLst/>
-              <a:latin typeface="Calibri" panose="020F0502020204030204" pitchFamily="34" charset="0"/>
-              <a:ea typeface="Calibri" panose="020F0502020204030204" pitchFamily="34" charset="0"/>
-              <a:cs typeface="Arial" panose="020B0604020202020204" pitchFamily="34" charset="0"/>
-            </a:endParaRPr>
-          </a:p>
-          <a:p>
-            <a:pPr marL="285750" lvl="0" indent="-285750">
-              <a:lnSpc>
-                <a:spcPct val="107000"/>
-              </a:lnSpc>
-              <a:buFontTx/>
-              <a:buChar char="-"/>
-            </a:pPr>
-            <a:r>
-              <a:rPr lang="fr-FR" sz="1800" dirty="0">
-                <a:effectLst/>
-                <a:latin typeface="Calibri" panose="020F0502020204030204" pitchFamily="34" charset="0"/>
-                <a:ea typeface="Calibri" panose="020F0502020204030204" pitchFamily="34" charset="0"/>
-                <a:cs typeface="Arial" panose="020B0604020202020204" pitchFamily="34" charset="0"/>
-              </a:rPr>
-              <a:t>On peut aussi essayer d’intégrer davantage d’étapes de pré-traitement (pour, par exemple comparer les  </a:t>
-            </a:r>
-          </a:p>
-          <a:p>
-            <a:pPr lvl="0">
-              <a:lnSpc>
-                <a:spcPct val="107000"/>
-              </a:lnSpc>
-            </a:pPr>
-            <a:r>
-              <a:rPr lang="fr-FR" sz="1800" dirty="0">
-                <a:effectLst/>
-                <a:latin typeface="Calibri" panose="020F0502020204030204" pitchFamily="34" charset="0"/>
-                <a:ea typeface="Calibri" panose="020F0502020204030204" pitchFamily="34" charset="0"/>
-                <a:cs typeface="Arial" panose="020B0604020202020204" pitchFamily="34" charset="0"/>
-              </a:rPr>
-              <a:t>méthodes d’équilibrage des classes, ou les méthodes d’imputation).</a:t>
-            </a:r>
-          </a:p>
-          <a:p>
-            <a:pPr marL="228600">
-              <a:lnSpc>
-                <a:spcPct val="107000"/>
-              </a:lnSpc>
-            </a:pPr>
-            <a:r>
-              <a:rPr lang="fr-FR" sz="1800" dirty="0">
-                <a:effectLst/>
-                <a:latin typeface="Calibri" panose="020F0502020204030204" pitchFamily="34" charset="0"/>
-                <a:ea typeface="Calibri" panose="020F0502020204030204" pitchFamily="34" charset="0"/>
-                <a:cs typeface="Arial" panose="020B0604020202020204" pitchFamily="34" charset="0"/>
-              </a:rPr>
-              <a:t> </a:t>
-            </a:r>
-          </a:p>
-          <a:p>
-            <a:pPr lvl="0">
-              <a:lnSpc>
-                <a:spcPct val="107000"/>
-              </a:lnSpc>
-            </a:pPr>
-            <a:r>
-              <a:rPr lang="fr-FR" sz="1800" b="1" dirty="0">
-                <a:effectLst/>
-                <a:latin typeface="Calibri" panose="020F0502020204030204" pitchFamily="34" charset="0"/>
-                <a:ea typeface="Calibri" panose="020F0502020204030204" pitchFamily="34" charset="0"/>
-                <a:cs typeface="Arial" panose="020B0604020202020204" pitchFamily="34" charset="0"/>
-              </a:rPr>
-              <a:t>   </a:t>
-            </a:r>
-            <a:r>
-              <a:rPr lang="fr-FR" sz="1800" b="1" u="sng" dirty="0">
-                <a:effectLst/>
-                <a:latin typeface="Calibri" panose="020F0502020204030204" pitchFamily="34" charset="0"/>
-                <a:ea typeface="Calibri" panose="020F0502020204030204" pitchFamily="34" charset="0"/>
-                <a:cs typeface="Arial" panose="020B0604020202020204" pitchFamily="34" charset="0"/>
-              </a:rPr>
-              <a:t>Interprétabilité</a:t>
-            </a:r>
-            <a:endParaRPr lang="fr-FR" sz="1800" dirty="0">
-              <a:effectLst/>
-              <a:latin typeface="Calibri" panose="020F0502020204030204" pitchFamily="34" charset="0"/>
-              <a:ea typeface="Calibri" panose="020F0502020204030204" pitchFamily="34" charset="0"/>
-              <a:cs typeface="Arial" panose="020B0604020202020204" pitchFamily="34" charset="0"/>
-            </a:endParaRPr>
-          </a:p>
-          <a:p>
-            <a:pPr marL="228600">
-              <a:lnSpc>
-                <a:spcPct val="107000"/>
-              </a:lnSpc>
-              <a:spcAft>
-                <a:spcPts val="800"/>
-              </a:spcAft>
-            </a:pPr>
-            <a:r>
-              <a:rPr lang="fr-FR" sz="1800" dirty="0">
-                <a:effectLst/>
-                <a:latin typeface="Calibri" panose="020F0502020204030204" pitchFamily="34" charset="0"/>
-                <a:ea typeface="Calibri" panose="020F0502020204030204" pitchFamily="34" charset="0"/>
-                <a:cs typeface="Arial" panose="020B0604020202020204" pitchFamily="34" charset="0"/>
-              </a:rPr>
-              <a:t>La prédiction de solvabilité repose sur le modèle entier.</a:t>
-            </a:r>
-            <a:br>
-              <a:rPr lang="fr-FR" sz="1800" dirty="0">
-                <a:effectLst/>
-                <a:latin typeface="Calibri" panose="020F0502020204030204" pitchFamily="34" charset="0"/>
-                <a:ea typeface="Calibri" panose="020F0502020204030204" pitchFamily="34" charset="0"/>
-                <a:cs typeface="Arial" panose="020B0604020202020204" pitchFamily="34" charset="0"/>
-              </a:rPr>
-            </a:br>
-            <a:r>
-              <a:rPr lang="fr-FR" dirty="0">
-                <a:latin typeface="Calibri" panose="020F0502020204030204" pitchFamily="34" charset="0"/>
-                <a:ea typeface="Calibri" panose="020F0502020204030204" pitchFamily="34" charset="0"/>
-                <a:cs typeface="Arial" panose="020B0604020202020204" pitchFamily="34" charset="0"/>
-              </a:rPr>
-              <a:t>L’interprétabilité repose sur le modèle </a:t>
-            </a:r>
-            <a:r>
-              <a:rPr lang="fr-FR" dirty="0" err="1">
-                <a:latin typeface="Calibri" panose="020F0502020204030204" pitchFamily="34" charset="0"/>
-                <a:ea typeface="Calibri" panose="020F0502020204030204" pitchFamily="34" charset="0"/>
-                <a:cs typeface="Arial" panose="020B0604020202020204" pitchFamily="34" charset="0"/>
-              </a:rPr>
-              <a:t>surrogate</a:t>
-            </a:r>
-            <a:r>
-              <a:rPr lang="fr-FR" dirty="0">
-                <a:latin typeface="Calibri" panose="020F0502020204030204" pitchFamily="34" charset="0"/>
-                <a:ea typeface="Calibri" panose="020F0502020204030204" pitchFamily="34" charset="0"/>
-                <a:cs typeface="Arial" panose="020B0604020202020204" pitchFamily="34" charset="0"/>
-              </a:rPr>
-              <a:t>: </a:t>
-            </a:r>
-            <a:r>
-              <a:rPr lang="fr-FR" dirty="0" err="1">
-                <a:latin typeface="Calibri" panose="020F0502020204030204" pitchFamily="34" charset="0"/>
-                <a:ea typeface="Calibri" panose="020F0502020204030204" pitchFamily="34" charset="0"/>
-                <a:cs typeface="Arial" panose="020B0604020202020204" pitchFamily="34" charset="0"/>
-              </a:rPr>
-              <a:t>treeinterpreter</a:t>
-            </a:r>
-            <a:r>
-              <a:rPr lang="fr-FR" dirty="0">
-                <a:latin typeface="Calibri" panose="020F0502020204030204" pitchFamily="34" charset="0"/>
-                <a:ea typeface="Calibri" panose="020F0502020204030204" pitchFamily="34" charset="0"/>
-                <a:cs typeface="Arial" panose="020B0604020202020204" pitchFamily="34" charset="0"/>
-              </a:rPr>
-              <a:t> sur arbre de décision. Il faut alors faire une mise à jour régulière du modèle </a:t>
-            </a:r>
-            <a:r>
-              <a:rPr lang="fr-FR" dirty="0" err="1">
-                <a:latin typeface="Calibri" panose="020F0502020204030204" pitchFamily="34" charset="0"/>
-                <a:ea typeface="Calibri" panose="020F0502020204030204" pitchFamily="34" charset="0"/>
-                <a:cs typeface="Arial" panose="020B0604020202020204" pitchFamily="34" charset="0"/>
-              </a:rPr>
-              <a:t>surrogate</a:t>
-            </a:r>
-            <a:r>
-              <a:rPr lang="fr-FR" dirty="0">
-                <a:latin typeface="Calibri" panose="020F0502020204030204" pitchFamily="34" charset="0"/>
-                <a:ea typeface="Calibri" panose="020F0502020204030204" pitchFamily="34" charset="0"/>
-                <a:cs typeface="Arial" panose="020B0604020202020204" pitchFamily="34" charset="0"/>
-              </a:rPr>
-              <a:t>, au fur et à mesure que le nombre de nouveaux clients augmente. Ceci afin que les </a:t>
-            </a:r>
-            <a:r>
-              <a:rPr lang="fr-FR" dirty="0" err="1">
-                <a:latin typeface="Calibri" panose="020F0502020204030204" pitchFamily="34" charset="0"/>
-                <a:ea typeface="Calibri" panose="020F0502020204030204" pitchFamily="34" charset="0"/>
-                <a:cs typeface="Arial" panose="020B0604020202020204" pitchFamily="34" charset="0"/>
-              </a:rPr>
-              <a:t>features</a:t>
-            </a:r>
-            <a:r>
-              <a:rPr lang="fr-FR" dirty="0">
-                <a:latin typeface="Calibri" panose="020F0502020204030204" pitchFamily="34" charset="0"/>
-                <a:ea typeface="Calibri" panose="020F0502020204030204" pitchFamily="34" charset="0"/>
-                <a:cs typeface="Arial" panose="020B0604020202020204" pitchFamily="34" charset="0"/>
-              </a:rPr>
-              <a:t> globales de la population ne diffèrent pas du modèle entier. </a:t>
-            </a:r>
-            <a:endParaRPr lang="fr-FR" sz="1800" dirty="0">
-              <a:effectLst/>
-              <a:latin typeface="Calibri" panose="020F0502020204030204" pitchFamily="34" charset="0"/>
-              <a:ea typeface="Calibri" panose="020F0502020204030204" pitchFamily="34" charset="0"/>
-              <a:cs typeface="Arial" panose="020B0604020202020204" pitchFamily="34" charset="0"/>
-            </a:endParaRPr>
-          </a:p>
-          <a:p>
-            <a:pPr marL="285750" indent="-285750">
-              <a:buFontTx/>
-              <a:buChar char="-"/>
-            </a:pPr>
-            <a:endParaRPr lang="fr-FR" dirty="0"/>
-          </a:p>
-        </p:txBody>
-      </p:sp>
-    </p:spTree>
-    <p:extLst>
-      <p:ext uri="{BB962C8B-B14F-4D97-AF65-F5344CB8AC3E}">
-        <p14:creationId xmlns:p14="http://schemas.microsoft.com/office/powerpoint/2010/main" val="4256209983"/>
-      </p:ext>
-    </p:extLst>
-  </p:cSld>
-  <p:clrMapOvr>
-    <a:masterClrMapping/>
-  </p:clrMapOvr>
 </p:sld>
 </file>
 
@@ -10156,7 +10218,7 @@
                 <a:ea typeface="+mn-ea"/>
                 <a:cs typeface="+mn-cs"/>
               </a:rPr>
-              <a:t>Remplacement des valeurs manquantes par la moyenne</a:t>
+              <a:t>Remplacement des valeurs manquantes par la médiane</a:t>
             </a:r>
           </a:p>
         </p:txBody>
@@ -10227,7 +10289,11 @@
           <a:p>
             <a:r>
               <a:rPr lang="fr-FR" dirty="0"/>
-              <a:t>par la médiane</a:t>
+              <a:t>par la </a:t>
+            </a:r>
+            <a:r>
+              <a:rPr lang="fr-FR" u="sng" dirty="0"/>
+              <a:t>médiane</a:t>
             </a:r>
           </a:p>
         </p:txBody>
@@ -10420,13 +10486,48 @@
             </a:r>
             <a:r>
               <a:rPr lang="en-GB" sz="1800" dirty="0"/>
-              <a:t> : </a:t>
-            </a:r>
-            <a:r>
-              <a:rPr lang="en-GB" sz="1800" i="1" dirty="0"/>
-              <a:t>oversampling avec SMOTE </a:t>
+              <a:t> </a:t>
+            </a:r>
+            <a:r>
+              <a:rPr lang="en-GB" dirty="0"/>
+              <a:t>50/50</a:t>
             </a:r>
             <a:endParaRPr lang="fr-FR" sz="1800" i="1" dirty="0"/>
+          </a:p>
+        </p:txBody>
+      </p:sp>
+      <p:sp>
+        <p:nvSpPr>
+          <p:cNvPr id="3" name="ZoneTexte 2">
+            <a:extLst>
+              <a:ext uri="{FF2B5EF4-FFF2-40B4-BE49-F238E27FC236}">
+                <a16:creationId xmlns:a16="http://schemas.microsoft.com/office/drawing/2014/main" id="{87E46B6C-D69A-4DF9-ACAF-DA253C1B9F06}"/>
+              </a:ext>
+            </a:extLst>
+          </p:cNvPr>
+          <p:cNvSpPr txBox="1"/>
+          <p:nvPr/>
+        </p:nvSpPr>
+        <p:spPr>
+          <a:xfrm>
+            <a:off x="9504727" y="1644242"/>
+            <a:ext cx="1132513" cy="369332"/>
+          </a:xfrm>
+          <a:prstGeom prst="rect">
+            <a:avLst/>
+          </a:prstGeom>
+          <a:noFill/>
+        </p:spPr>
+        <p:txBody>
+          <a:bodyPr wrap="square" rtlCol="0">
+            <a:spAutoFit/>
+          </a:bodyPr>
+          <a:lstStyle/>
+          <a:p>
+            <a:r>
+              <a:rPr lang="fr-FR" sz="900" dirty="0"/>
+              <a:t>0 = pas de défaut 1 = défaut</a:t>
+            </a:r>
           </a:p>
         </p:txBody>
       </p:sp>

--- a/P7_01_Support.pptx
+++ b/P7_01_Support.pptx
@@ -274,7 +274,7 @@
             <a:pPr rtl="0"/>
             <a:fld id="{3C80F580-3B6A-44CD-9A1E-E890016126F8}" type="datetime1">
               <a:rPr lang="fr-FR" smtClean="0"/>
-              <a:t>20/02/2022</a:t>
+              <a:t>22/02/2022</a:t>
             </a:fld>
             <a:endParaRPr lang="fr-FR"/>
           </a:p>
@@ -444,7 +444,7 @@
             <a:pPr rtl="0"/>
             <a:fld id="{7DF8ED89-FBF4-48E3-B6C6-C071DA98F802}" type="datetime1">
               <a:rPr lang="fr-FR" noProof="1" dirty="0" smtClean="0"/>
-              <a:t>20/02/2022</a:t>
+              <a:t>22/02/2022</a:t>
             </a:fld>
             <a:endParaRPr lang="fr-FR" noProof="1"/>
           </a:p>
@@ -1778,7 +1778,7 @@
             <a:pPr rtl="0"/>
             <a:fld id="{7DF3CA4B-903E-431D-AF93-2AD02E04DE8A}" type="datetime1">
               <a:rPr lang="fr-FR" noProof="0" smtClean="0"/>
-              <a:t>20/02/2022</a:t>
+              <a:t>22/02/2022</a:t>
             </a:fld>
             <a:endParaRPr lang="fr-FR" noProof="0"/>
           </a:p>
@@ -2404,7 +2404,7 @@
             <a:pPr rtl="0"/>
             <a:fld id="{802CD4F2-526B-4131-B91B-856C46007FC5}" type="datetime1">
               <a:rPr lang="fr-FR" noProof="0" smtClean="0"/>
-              <a:t>20/02/2022</a:t>
+              <a:t>22/02/2022</a:t>
             </a:fld>
             <a:endParaRPr lang="fr-FR" noProof="0"/>
           </a:p>
@@ -4229,10 +4229,9 @@
           <a:p>
             <a:pPr algn="ctr"/>
             <a:r>
-              <a:rPr lang="fr-FR" sz="1400" dirty="0" err="1"/>
-              <a:t>Echantillonage</a:t>
-            </a:r>
-            <a:endParaRPr lang="fr-FR" sz="1400" dirty="0"/>
+              <a:rPr lang="fr-FR" sz="1400" dirty="0"/>
+              <a:t>Echantillonnage</a:t>
+            </a:r>
           </a:p>
         </p:txBody>
       </p:sp>
@@ -5553,8 +5552,8 @@
         </p:nvSpPr>
         <p:spPr>
           <a:xfrm>
-            <a:off x="521207" y="1472184"/>
-            <a:ext cx="9637777" cy="1846659"/>
+            <a:off x="521207" y="1243859"/>
+            <a:ext cx="9637777" cy="1446550"/>
           </a:xfrm>
           <a:prstGeom prst="rect">
             <a:avLst/>
@@ -5572,19 +5571,19 @@
               <a:buChar char="-"/>
             </a:pPr>
             <a:r>
-              <a:rPr lang="fr-FR" sz="1400" b="1" dirty="0"/>
+              <a:rPr lang="fr-FR" sz="1200" b="1" dirty="0"/>
               <a:t>Bayésien naïf</a:t>
             </a:r>
             <a:r>
-              <a:rPr lang="fr-FR" sz="1400" dirty="0"/>
+              <a:rPr lang="fr-FR" sz="1200" dirty="0"/>
               <a:t> : Le classifieur naïf bayésien est l'une des méthodes les plus simples en apprentissage supervisé basée sur le théorème de Bayes. Il est utilisé comme </a:t>
             </a:r>
             <a:r>
-              <a:rPr lang="fr-FR" sz="1400" dirty="0" err="1"/>
+              <a:rPr lang="fr-FR" sz="1200" dirty="0" err="1"/>
               <a:t>baseline</a:t>
             </a:r>
             <a:r>
-              <a:rPr lang="fr-FR" sz="1400" dirty="0"/>
+              <a:rPr lang="fr-FR" sz="1200" dirty="0"/>
               <a:t>, niveau 0.</a:t>
             </a:r>
           </a:p>
@@ -5594,19 +5593,19 @@
               <a:buChar char="-"/>
             </a:pPr>
             <a:r>
-              <a:rPr lang="fr-FR" sz="1400" b="1" dirty="0" err="1"/>
+              <a:rPr lang="fr-FR" sz="1200" b="1" dirty="0" err="1"/>
               <a:t>Random</a:t>
             </a:r>
             <a:r>
-              <a:rPr lang="fr-FR" sz="1400" b="1" dirty="0"/>
+              <a:rPr lang="fr-FR" sz="1200" b="1" dirty="0"/>
               <a:t> </a:t>
             </a:r>
             <a:r>
-              <a:rPr lang="fr-FR" sz="1400" b="1" dirty="0" err="1"/>
+              <a:rPr lang="fr-FR" sz="1200" b="1" dirty="0" err="1"/>
               <a:t>forest</a:t>
             </a:r>
             <a:r>
-              <a:rPr lang="fr-FR" sz="1400" dirty="0"/>
+              <a:rPr lang="fr-FR" sz="1200" dirty="0"/>
               <a:t>: est constituée d'un nombre arbitraire d'arbres simples, qui permettent de voter pour la classe la plus populaire (classification), ou dont les réponses sont combinées (moyennées) pour obtenir une estimation de la variable dépendante (régression).</a:t>
             </a:r>
           </a:p>
@@ -5616,52 +5615,20 @@
               <a:buChar char="-"/>
             </a:pPr>
             <a:r>
-              <a:rPr lang="fr-FR" sz="1400" b="1" dirty="0" err="1"/>
+              <a:rPr lang="fr-FR" sz="1200" b="1" dirty="0" err="1"/>
               <a:t>Lightgbm</a:t>
             </a:r>
             <a:r>
-              <a:rPr lang="fr-FR" sz="1400" dirty="0"/>
-              <a:t>: est basé sur le </a:t>
-            </a:r>
-            <a:r>
-              <a:rPr lang="fr-FR" sz="1400" dirty="0">
-                <a:hlinkClick r:id="rId2">
-                  <a:extLst>
-                    <a:ext uri="{A12FA001-AC4F-418D-AE19-62706E023703}">
-                      <ahyp:hlinkClr xmlns:ahyp="http://schemas.microsoft.com/office/drawing/2018/hyperlinkcolor" val="tx"/>
-                    </a:ext>
-                  </a:extLst>
-                </a:hlinkClick>
-              </a:rPr>
-              <a:t>Gradient </a:t>
-            </a:r>
-            <a:r>
-              <a:rPr lang="fr-FR" sz="1400" dirty="0" err="1">
-                <a:hlinkClick r:id="rId2">
-                  <a:extLst>
-                    <a:ext uri="{A12FA001-AC4F-418D-AE19-62706E023703}">
-                      <ahyp:hlinkClr xmlns:ahyp="http://schemas.microsoft.com/office/drawing/2018/hyperlinkcolor" val="tx"/>
-                    </a:ext>
-                  </a:extLst>
-                </a:hlinkClick>
-              </a:rPr>
-              <a:t>Boosting</a:t>
-            </a:r>
-            <a:r>
-              <a:rPr lang="fr-FR" sz="1400" dirty="0">
-                <a:hlinkClick r:id="rId2">
-                  <a:extLst>
-                    <a:ext uri="{A12FA001-AC4F-418D-AE19-62706E023703}">
-                      <ahyp:hlinkClr xmlns:ahyp="http://schemas.microsoft.com/office/drawing/2018/hyperlinkcolor" val="tx"/>
-                    </a:ext>
-                  </a:extLst>
-                </a:hlinkClick>
-              </a:rPr>
-              <a:t> Machine</a:t>
-            </a:r>
-            <a:r>
-              <a:rPr lang="fr-FR" sz="1400" dirty="0"/>
-              <a:t> (GBM). Il est rapide, distribué, avec de grandes performances et repose sur des arbres de décisions.</a:t>
+              <a:rPr lang="fr-FR" sz="1200" dirty="0"/>
+              <a:t>: technologie récente Microsoft, est rapide, permet l’entrainement distribué, open source, relativement rapide tout en maintenant une haute précision. Il repose sur des arbres de décisions. Il est plus rapide que </a:t>
+            </a:r>
+            <a:r>
+              <a:rPr lang="fr-FR" sz="1200" dirty="0" err="1"/>
+              <a:t>XgBOOST</a:t>
+            </a:r>
+            <a:r>
+              <a:rPr lang="fr-FR" sz="1200" dirty="0"/>
+              <a:t> an algorithme proche.</a:t>
             </a:r>
           </a:p>
           <a:p>
@@ -5675,6 +5642,76 @@
             <a:extLst>
               <a:ext uri="{FF2B5EF4-FFF2-40B4-BE49-F238E27FC236}">
                 <a16:creationId xmlns:a16="http://schemas.microsoft.com/office/drawing/2014/main" id="{0A4EF5C4-F2BD-432C-BD18-F3E0B7E553E7}"/>
+              </a:ext>
+            </a:extLst>
+          </p:cNvPr>
+          <p:cNvPicPr>
+            <a:picLocks noChangeAspect="1"/>
+          </p:cNvPicPr>
+          <p:nvPr/>
+        </p:nvPicPr>
+        <p:blipFill>
+          <a:blip r:embed="rId2"/>
+          <a:stretch>
+            <a:fillRect/>
+          </a:stretch>
+        </p:blipFill>
+        <p:spPr>
+          <a:xfrm>
+            <a:off x="75715" y="2483454"/>
+            <a:ext cx="5639984" cy="4179492"/>
+          </a:xfrm>
+          <a:prstGeom prst="rect">
+            <a:avLst/>
+          </a:prstGeom>
+        </p:spPr>
+      </p:pic>
+      <p:sp>
+        <p:nvSpPr>
+          <p:cNvPr id="6" name="ZoneTexte 5">
+            <a:extLst>
+              <a:ext uri="{FF2B5EF4-FFF2-40B4-BE49-F238E27FC236}">
+                <a16:creationId xmlns:a16="http://schemas.microsoft.com/office/drawing/2014/main" id="{CBDA1808-E431-47F3-ACD7-2E2664A445F7}"/>
+              </a:ext>
+            </a:extLst>
+          </p:cNvPr>
+          <p:cNvSpPr txBox="1"/>
+          <p:nvPr/>
+        </p:nvSpPr>
+        <p:spPr>
+          <a:xfrm>
+            <a:off x="521207" y="6509749"/>
+            <a:ext cx="3640822" cy="307777"/>
+          </a:xfrm>
+          <a:prstGeom prst="rect">
+            <a:avLst/>
+          </a:prstGeom>
+          <a:noFill/>
+        </p:spPr>
+        <p:txBody>
+          <a:bodyPr wrap="square" rtlCol="0">
+            <a:spAutoFit/>
+          </a:bodyPr>
+          <a:lstStyle/>
+          <a:p>
+            <a:r>
+              <a:rPr lang="fr-FR" sz="1400" dirty="0"/>
+              <a:t>Performances de </a:t>
+            </a:r>
+            <a:r>
+              <a:rPr lang="fr-FR" sz="1400" dirty="0" err="1"/>
+              <a:t>randomforest</a:t>
+            </a:r>
+            <a:endParaRPr lang="fr-FR" sz="1400" dirty="0"/>
+          </a:p>
+        </p:txBody>
+      </p:sp>
+      <p:pic>
+        <p:nvPicPr>
+          <p:cNvPr id="8" name="Image 7">
+            <a:extLst>
+              <a:ext uri="{FF2B5EF4-FFF2-40B4-BE49-F238E27FC236}">
+                <a16:creationId xmlns:a16="http://schemas.microsoft.com/office/drawing/2014/main" id="{0F55A183-8EA7-450E-83DB-D2CC08687D14}"/>
               </a:ext>
             </a:extLst>
           </p:cNvPr>
@@ -5691,78 +5728,8 @@
         </p:blipFill>
         <p:spPr>
           <a:xfrm>
-            <a:off x="302003" y="3107029"/>
-            <a:ext cx="4530056" cy="3356983"/>
-          </a:xfrm>
-          <a:prstGeom prst="rect">
-            <a:avLst/>
-          </a:prstGeom>
-        </p:spPr>
-      </p:pic>
-      <p:sp>
-        <p:nvSpPr>
-          <p:cNvPr id="6" name="ZoneTexte 5">
-            <a:extLst>
-              <a:ext uri="{FF2B5EF4-FFF2-40B4-BE49-F238E27FC236}">
-                <a16:creationId xmlns:a16="http://schemas.microsoft.com/office/drawing/2014/main" id="{CBDA1808-E431-47F3-ACD7-2E2664A445F7}"/>
-              </a:ext>
-            </a:extLst>
-          </p:cNvPr>
-          <p:cNvSpPr txBox="1"/>
-          <p:nvPr/>
-        </p:nvSpPr>
-        <p:spPr>
-          <a:xfrm>
-            <a:off x="521207" y="6509749"/>
-            <a:ext cx="3640822" cy="307777"/>
-          </a:xfrm>
-          <a:prstGeom prst="rect">
-            <a:avLst/>
-          </a:prstGeom>
-          <a:noFill/>
-        </p:spPr>
-        <p:txBody>
-          <a:bodyPr wrap="square" rtlCol="0">
-            <a:spAutoFit/>
-          </a:bodyPr>
-          <a:lstStyle/>
-          <a:p>
-            <a:r>
-              <a:rPr lang="fr-FR" sz="1400" dirty="0"/>
-              <a:t>Performances de </a:t>
-            </a:r>
-            <a:r>
-              <a:rPr lang="fr-FR" sz="1400" dirty="0" err="1"/>
-              <a:t>randomforest</a:t>
-            </a:r>
-            <a:endParaRPr lang="fr-FR" sz="1400" dirty="0"/>
-          </a:p>
-        </p:txBody>
-      </p:sp>
-      <p:pic>
-        <p:nvPicPr>
-          <p:cNvPr id="8" name="Image 7">
-            <a:extLst>
-              <a:ext uri="{FF2B5EF4-FFF2-40B4-BE49-F238E27FC236}">
-                <a16:creationId xmlns:a16="http://schemas.microsoft.com/office/drawing/2014/main" id="{0F55A183-8EA7-450E-83DB-D2CC08687D14}"/>
-              </a:ext>
-            </a:extLst>
-          </p:cNvPr>
-          <p:cNvPicPr>
-            <a:picLocks noChangeAspect="1"/>
-          </p:cNvPicPr>
-          <p:nvPr/>
-        </p:nvPicPr>
-        <p:blipFill>
-          <a:blip r:embed="rId4"/>
-          <a:stretch>
-            <a:fillRect/>
-          </a:stretch>
-        </p:blipFill>
-        <p:spPr>
-          <a:xfrm>
-            <a:off x="6535022" y="2908096"/>
-            <a:ext cx="4546909" cy="3555916"/>
+            <a:off x="5838738" y="2496032"/>
+            <a:ext cx="5455370" cy="4266379"/>
           </a:xfrm>
           <a:prstGeom prst="rect">
             <a:avLst/>
@@ -6197,7 +6164,7 @@
         <p:spPr>
           <a:xfrm>
             <a:off x="810804" y="5841897"/>
-            <a:ext cx="9727749" cy="923330"/>
+            <a:ext cx="9727749" cy="584775"/>
           </a:xfrm>
           <a:prstGeom prst="rect">
             <a:avLst/>
@@ -6211,55 +6178,55 @@
           <a:lstStyle/>
           <a:p>
             <a:r>
-              <a:rPr lang="fr-FR" dirty="0"/>
+              <a:rPr lang="fr-FR" sz="1600" dirty="0"/>
               <a:t>Utiliser un arbre de décision comme </a:t>
             </a:r>
             <a:r>
-              <a:rPr lang="fr-FR" dirty="0" err="1"/>
+              <a:rPr lang="fr-FR" sz="1600" dirty="0" err="1"/>
               <a:t>surrogate</a:t>
             </a:r>
             <a:r>
-              <a:rPr lang="fr-FR" dirty="0"/>
+              <a:rPr lang="fr-FR" sz="1600" dirty="0"/>
               <a:t> à </a:t>
             </a:r>
             <a:r>
-              <a:rPr lang="fr-FR" dirty="0" err="1"/>
+              <a:rPr lang="fr-FR" sz="1600" dirty="0" err="1"/>
               <a:t>lightgbm</a:t>
             </a:r>
             <a:r>
-              <a:rPr lang="fr-FR" dirty="0"/>
+              <a:rPr lang="fr-FR" sz="1600" dirty="0"/>
               <a:t> et utiliser </a:t>
             </a:r>
             <a:r>
-              <a:rPr lang="fr-FR" b="1" i="1" dirty="0" err="1"/>
+              <a:rPr lang="fr-FR" sz="1600" b="1" i="1" dirty="0" err="1"/>
               <a:t>treeinterpreter</a:t>
             </a:r>
             <a:r>
-              <a:rPr lang="fr-FR" dirty="0"/>
+              <a:rPr lang="fr-FR" sz="1600" dirty="0"/>
               <a:t> sur le </a:t>
             </a:r>
             <a:r>
-              <a:rPr lang="fr-FR" dirty="0" err="1"/>
+              <a:rPr lang="fr-FR" sz="1600" dirty="0" err="1"/>
               <a:t>surrogate</a:t>
             </a:r>
             <a:r>
-              <a:rPr lang="fr-FR" dirty="0"/>
+              <a:rPr lang="fr-FR" sz="1600" dirty="0"/>
               <a:t>. Le </a:t>
             </a:r>
             <a:r>
-              <a:rPr lang="fr-FR" dirty="0" err="1"/>
+              <a:rPr lang="fr-FR" sz="1600" dirty="0" err="1"/>
               <a:t>surrogate</a:t>
             </a:r>
             <a:r>
-              <a:rPr lang="fr-FR" dirty="0"/>
+              <a:rPr lang="fr-FR" sz="1600" dirty="0"/>
               <a:t> sera utilisé pour les </a:t>
             </a:r>
             <a:r>
-              <a:rPr lang="fr-FR" dirty="0" err="1"/>
+              <a:rPr lang="fr-FR" sz="1600" dirty="0" err="1"/>
               <a:t>features</a:t>
             </a:r>
             <a:r>
-              <a:rPr lang="fr-FR" dirty="0"/>
+              <a:rPr lang="fr-FR" sz="1600" dirty="0"/>
               <a:t> globales. Le modèle complet pour la prédiction. </a:t>
             </a:r>
           </a:p>
@@ -7290,7 +7257,7 @@
         </p:nvCxnSpPr>
         <p:spPr>
           <a:xfrm flipV="1">
-            <a:off x="3154680" y="5948317"/>
+            <a:off x="3073223" y="5963190"/>
             <a:ext cx="758952" cy="15430"/>
           </a:xfrm>
           <a:prstGeom prst="straightConnector1">
@@ -7332,7 +7299,7 @@
         </p:nvSpPr>
         <p:spPr>
           <a:xfrm>
-            <a:off x="3957830" y="5809302"/>
+            <a:off x="4069991" y="6135316"/>
             <a:ext cx="8641080" cy="307777"/>
           </a:xfrm>
           <a:prstGeom prst="rect">
@@ -7527,7 +7494,7 @@
         </p:nvSpPr>
         <p:spPr>
           <a:xfrm>
-            <a:off x="4110230" y="6207821"/>
+            <a:off x="4023360" y="5809302"/>
             <a:ext cx="8641080" cy="307777"/>
           </a:xfrm>
           <a:prstGeom prst="rect">
@@ -7547,7 +7514,7 @@
                   <a:srgbClr val="FF0000"/>
                 </a:solidFill>
               </a:rPr>
-              <a:t>Importances des </a:t>
+              <a:t>Importance des </a:t>
             </a:r>
             <a:r>
               <a:rPr lang="fr-FR" sz="1400" dirty="0" err="1">
@@ -8301,7 +8268,7 @@
         <p:spPr>
           <a:xfrm>
             <a:off x="236433" y="1308407"/>
-            <a:ext cx="11955567" cy="4028282"/>
+            <a:ext cx="11955567" cy="3629327"/>
           </a:xfrm>
           <a:prstGeom prst="rect">
             <a:avLst/>
@@ -8565,31 +8532,6 @@
                 <a:cs typeface="Arial" panose="020B0604020202020204" pitchFamily="34" charset="0"/>
               </a:rPr>
               <a:t>Interprétabilité</a:t>
-            </a:r>
-            <a:endParaRPr lang="fr-FR" sz="1800" dirty="0">
-              <a:effectLst/>
-              <a:latin typeface="Calibri" panose="020F0502020204030204" pitchFamily="34" charset="0"/>
-              <a:ea typeface="Calibri" panose="020F0502020204030204" pitchFamily="34" charset="0"/>
-              <a:cs typeface="Arial" panose="020B0604020202020204" pitchFamily="34" charset="0"/>
-            </a:endParaRPr>
-          </a:p>
-          <a:p>
-            <a:pPr marL="228600">
-              <a:lnSpc>
-                <a:spcPct val="107000"/>
-              </a:lnSpc>
-              <a:spcAft>
-                <a:spcPts val="800"/>
-              </a:spcAft>
-            </a:pPr>
-            <a:r>
-              <a:rPr lang="fr-FR" sz="1800" dirty="0">
-                <a:effectLst/>
-                <a:latin typeface="Calibri" panose="020F0502020204030204" pitchFamily="34" charset="0"/>
-                <a:ea typeface="Calibri" panose="020F0502020204030204" pitchFamily="34" charset="0"/>
-                <a:cs typeface="Arial" panose="020B0604020202020204" pitchFamily="34" charset="0"/>
-              </a:rPr>
-              <a:t>La prédiction de solvabilité repose sur le modèle entier.</a:t>
             </a:r>
             <a:br>
               <a:rPr lang="fr-FR" sz="1800" dirty="0">
@@ -8624,7 +8566,7 @@
               <a:t>: </a:t>
             </a:r>
             <a:r>
-              <a:rPr lang="fr-FR" dirty="0" err="1">
+              <a:rPr lang="fr-FR" i="1" dirty="0" err="1">
                 <a:latin typeface="Calibri" panose="020F0502020204030204" pitchFamily="34" charset="0"/>
                 <a:ea typeface="Calibri" panose="020F0502020204030204" pitchFamily="34" charset="0"/>
                 <a:cs typeface="Arial" panose="020B0604020202020204" pitchFamily="34" charset="0"/>
@@ -8637,7 +8579,7 @@
                 <a:ea typeface="Calibri" panose="020F0502020204030204" pitchFamily="34" charset="0"/>
                 <a:cs typeface="Arial" panose="020B0604020202020204" pitchFamily="34" charset="0"/>
               </a:rPr>
-              <a:t> sur arbre de décision. Il faut alors faire une mise à jour régulière du modèle </a:t>
+              <a:t> sur arbre de décision. Il faut faire une mise à jour régulière du modèle </a:t>
             </a:r>
             <a:r>
               <a:rPr lang="fr-FR" dirty="0" err="1">
@@ -8669,7 +8611,7 @@
                 <a:ea typeface="Calibri" panose="020F0502020204030204" pitchFamily="34" charset="0"/>
                 <a:cs typeface="Arial" panose="020B0604020202020204" pitchFamily="34" charset="0"/>
               </a:rPr>
-              <a:t> globales de la population ne diffèrent pas du modèle entier. </a:t>
+              <a:t> globales de la population ne diffèrent pas de celles du modèle entier. </a:t>
             </a:r>
             <a:endParaRPr lang="fr-FR" sz="1800" dirty="0">
               <a:effectLst/>
@@ -11674,21 +11616,21 @@
 </file>
 
 <file path=customXml/item1.xml><?xml version="1.0" encoding="utf-8"?>
+<?mso-contentType ?>
+<FormTemplates xmlns="http://schemas.microsoft.com/sharepoint/v3/contenttype/forms">
+  <Display>DocumentLibraryForm</Display>
+  <Edit>DocumentLibraryForm</Edit>
+  <New>DocumentLibraryForm</New>
+</FormTemplates>
+</file>
+
+<file path=customXml/item2.xml><?xml version="1.0" encoding="utf-8"?>
 <p:properties xmlns:p="http://schemas.microsoft.com/office/2006/metadata/properties" xmlns:xsi="http://www.w3.org/2001/XMLSchema-instance" xmlns:pc="http://schemas.microsoft.com/office/infopath/2007/PartnerControls">
   <documentManagement>
     <Status xmlns="71af3243-3dd4-4a8d-8c0d-dd76da1f02a5">Not started</Status>
     <MediaServiceKeyPoints xmlns="71af3243-3dd4-4a8d-8c0d-dd76da1f02a5" xsi:nil="true"/>
   </documentManagement>
 </p:properties>
-</file>
-
-<file path=customXml/item2.xml><?xml version="1.0" encoding="utf-8"?>
-<?mso-contentType ?>
-<FormTemplates xmlns="http://schemas.microsoft.com/sharepoint/v3/contenttype/forms">
-  <Display>DocumentLibraryForm</Display>
-  <Edit>DocumentLibraryForm</Edit>
-  <New>DocumentLibraryForm</New>
-</FormTemplates>
 </file>
 
 <file path=customXml/item3.xml><?xml version="1.0" encoding="utf-8"?>
@@ -11913,19 +11855,19 @@
 </file>
 
 <file path=customXml/itemProps1.xml><?xml version="1.0" encoding="utf-8"?>
+<ds:datastoreItem xmlns:ds="http://schemas.openxmlformats.org/officeDocument/2006/customXml" ds:itemID="{7EE8C63A-4744-4DE4-BB49-0FF0B5375C60}">
+  <ds:schemaRefs>
+    <ds:schemaRef ds:uri="http://schemas.microsoft.com/sharepoint/v3/contenttype/forms"/>
+  </ds:schemaRefs>
+</ds:datastoreItem>
+</file>
+
+<file path=customXml/itemProps2.xml><?xml version="1.0" encoding="utf-8"?>
 <ds:datastoreItem xmlns:ds="http://schemas.openxmlformats.org/officeDocument/2006/customXml" ds:itemID="{950072C5-DDE0-4258-BA7A-4D4B80DFA632}">
   <ds:schemaRefs>
     <ds:schemaRef ds:uri="http://schemas.microsoft.com/office/2006/metadata/properties"/>
     <ds:schemaRef ds:uri="http://schemas.microsoft.com/office/infopath/2007/PartnerControls"/>
     <ds:schemaRef ds:uri="71af3243-3dd4-4a8d-8c0d-dd76da1f02a5"/>
-  </ds:schemaRefs>
-</ds:datastoreItem>
-</file>
-
-<file path=customXml/itemProps2.xml><?xml version="1.0" encoding="utf-8"?>
-<ds:datastoreItem xmlns:ds="http://schemas.openxmlformats.org/officeDocument/2006/customXml" ds:itemID="{7EE8C63A-4744-4DE4-BB49-0FF0B5375C60}">
-  <ds:schemaRefs>
-    <ds:schemaRef ds:uri="http://schemas.microsoft.com/sharepoint/v3/contenttype/forms"/>
   </ds:schemaRefs>
 </ds:datastoreItem>
 </file>

--- a/P7_01_Support.pptx
+++ b/P7_01_Support.pptx
@@ -5,10 +5,10 @@
     <p:sldMasterId id="2147483660" r:id="rId4"/>
   </p:sldMasterIdLst>
   <p:notesMasterIdLst>
-    <p:notesMasterId r:id="rId24"/>
+    <p:notesMasterId r:id="rId26"/>
   </p:notesMasterIdLst>
   <p:handoutMasterIdLst>
-    <p:handoutMasterId r:id="rId25"/>
+    <p:handoutMasterId r:id="rId27"/>
   </p:handoutMasterIdLst>
   <p:sldIdLst>
     <p:sldId id="256" r:id="rId5"/>
@@ -21,15 +21,17 @@
     <p:sldId id="447" r:id="rId12"/>
     <p:sldId id="426" r:id="rId13"/>
     <p:sldId id="449" r:id="rId14"/>
-    <p:sldId id="450" r:id="rId15"/>
-    <p:sldId id="429" r:id="rId16"/>
-    <p:sldId id="455" r:id="rId17"/>
-    <p:sldId id="385" r:id="rId18"/>
-    <p:sldId id="454" r:id="rId19"/>
-    <p:sldId id="456" r:id="rId20"/>
-    <p:sldId id="457" r:id="rId21"/>
-    <p:sldId id="452" r:id="rId22"/>
-    <p:sldId id="362" r:id="rId23"/>
+    <p:sldId id="459" r:id="rId15"/>
+    <p:sldId id="450" r:id="rId16"/>
+    <p:sldId id="429" r:id="rId17"/>
+    <p:sldId id="458" r:id="rId18"/>
+    <p:sldId id="455" r:id="rId19"/>
+    <p:sldId id="385" r:id="rId20"/>
+    <p:sldId id="454" r:id="rId21"/>
+    <p:sldId id="456" r:id="rId22"/>
+    <p:sldId id="457" r:id="rId23"/>
+    <p:sldId id="452" r:id="rId24"/>
+    <p:sldId id="362" r:id="rId25"/>
   </p:sldIdLst>
   <p:sldSz cx="12192000" cy="6858000"/>
   <p:notesSz cx="6858000" cy="9144000"/>
@@ -147,8 +149,10 @@
             <p14:sldId id="447"/>
             <p14:sldId id="426"/>
             <p14:sldId id="449"/>
+            <p14:sldId id="459"/>
             <p14:sldId id="450"/>
             <p14:sldId id="429"/>
+            <p14:sldId id="458"/>
             <p14:sldId id="455"/>
             <p14:sldId id="385"/>
             <p14:sldId id="454"/>
@@ -274,7 +278,7 @@
             <a:pPr rtl="0"/>
             <a:fld id="{3C80F580-3B6A-44CD-9A1E-E890016126F8}" type="datetime1">
               <a:rPr lang="fr-FR" smtClean="0"/>
-              <a:t>22/02/2022</a:t>
+              <a:t>04/03/2022</a:t>
             </a:fld>
             <a:endParaRPr lang="fr-FR"/>
           </a:p>
@@ -444,7 +448,7 @@
             <a:pPr rtl="0"/>
             <a:fld id="{7DF8ED89-FBF4-48E3-B6C6-C071DA98F802}" type="datetime1">
               <a:rPr lang="fr-FR" noProof="1" dirty="0" smtClean="0"/>
-              <a:t>22/02/2022</a:t>
+              <a:t>04/03/2022</a:t>
             </a:fld>
             <a:endParaRPr lang="fr-FR" noProof="1"/>
           </a:p>
@@ -1230,7 +1234,7 @@
             <a:pPr rtl="0"/>
             <a:fld id="{DF61EA0F-A667-4B49-8422-0062BC55E249}" type="slidenum">
               <a:rPr lang="fr-FR" smtClean="0"/>
-              <a:t>14</a:t>
+              <a:t>16</a:t>
             </a:fld>
             <a:endParaRPr lang="fr-FR"/>
           </a:p>
@@ -1321,7 +1325,7 @@
             <a:pPr rtl="0"/>
             <a:fld id="{DF61EA0F-A667-4B49-8422-0062BC55E249}" type="slidenum">
               <a:rPr lang="fr-FR" smtClean="0"/>
-              <a:t>18</a:t>
+              <a:t>20</a:t>
             </a:fld>
             <a:endParaRPr lang="fr-FR"/>
           </a:p>
@@ -1778,7 +1782,7 @@
             <a:pPr rtl="0"/>
             <a:fld id="{7DF3CA4B-903E-431D-AF93-2AD02E04DE8A}" type="datetime1">
               <a:rPr lang="fr-FR" noProof="0" smtClean="0"/>
-              <a:t>22/02/2022</a:t>
+              <a:t>04/03/2022</a:t>
             </a:fld>
             <a:endParaRPr lang="fr-FR" noProof="0"/>
           </a:p>
@@ -2404,7 +2408,7 @@
             <a:pPr rtl="0"/>
             <a:fld id="{802CD4F2-526B-4131-B91B-856C46007FC5}" type="datetime1">
               <a:rPr lang="fr-FR" noProof="0" smtClean="0"/>
-              <a:t>22/02/2022</a:t>
+              <a:t>04/03/2022</a:t>
             </a:fld>
             <a:endParaRPr lang="fr-FR" noProof="0"/>
           </a:p>
@@ -5508,7 +5512,7 @@
           <p:cNvPr id="2" name="Titre 1">
             <a:extLst>
               <a:ext uri="{FF2B5EF4-FFF2-40B4-BE49-F238E27FC236}">
-                <a16:creationId xmlns:a16="http://schemas.microsoft.com/office/drawing/2014/main" id="{0BD235EC-26A9-4DB1-B3C9-E378D8DE2A56}"/>
+                <a16:creationId xmlns:a16="http://schemas.microsoft.com/office/drawing/2014/main" id="{7E6D9A95-CF8C-468F-99E0-BD640D717B62}"/>
               </a:ext>
             </a:extLst>
           </p:cNvPr>
@@ -5533,106 +5537,23 @@
                 <a:ea typeface="+mn-ea"/>
                 <a:cs typeface="+mn-cs"/>
               </a:rPr>
-              <a:t>Algorithmes testés</a:t>
-            </a:r>
-          </a:p>
-        </p:txBody>
-      </p:sp>
-      <p:sp>
-        <p:nvSpPr>
-          <p:cNvPr id="4" name="ZoneTexte 3">
-            <a:extLst>
-              <a:ext uri="{FF2B5EF4-FFF2-40B4-BE49-F238E27FC236}">
-                <a16:creationId xmlns:a16="http://schemas.microsoft.com/office/drawing/2014/main" id="{191B1B02-8B8E-40AB-8152-50D83D5F4100}"/>
-              </a:ext>
-            </a:extLst>
-          </p:cNvPr>
-          <p:cNvSpPr txBox="1"/>
-          <p:nvPr/>
-        </p:nvSpPr>
-        <p:spPr>
-          <a:xfrm>
-            <a:off x="521207" y="1243859"/>
-            <a:ext cx="9637777" cy="1446550"/>
-          </a:xfrm>
-          <a:prstGeom prst="rect">
-            <a:avLst/>
-          </a:prstGeom>
-          <a:noFill/>
-        </p:spPr>
-        <p:txBody>
-          <a:bodyPr wrap="square" rtlCol="0">
-            <a:spAutoFit/>
-          </a:bodyPr>
-          <a:lstStyle/>
-          <a:p>
-            <a:pPr marL="285750" indent="-285750">
-              <a:buFontTx/>
-              <a:buChar char="-"/>
-            </a:pPr>
-            <a:r>
-              <a:rPr lang="fr-FR" sz="1200" b="1" dirty="0"/>
-              <a:t>Bayésien naïf</a:t>
-            </a:r>
-            <a:r>
-              <a:rPr lang="fr-FR" sz="1200" dirty="0"/>
-              <a:t> : Le classifieur naïf bayésien est l'une des méthodes les plus simples en apprentissage supervisé basée sur le théorème de Bayes. Il est utilisé comme </a:t>
-            </a:r>
-            <a:r>
-              <a:rPr lang="fr-FR" sz="1200" dirty="0" err="1"/>
-              <a:t>baseline</a:t>
-            </a:r>
-            <a:r>
-              <a:rPr lang="fr-FR" sz="1200" dirty="0"/>
-              <a:t>, niveau 0.</a:t>
-            </a:r>
-          </a:p>
-          <a:p>
-            <a:pPr marL="285750" indent="-285750">
-              <a:buFontTx/>
-              <a:buChar char="-"/>
-            </a:pPr>
-            <a:r>
-              <a:rPr lang="fr-FR" sz="1200" b="1" dirty="0" err="1"/>
-              <a:t>Random</a:t>
-            </a:r>
-            <a:r>
-              <a:rPr lang="fr-FR" sz="1200" b="1" dirty="0"/>
+              <a:t>Rappel</a:t>
+            </a:r>
+            <a:r>
+              <a:rPr lang="fr-FR" dirty="0"/>
               <a:t> </a:t>
             </a:r>
             <a:r>
-              <a:rPr lang="fr-FR" sz="1200" b="1" dirty="0" err="1"/>
-              <a:t>forest</a:t>
-            </a:r>
-            <a:r>
-              <a:rPr lang="fr-FR" sz="1200" dirty="0"/>
-              <a:t>: est constituée d'un nombre arbitraire d'arbres simples, qui permettent de voter pour la classe la plus populaire (classification), ou dont les réponses sont combinées (moyennées) pour obtenir une estimation de la variable dépendante (régression).</a:t>
-            </a:r>
-          </a:p>
-          <a:p>
-            <a:pPr marL="285750" indent="-285750">
-              <a:buFontTx/>
-              <a:buChar char="-"/>
-            </a:pPr>
-            <a:r>
-              <a:rPr lang="fr-FR" sz="1200" b="1" dirty="0" err="1"/>
-              <a:t>Lightgbm</a:t>
-            </a:r>
-            <a:r>
-              <a:rPr lang="fr-FR" sz="1200" dirty="0"/>
-              <a:t>: technologie récente Microsoft, est rapide, permet l’entrainement distribué, open source, relativement rapide tout en maintenant une haute précision. Il repose sur des arbres de décisions. Il est plus rapide que </a:t>
-            </a:r>
-            <a:r>
-              <a:rPr lang="fr-FR" sz="1200" dirty="0" err="1"/>
-              <a:t>XgBOOST</a:t>
-            </a:r>
-            <a:r>
-              <a:rPr lang="fr-FR" sz="1200" dirty="0"/>
-              <a:t> an algorithme proche.</a:t>
-            </a:r>
-          </a:p>
-          <a:p>
-            <a:endParaRPr lang="fr-FR" sz="1600" dirty="0"/>
+              <a:rPr lang="fr-FR" sz="2000" b="1" dirty="0">
+                <a:solidFill>
+                  <a:schemeClr val="tx1"/>
+                </a:solidFill>
+                <a:latin typeface="+mn-lt"/>
+                <a:ea typeface="+mn-ea"/>
+                <a:cs typeface="+mn-cs"/>
+              </a:rPr>
+              <a:t>de métriques</a:t>
+            </a:r>
           </a:p>
         </p:txBody>
       </p:sp>
@@ -5641,7 +5562,7 @@
           <p:cNvPr id="5" name="Image 4">
             <a:extLst>
               <a:ext uri="{FF2B5EF4-FFF2-40B4-BE49-F238E27FC236}">
-                <a16:creationId xmlns:a16="http://schemas.microsoft.com/office/drawing/2014/main" id="{0A4EF5C4-F2BD-432C-BD18-F3E0B7E553E7}"/>
+                <a16:creationId xmlns:a16="http://schemas.microsoft.com/office/drawing/2014/main" id="{9B17D028-8305-48A8-9438-AF8BEE376849}"/>
               </a:ext>
             </a:extLst>
           </p:cNvPr>
@@ -5658,90 +5579,67 @@
         </p:blipFill>
         <p:spPr>
           <a:xfrm>
-            <a:off x="75715" y="2483454"/>
-            <a:ext cx="5639984" cy="4179492"/>
+            <a:off x="6505781" y="3070564"/>
+            <a:ext cx="3934672" cy="2589136"/>
           </a:xfrm>
           <a:prstGeom prst="rect">
             <a:avLst/>
           </a:prstGeom>
         </p:spPr>
       </p:pic>
-      <p:sp>
-        <p:nvSpPr>
-          <p:cNvPr id="6" name="ZoneTexte 5">
-            <a:extLst>
-              <a:ext uri="{FF2B5EF4-FFF2-40B4-BE49-F238E27FC236}">
-                <a16:creationId xmlns:a16="http://schemas.microsoft.com/office/drawing/2014/main" id="{CBDA1808-E431-47F3-ACD7-2E2664A445F7}"/>
-              </a:ext>
-            </a:extLst>
-          </p:cNvPr>
-          <p:cNvSpPr txBox="1"/>
-          <p:nvPr/>
-        </p:nvSpPr>
-        <p:spPr>
-          <a:xfrm>
-            <a:off x="521207" y="6509749"/>
-            <a:ext cx="3640822" cy="307777"/>
-          </a:xfrm>
-          <a:prstGeom prst="rect">
-            <a:avLst/>
-          </a:prstGeom>
-          <a:noFill/>
-        </p:spPr>
-        <p:txBody>
-          <a:bodyPr wrap="square" rtlCol="0">
-            <a:spAutoFit/>
-          </a:bodyPr>
-          <a:lstStyle/>
-          <a:p>
-            <a:r>
-              <a:rPr lang="fr-FR" sz="1400" dirty="0"/>
-              <a:t>Performances de </a:t>
-            </a:r>
-            <a:r>
-              <a:rPr lang="fr-FR" sz="1400" dirty="0" err="1"/>
-              <a:t>randomforest</a:t>
-            </a:r>
-            <a:endParaRPr lang="fr-FR" sz="1400" dirty="0"/>
-          </a:p>
-        </p:txBody>
-      </p:sp>
       <p:pic>
         <p:nvPicPr>
-          <p:cNvPr id="8" name="Image 7">
+          <p:cNvPr id="6" name="Picture 2">
             <a:extLst>
               <a:ext uri="{FF2B5EF4-FFF2-40B4-BE49-F238E27FC236}">
-                <a16:creationId xmlns:a16="http://schemas.microsoft.com/office/drawing/2014/main" id="{0F55A183-8EA7-450E-83DB-D2CC08687D14}"/>
+                <a16:creationId xmlns:a16="http://schemas.microsoft.com/office/drawing/2014/main" id="{2627798F-C429-4670-B957-F1D734FE58CE}"/>
               </a:ext>
             </a:extLst>
           </p:cNvPr>
           <p:cNvPicPr>
-            <a:picLocks noChangeAspect="1"/>
+            <a:picLocks noChangeAspect="1" noChangeArrowheads="1"/>
           </p:cNvPicPr>
           <p:nvPr/>
         </p:nvPicPr>
         <p:blipFill>
-          <a:blip r:embed="rId3"/>
+          <a:blip r:embed="rId3">
+            <a:extLst>
+              <a:ext uri="{28A0092B-C50C-407E-A947-70E740481C1C}">
+                <a14:useLocalDpi xmlns:a14="http://schemas.microsoft.com/office/drawing/2010/main" val="0"/>
+              </a:ext>
+            </a:extLst>
+          </a:blip>
+          <a:srcRect/>
           <a:stretch>
             <a:fillRect/>
           </a:stretch>
         </p:blipFill>
-        <p:spPr>
-          <a:xfrm>
-            <a:off x="5838738" y="2496032"/>
-            <a:ext cx="5455370" cy="4266379"/>
+        <p:spPr bwMode="auto">
+          <a:xfrm>
+            <a:off x="394979" y="2299272"/>
+            <a:ext cx="5024309" cy="4417440"/>
           </a:xfrm>
           <a:prstGeom prst="rect">
             <a:avLst/>
           </a:prstGeom>
+          <a:noFill/>
+          <a:extLst>
+            <a:ext uri="{909E8E84-426E-40DD-AFC4-6F175D3DCCD1}">
+              <a14:hiddenFill xmlns:a14="http://schemas.microsoft.com/office/drawing/2010/main">
+                <a:solidFill>
+                  <a:srgbClr val="FFFFFF"/>
+                </a:solidFill>
+              </a14:hiddenFill>
+            </a:ext>
+          </a:extLst>
         </p:spPr>
       </p:pic>
       <p:sp>
         <p:nvSpPr>
-          <p:cNvPr id="9" name="ZoneTexte 8">
+          <p:cNvPr id="8" name="ZoneTexte 7">
             <a:extLst>
               <a:ext uri="{FF2B5EF4-FFF2-40B4-BE49-F238E27FC236}">
-                <a16:creationId xmlns:a16="http://schemas.microsoft.com/office/drawing/2014/main" id="{EFB8C062-347F-400D-B69A-87D2B910375D}"/>
+                <a16:creationId xmlns:a16="http://schemas.microsoft.com/office/drawing/2014/main" id="{137F7644-7A4D-4412-9E31-D21DFDE6E168}"/>
               </a:ext>
             </a:extLst>
           </p:cNvPr>
@@ -5750,8 +5648,8 @@
         </p:nvSpPr>
         <p:spPr>
           <a:xfrm>
-            <a:off x="7200242" y="6550223"/>
-            <a:ext cx="3640822" cy="307777"/>
+            <a:off x="394978" y="1278205"/>
+            <a:ext cx="11391553" cy="830997"/>
           </a:xfrm>
           <a:prstGeom prst="rect">
             <a:avLst/>
@@ -5759,27 +5657,107 @@
           <a:noFill/>
         </p:spPr>
         <p:txBody>
-          <a:bodyPr wrap="square" rtlCol="0">
+          <a:bodyPr wrap="square">
             <a:spAutoFit/>
           </a:bodyPr>
           <a:lstStyle/>
           <a:p>
             <a:r>
-              <a:rPr lang="fr-FR" sz="1400" dirty="0"/>
-              <a:t>Performances de </a:t>
-            </a:r>
-            <a:r>
-              <a:rPr lang="fr-FR" sz="1400" dirty="0" err="1"/>
-              <a:t>lgbm</a:t>
-            </a:r>
-            <a:endParaRPr lang="fr-FR" sz="1400" dirty="0"/>
+              <a:rPr lang="fr-FR" sz="1200" b="1" dirty="0">
+                <a:effectLst/>
+              </a:rPr>
+              <a:t>RMSE</a:t>
+            </a:r>
+            <a:r>
+              <a:rPr lang="fr-FR" sz="1200" dirty="0">
+                <a:effectLst/>
+              </a:rPr>
+              <a:t> : l'erreur quadratique moyenne est une mesure fréquemment utilisée des différences entre les valeurs (valeurs d'échantillon ou de population) prédites par un modèle ou un estimateur et les valeurs observées Écart quadratique moyen </a:t>
+            </a:r>
+          </a:p>
+          <a:p>
+            <a:r>
+              <a:rPr lang="fr-FR" sz="1200" b="1" dirty="0"/>
+              <a:t>ROC</a:t>
+            </a:r>
+            <a:r>
+              <a:rPr lang="fr-FR" sz="1200" dirty="0"/>
+              <a:t>: la courbe ROC permet de décrire la performance d’un modèle à travers deux indicateurs : la </a:t>
+            </a:r>
+            <a:r>
+              <a:rPr lang="fr-FR" sz="1200" dirty="0" err="1"/>
+              <a:t>sensitivity</a:t>
+            </a:r>
+            <a:r>
+              <a:rPr lang="fr-FR" sz="1200" dirty="0"/>
+              <a:t> et la </a:t>
+            </a:r>
+            <a:r>
+              <a:rPr lang="fr-FR" sz="1200" dirty="0" err="1"/>
+              <a:t>specificity</a:t>
+            </a:r>
+            <a:r>
+              <a:rPr lang="fr-FR" sz="1200" dirty="0"/>
+              <a:t>. L’aire sous cette courbe, nommée AUC / ROC </a:t>
+            </a:r>
+            <a:r>
+              <a:rPr lang="fr-FR" sz="1200" i="1" dirty="0"/>
+              <a:t>(area </a:t>
+            </a:r>
+            <a:r>
+              <a:rPr lang="fr-FR" sz="1200" i="1" dirty="0" err="1"/>
+              <a:t>under</a:t>
+            </a:r>
+            <a:r>
+              <a:rPr lang="fr-FR" sz="1200" i="1" dirty="0"/>
+              <a:t> </a:t>
+            </a:r>
+            <a:r>
+              <a:rPr lang="fr-FR" sz="1200" i="1" dirty="0" err="1"/>
+              <a:t>curve</a:t>
+            </a:r>
+            <a:r>
+              <a:rPr lang="fr-FR" sz="1200" i="1" dirty="0"/>
+              <a:t> / </a:t>
+            </a:r>
+            <a:r>
+              <a:rPr lang="fr-FR" sz="1200" i="1" dirty="0" err="1"/>
+              <a:t>receiver</a:t>
+            </a:r>
+            <a:r>
+              <a:rPr lang="fr-FR" sz="1200" i="1" dirty="0"/>
+              <a:t> operating </a:t>
+            </a:r>
+            <a:r>
+              <a:rPr lang="fr-FR" sz="1200" i="1" dirty="0" err="1"/>
+              <a:t>characteristic</a:t>
+            </a:r>
+            <a:r>
+              <a:rPr lang="fr-FR" sz="1200" i="1" dirty="0"/>
+              <a:t> </a:t>
+            </a:r>
+            <a:r>
+              <a:rPr lang="fr-FR" sz="1200" i="1" dirty="0" err="1"/>
+              <a:t>curve</a:t>
+            </a:r>
+            <a:r>
+              <a:rPr lang="fr-FR" sz="1200" i="1" dirty="0"/>
+              <a:t>)</a:t>
+            </a:r>
+            <a:r>
+              <a:rPr lang="fr-FR" sz="1200" dirty="0"/>
+              <a:t>, mesure de façon globale la performance d’un modèle de classification. </a:t>
+            </a:r>
+            <a:endParaRPr lang="fr-FR" sz="1200" dirty="0">
+              <a:effectLst/>
+            </a:endParaRPr>
           </a:p>
         </p:txBody>
       </p:sp>
     </p:spTree>
     <p:extLst>
       <p:ext uri="{BB962C8B-B14F-4D97-AF65-F5344CB8AC3E}">
-        <p14:creationId xmlns:p14="http://schemas.microsoft.com/office/powerpoint/2010/main" val="2691332117"/>
+        <p14:creationId xmlns:p14="http://schemas.microsoft.com/office/powerpoint/2010/main" val="1632827615"/>
       </p:ext>
     </p:extLst>
   </p:cSld>
@@ -5811,7 +5789,7 @@
           <p:cNvPr id="2" name="Titre 1">
             <a:extLst>
               <a:ext uri="{FF2B5EF4-FFF2-40B4-BE49-F238E27FC236}">
-                <a16:creationId xmlns:a16="http://schemas.microsoft.com/office/drawing/2014/main" id="{3F6EE76D-942F-489D-8E64-6BFFA528F2B9}"/>
+                <a16:creationId xmlns:a16="http://schemas.microsoft.com/office/drawing/2014/main" id="{0BD235EC-26A9-4DB1-B3C9-E378D8DE2A56}"/>
               </a:ext>
             </a:extLst>
           </p:cNvPr>
@@ -5822,16 +5800,9 @@
             <p:ph type="title"/>
           </p:nvPr>
         </p:nvSpPr>
-        <p:spPr>
-          <a:xfrm>
-            <a:off x="521207" y="448056"/>
-            <a:ext cx="8229686" cy="640080"/>
-          </a:xfrm>
-        </p:spPr>
+        <p:spPr/>
         <p:txBody>
-          <a:bodyPr>
-            <a:normAutofit/>
-          </a:bodyPr>
+          <a:bodyPr/>
           <a:lstStyle/>
           <a:p>
             <a:r>
@@ -5843,7 +5814,7 @@
                 <a:ea typeface="+mn-ea"/>
                 <a:cs typeface="+mn-cs"/>
               </a:rPr>
-              <a:t>Fonction métier</a:t>
+              <a:t>Algorithmes testés</a:t>
             </a:r>
           </a:p>
         </p:txBody>
@@ -5853,7 +5824,7 @@
           <p:cNvPr id="4" name="ZoneTexte 3">
             <a:extLst>
               <a:ext uri="{FF2B5EF4-FFF2-40B4-BE49-F238E27FC236}">
-                <a16:creationId xmlns:a16="http://schemas.microsoft.com/office/drawing/2014/main" id="{A90C18B5-954C-4BE6-B5FE-DD3EA7AFF0CE}"/>
+                <a16:creationId xmlns:a16="http://schemas.microsoft.com/office/drawing/2014/main" id="{191B1B02-8B8E-40AB-8152-50D83D5F4100}"/>
               </a:ext>
             </a:extLst>
           </p:cNvPr>
@@ -5862,8 +5833,8 @@
         </p:nvSpPr>
         <p:spPr>
           <a:xfrm>
-            <a:off x="9966121" y="6479140"/>
-            <a:ext cx="3456264" cy="369332"/>
+            <a:off x="521207" y="1243859"/>
+            <a:ext cx="9637777" cy="1631216"/>
           </a:xfrm>
           <a:prstGeom prst="rect">
             <a:avLst/>
@@ -5876,18 +5847,93 @@
           </a:bodyPr>
           <a:lstStyle/>
           <a:p>
-            <a:r>
-              <a:rPr lang="fr-FR" dirty="0"/>
-              <a:t>Teycir Ben </a:t>
-            </a:r>
-            <a:r>
-              <a:rPr lang="fr-FR" dirty="0" err="1"/>
-              <a:t>Soltane</a:t>
-            </a:r>
-            <a:r>
-              <a:rPr lang="fr-FR" dirty="0"/>
+            <a:pPr marL="285750" indent="-285750">
+              <a:buFontTx/>
+              <a:buChar char="-"/>
+            </a:pPr>
+            <a:r>
+              <a:rPr lang="fr-FR" sz="1200" b="1" dirty="0"/>
+              <a:t>Bayésien naïf</a:t>
+            </a:r>
+            <a:r>
+              <a:rPr lang="fr-FR" sz="1200" dirty="0"/>
+              <a:t> : Le classifieur naïf bayésien est l'une des méthodes les plus simples en apprentissage </a:t>
+            </a:r>
+          </a:p>
+          <a:p>
+            <a:pPr marL="285750" indent="-285750">
+              <a:buFontTx/>
+              <a:buChar char="-"/>
+            </a:pPr>
+            <a:r>
+              <a:rPr lang="fr-FR" sz="1200" dirty="0"/>
+              <a:t>supervisé basée sur le théorème de Bayes. Il est utilisé comme </a:t>
+            </a:r>
+            <a:r>
+              <a:rPr lang="fr-FR" sz="1200" dirty="0" err="1"/>
+              <a:t>baseline</a:t>
+            </a:r>
+            <a:r>
+              <a:rPr lang="fr-FR" sz="1200" dirty="0"/>
+              <a:t>, niveau 0.</a:t>
+            </a:r>
+          </a:p>
+          <a:p>
+            <a:pPr marL="285750" indent="-285750">
+              <a:buFontTx/>
+              <a:buChar char="-"/>
+            </a:pPr>
+            <a:r>
+              <a:rPr lang="fr-FR" sz="1200" b="1" dirty="0" err="1"/>
+              <a:t>Random</a:t>
+            </a:r>
+            <a:r>
+              <a:rPr lang="fr-FR" sz="1200" b="1" dirty="0"/>
               <a:t> </a:t>
             </a:r>
+            <a:r>
+              <a:rPr lang="fr-FR" sz="1200" b="1" dirty="0" err="1"/>
+              <a:t>forest</a:t>
+            </a:r>
+            <a:r>
+              <a:rPr lang="fr-FR" sz="1200" dirty="0"/>
+              <a:t>: est constituée d'un nombre arbitraire d'arbres simples, qui permettent de voter pour la classe la plus populaire (classification), ou dont les réponses sont combinées (moyennées) pour obtenir une estimation de la variable dépendante </a:t>
+            </a:r>
+          </a:p>
+          <a:p>
+            <a:pPr marL="285750" indent="-285750">
+              <a:buFontTx/>
+              <a:buChar char="-"/>
+            </a:pPr>
+            <a:r>
+              <a:rPr lang="fr-FR" sz="1200" dirty="0"/>
+              <a:t>(régression).</a:t>
+            </a:r>
+          </a:p>
+          <a:p>
+            <a:pPr marL="285750" indent="-285750">
+              <a:buFontTx/>
+              <a:buChar char="-"/>
+            </a:pPr>
+            <a:r>
+              <a:rPr lang="fr-FR" sz="1200" b="1" dirty="0" err="1"/>
+              <a:t>Lightgbm</a:t>
+            </a:r>
+            <a:r>
+              <a:rPr lang="fr-FR" sz="1200" dirty="0"/>
+              <a:t>: technologie récente Microsoft, est rapide, permet l’entrainement distribué, open source, relativement rapide tout en maintenant une haute précision. Il repose sur des arbres de décisions. Il est plus rapide que </a:t>
+            </a:r>
+            <a:r>
+              <a:rPr lang="fr-FR" sz="1200" dirty="0" err="1"/>
+              <a:t>XgBOOST</a:t>
+            </a:r>
+            <a:r>
+              <a:rPr lang="fr-FR" sz="1200" dirty="0"/>
+              <a:t> an algorithme proche.</a:t>
+            </a:r>
+          </a:p>
+          <a:p>
+            <a:endParaRPr lang="fr-FR" sz="1600" dirty="0"/>
           </a:p>
         </p:txBody>
       </p:sp>
@@ -5896,7 +5942,7 @@
           <p:cNvPr id="5" name="Image 4">
             <a:extLst>
               <a:ext uri="{FF2B5EF4-FFF2-40B4-BE49-F238E27FC236}">
-                <a16:creationId xmlns:a16="http://schemas.microsoft.com/office/drawing/2014/main" id="{E20B9FD2-2276-4E16-AC20-4EE97720C685}"/>
+                <a16:creationId xmlns:a16="http://schemas.microsoft.com/office/drawing/2014/main" id="{0A4EF5C4-F2BD-432C-BD18-F3E0B7E553E7}"/>
               </a:ext>
             </a:extLst>
           </p:cNvPr>
@@ -5906,33 +5952,67 @@
           <p:nvPr/>
         </p:nvPicPr>
         <p:blipFill>
-          <a:blip r:embed="rId2">
-            <a:extLst>
-              <a:ext uri="{28A0092B-C50C-407E-A947-70E740481C1C}">
-                <a14:useLocalDpi xmlns:a14="http://schemas.microsoft.com/office/drawing/2010/main" val="0"/>
-              </a:ext>
-            </a:extLst>
-          </a:blip>
+          <a:blip r:embed="rId2"/>
           <a:stretch>
             <a:fillRect/>
           </a:stretch>
         </p:blipFill>
         <p:spPr>
           <a:xfrm>
-            <a:off x="228957" y="6511425"/>
-            <a:ext cx="2133333" cy="304762"/>
+            <a:off x="128576" y="2621791"/>
+            <a:ext cx="5639984" cy="4049770"/>
           </a:xfrm>
           <a:prstGeom prst="rect">
             <a:avLst/>
           </a:prstGeom>
         </p:spPr>
       </p:pic>
+      <p:sp>
+        <p:nvSpPr>
+          <p:cNvPr id="6" name="ZoneTexte 5">
+            <a:extLst>
+              <a:ext uri="{FF2B5EF4-FFF2-40B4-BE49-F238E27FC236}">
+                <a16:creationId xmlns:a16="http://schemas.microsoft.com/office/drawing/2014/main" id="{CBDA1808-E431-47F3-ACD7-2E2664A445F7}"/>
+              </a:ext>
+            </a:extLst>
+          </p:cNvPr>
+          <p:cNvSpPr txBox="1"/>
+          <p:nvPr/>
+        </p:nvSpPr>
+        <p:spPr>
+          <a:xfrm>
+            <a:off x="2974717" y="6472974"/>
+            <a:ext cx="3640822" cy="307777"/>
+          </a:xfrm>
+          <a:prstGeom prst="rect">
+            <a:avLst/>
+          </a:prstGeom>
+          <a:noFill/>
+        </p:spPr>
+        <p:txBody>
+          <a:bodyPr wrap="square" rtlCol="0">
+            <a:spAutoFit/>
+          </a:bodyPr>
+          <a:lstStyle/>
+          <a:p>
+            <a:r>
+              <a:rPr lang="fr-FR" sz="1400" dirty="0"/>
+              <a:t>Performances de </a:t>
+            </a:r>
+            <a:r>
+              <a:rPr lang="fr-FR" sz="1400" dirty="0" err="1"/>
+              <a:t>randomforest</a:t>
+            </a:r>
+            <a:endParaRPr lang="fr-FR" sz="1400" dirty="0"/>
+          </a:p>
+        </p:txBody>
+      </p:sp>
       <p:pic>
         <p:nvPicPr>
           <p:cNvPr id="8" name="Image 7">
             <a:extLst>
               <a:ext uri="{FF2B5EF4-FFF2-40B4-BE49-F238E27FC236}">
-                <a16:creationId xmlns:a16="http://schemas.microsoft.com/office/drawing/2014/main" id="{0741536F-6B57-40A3-B69E-FA0AF8FDB921}"/>
+                <a16:creationId xmlns:a16="http://schemas.microsoft.com/office/drawing/2014/main" id="{0F55A183-8EA7-450E-83DB-D2CC08687D14}"/>
               </a:ext>
             </a:extLst>
           </p:cNvPr>
@@ -5949,20 +6029,130 @@
         </p:blipFill>
         <p:spPr>
           <a:xfrm>
-            <a:off x="6268488" y="2882854"/>
-            <a:ext cx="5514286" cy="3628571"/>
+            <a:off x="6423441" y="2625754"/>
+            <a:ext cx="5455370" cy="4136657"/>
           </a:xfrm>
           <a:prstGeom prst="rect">
             <a:avLst/>
           </a:prstGeom>
         </p:spPr>
       </p:pic>
+      <p:sp>
+        <p:nvSpPr>
+          <p:cNvPr id="9" name="ZoneTexte 8">
+            <a:extLst>
+              <a:ext uri="{FF2B5EF4-FFF2-40B4-BE49-F238E27FC236}">
+                <a16:creationId xmlns:a16="http://schemas.microsoft.com/office/drawing/2014/main" id="{EFB8C062-347F-400D-B69A-87D2B910375D}"/>
+              </a:ext>
+            </a:extLst>
+          </p:cNvPr>
+          <p:cNvSpPr txBox="1"/>
+          <p:nvPr/>
+        </p:nvSpPr>
+        <p:spPr>
+          <a:xfrm>
+            <a:off x="9882200" y="6517673"/>
+            <a:ext cx="3640822" cy="307777"/>
+          </a:xfrm>
+          <a:prstGeom prst="rect">
+            <a:avLst/>
+          </a:prstGeom>
+          <a:noFill/>
+        </p:spPr>
+        <p:txBody>
+          <a:bodyPr wrap="square" rtlCol="0">
+            <a:spAutoFit/>
+          </a:bodyPr>
+          <a:lstStyle/>
+          <a:p>
+            <a:r>
+              <a:rPr lang="fr-FR" sz="1400" dirty="0"/>
+              <a:t>Performances de </a:t>
+            </a:r>
+            <a:r>
+              <a:rPr lang="fr-FR" sz="1400" dirty="0" err="1"/>
+              <a:t>lgbm</a:t>
+            </a:r>
+            <a:endParaRPr lang="fr-FR" sz="1400" dirty="0"/>
+          </a:p>
+        </p:txBody>
+      </p:sp>
+      <p:sp>
+        <p:nvSpPr>
+          <p:cNvPr id="3" name="ZoneTexte 2">
+            <a:extLst>
+              <a:ext uri="{FF2B5EF4-FFF2-40B4-BE49-F238E27FC236}">
+                <a16:creationId xmlns:a16="http://schemas.microsoft.com/office/drawing/2014/main" id="{99C5BC0D-F571-452F-AC3E-896C20D624C9}"/>
+              </a:ext>
+            </a:extLst>
+          </p:cNvPr>
+          <p:cNvSpPr txBox="1"/>
+          <p:nvPr/>
+        </p:nvSpPr>
+        <p:spPr>
+          <a:xfrm>
+            <a:off x="10273988" y="3428999"/>
+            <a:ext cx="2332139" cy="276999"/>
+          </a:xfrm>
+          <a:prstGeom prst="rect">
+            <a:avLst/>
+          </a:prstGeom>
+          <a:noFill/>
+        </p:spPr>
+        <p:txBody>
+          <a:bodyPr wrap="square" rtlCol="0">
+            <a:spAutoFit/>
+          </a:bodyPr>
+          <a:lstStyle/>
+          <a:p>
+            <a:r>
+              <a:rPr lang="fr-FR" sz="1200" dirty="0"/>
+              <a:t>Temps de calcul: ~40 s</a:t>
+            </a:r>
+          </a:p>
+        </p:txBody>
+      </p:sp>
+      <p:sp>
+        <p:nvSpPr>
+          <p:cNvPr id="13" name="ZoneTexte 12">
+            <a:extLst>
+              <a:ext uri="{FF2B5EF4-FFF2-40B4-BE49-F238E27FC236}">
+                <a16:creationId xmlns:a16="http://schemas.microsoft.com/office/drawing/2014/main" id="{3DAD65A2-C294-4D51-B12F-591B3F7DC738}"/>
+              </a:ext>
+            </a:extLst>
+          </p:cNvPr>
+          <p:cNvSpPr txBox="1"/>
+          <p:nvPr/>
+        </p:nvSpPr>
+        <p:spPr>
+          <a:xfrm>
+            <a:off x="3928737" y="3429000"/>
+            <a:ext cx="2332139" cy="276999"/>
+          </a:xfrm>
+          <a:prstGeom prst="rect">
+            <a:avLst/>
+          </a:prstGeom>
+          <a:noFill/>
+        </p:spPr>
+        <p:txBody>
+          <a:bodyPr wrap="square" rtlCol="0">
+            <a:spAutoFit/>
+          </a:bodyPr>
+          <a:lstStyle/>
+          <a:p>
+            <a:r>
+              <a:rPr lang="fr-FR" sz="1200" dirty="0"/>
+              <a:t>Temps de calcul: ~289 s</a:t>
+            </a:r>
+          </a:p>
+        </p:txBody>
+      </p:sp>
       <p:pic>
         <p:nvPicPr>
-          <p:cNvPr id="10" name="Image 9">
+          <p:cNvPr id="17" name="Image 16">
             <a:extLst>
               <a:ext uri="{FF2B5EF4-FFF2-40B4-BE49-F238E27FC236}">
-                <a16:creationId xmlns:a16="http://schemas.microsoft.com/office/drawing/2014/main" id="{EA72F713-AAFB-400D-8361-719CEBD014C9}"/>
+                <a16:creationId xmlns:a16="http://schemas.microsoft.com/office/drawing/2014/main" id="{DFD13186-6C0B-498E-8BA3-C036CDB5FABA}"/>
               </a:ext>
             </a:extLst>
           </p:cNvPr>
@@ -5979,78 +6169,53 @@
         </p:blipFill>
         <p:spPr>
           <a:xfrm>
-            <a:off x="681714" y="1532861"/>
-            <a:ext cx="10828571" cy="1200000"/>
+            <a:off x="9546671" y="32550"/>
+            <a:ext cx="2645327" cy="2543378"/>
           </a:xfrm>
           <a:prstGeom prst="rect">
             <a:avLst/>
           </a:prstGeom>
         </p:spPr>
       </p:pic>
-      <p:pic>
-        <p:nvPicPr>
-          <p:cNvPr id="12" name="Image 11">
+      <p:sp>
+        <p:nvSpPr>
+          <p:cNvPr id="18" name="ZoneTexte 17">
             <a:extLst>
               <a:ext uri="{FF2B5EF4-FFF2-40B4-BE49-F238E27FC236}">
-                <a16:creationId xmlns:a16="http://schemas.microsoft.com/office/drawing/2014/main" id="{DBFFF105-9DE8-478A-B4CD-ED9E8C9F969C}"/>
+                <a16:creationId xmlns:a16="http://schemas.microsoft.com/office/drawing/2014/main" id="{7EAAB75B-E6D0-442E-858A-1979495A230F}"/>
               </a:ext>
             </a:extLst>
           </p:cNvPr>
-          <p:cNvPicPr>
-            <a:picLocks noChangeAspect="1"/>
-          </p:cNvPicPr>
+          <p:cNvSpPr txBox="1"/>
           <p:nvPr/>
-        </p:nvPicPr>
-        <p:blipFill>
-          <a:blip r:embed="rId5"/>
-          <a:stretch>
-            <a:fillRect/>
-          </a:stretch>
-        </p:blipFill>
-        <p:spPr>
-          <a:xfrm>
-            <a:off x="4628877" y="5568568"/>
-            <a:ext cx="1523810" cy="942857"/>
+        </p:nvSpPr>
+        <p:spPr>
+          <a:xfrm>
+            <a:off x="8212744" y="636446"/>
+            <a:ext cx="1325616" cy="276999"/>
           </a:xfrm>
           <a:prstGeom prst="rect">
             <a:avLst/>
           </a:prstGeom>
-        </p:spPr>
-      </p:pic>
-      <p:pic>
-        <p:nvPicPr>
-          <p:cNvPr id="14" name="Image 13">
-            <a:extLst>
-              <a:ext uri="{FF2B5EF4-FFF2-40B4-BE49-F238E27FC236}">
-                <a16:creationId xmlns:a16="http://schemas.microsoft.com/office/drawing/2014/main" id="{86A89A4A-627B-4026-BE53-11B48CCB4314}"/>
-              </a:ext>
-            </a:extLst>
-          </p:cNvPr>
-          <p:cNvPicPr>
-            <a:picLocks noChangeAspect="1"/>
-          </p:cNvPicPr>
-          <p:nvPr/>
-        </p:nvPicPr>
-        <p:blipFill>
-          <a:blip r:embed="rId6"/>
-          <a:stretch>
-            <a:fillRect/>
-          </a:stretch>
-        </p:blipFill>
-        <p:spPr>
-          <a:xfrm>
-            <a:off x="327626" y="3326905"/>
-            <a:ext cx="5825061" cy="1647619"/>
-          </a:xfrm>
-          <a:prstGeom prst="rect">
-            <a:avLst/>
-          </a:prstGeom>
-        </p:spPr>
-      </p:pic>
+          <a:noFill/>
+        </p:spPr>
+        <p:txBody>
+          <a:bodyPr wrap="square" rtlCol="0">
+            <a:spAutoFit/>
+          </a:bodyPr>
+          <a:lstStyle/>
+          <a:p>
+            <a:r>
+              <a:rPr lang="fr-FR" sz="1200" dirty="0"/>
+              <a:t>Perf Naïve bayes:</a:t>
+            </a:r>
+          </a:p>
+        </p:txBody>
+      </p:sp>
     </p:spTree>
     <p:extLst>
       <p:ext uri="{BB962C8B-B14F-4D97-AF65-F5344CB8AC3E}">
-        <p14:creationId xmlns:p14="http://schemas.microsoft.com/office/powerpoint/2010/main" val="3955826058"/>
+        <p14:creationId xmlns:p14="http://schemas.microsoft.com/office/powerpoint/2010/main" val="2691332117"/>
       </p:ext>
     </p:extLst>
   </p:cSld>
@@ -6082,6 +6247,438 @@
           <p:cNvPr id="2" name="Titre 1">
             <a:extLst>
               <a:ext uri="{FF2B5EF4-FFF2-40B4-BE49-F238E27FC236}">
+                <a16:creationId xmlns:a16="http://schemas.microsoft.com/office/drawing/2014/main" id="{3F6EE76D-942F-489D-8E64-6BFFA528F2B9}"/>
+              </a:ext>
+            </a:extLst>
+          </p:cNvPr>
+          <p:cNvSpPr>
+            <a:spLocks noGrp="1"/>
+          </p:cNvSpPr>
+          <p:nvPr>
+            <p:ph type="title"/>
+          </p:nvPr>
+        </p:nvSpPr>
+        <p:spPr>
+          <a:xfrm>
+            <a:off x="521207" y="448056"/>
+            <a:ext cx="8229686" cy="640080"/>
+          </a:xfrm>
+        </p:spPr>
+        <p:txBody>
+          <a:bodyPr>
+            <a:normAutofit/>
+          </a:bodyPr>
+          <a:lstStyle/>
+          <a:p>
+            <a:r>
+              <a:rPr lang="fr-FR" sz="2000" b="1" dirty="0">
+                <a:solidFill>
+                  <a:schemeClr val="tx1"/>
+                </a:solidFill>
+                <a:latin typeface="+mn-lt"/>
+                <a:ea typeface="+mn-ea"/>
+                <a:cs typeface="+mn-cs"/>
+              </a:rPr>
+              <a:t>Fonction métier</a:t>
+            </a:r>
+          </a:p>
+        </p:txBody>
+      </p:sp>
+      <p:sp>
+        <p:nvSpPr>
+          <p:cNvPr id="4" name="ZoneTexte 3">
+            <a:extLst>
+              <a:ext uri="{FF2B5EF4-FFF2-40B4-BE49-F238E27FC236}">
+                <a16:creationId xmlns:a16="http://schemas.microsoft.com/office/drawing/2014/main" id="{A90C18B5-954C-4BE6-B5FE-DD3EA7AFF0CE}"/>
+              </a:ext>
+            </a:extLst>
+          </p:cNvPr>
+          <p:cNvSpPr txBox="1"/>
+          <p:nvPr/>
+        </p:nvSpPr>
+        <p:spPr>
+          <a:xfrm>
+            <a:off x="9966121" y="6479140"/>
+            <a:ext cx="3456264" cy="369332"/>
+          </a:xfrm>
+          <a:prstGeom prst="rect">
+            <a:avLst/>
+          </a:prstGeom>
+          <a:noFill/>
+        </p:spPr>
+        <p:txBody>
+          <a:bodyPr wrap="square" rtlCol="0">
+            <a:spAutoFit/>
+          </a:bodyPr>
+          <a:lstStyle/>
+          <a:p>
+            <a:r>
+              <a:rPr lang="fr-FR" dirty="0"/>
+              <a:t>Teycir Ben </a:t>
+            </a:r>
+            <a:r>
+              <a:rPr lang="fr-FR" dirty="0" err="1"/>
+              <a:t>Soltane</a:t>
+            </a:r>
+            <a:r>
+              <a:rPr lang="fr-FR" dirty="0"/>
+              <a:t> </a:t>
+            </a:r>
+          </a:p>
+        </p:txBody>
+      </p:sp>
+      <p:pic>
+        <p:nvPicPr>
+          <p:cNvPr id="5" name="Image 4">
+            <a:extLst>
+              <a:ext uri="{FF2B5EF4-FFF2-40B4-BE49-F238E27FC236}">
+                <a16:creationId xmlns:a16="http://schemas.microsoft.com/office/drawing/2014/main" id="{E20B9FD2-2276-4E16-AC20-4EE97720C685}"/>
+              </a:ext>
+            </a:extLst>
+          </p:cNvPr>
+          <p:cNvPicPr>
+            <a:picLocks noChangeAspect="1"/>
+          </p:cNvPicPr>
+          <p:nvPr/>
+        </p:nvPicPr>
+        <p:blipFill>
+          <a:blip r:embed="rId2">
+            <a:extLst>
+              <a:ext uri="{28A0092B-C50C-407E-A947-70E740481C1C}">
+                <a14:useLocalDpi xmlns:a14="http://schemas.microsoft.com/office/drawing/2010/main" val="0"/>
+              </a:ext>
+            </a:extLst>
+          </a:blip>
+          <a:stretch>
+            <a:fillRect/>
+          </a:stretch>
+        </p:blipFill>
+        <p:spPr>
+          <a:xfrm>
+            <a:off x="228957" y="6511425"/>
+            <a:ext cx="2133333" cy="304762"/>
+          </a:xfrm>
+          <a:prstGeom prst="rect">
+            <a:avLst/>
+          </a:prstGeom>
+        </p:spPr>
+      </p:pic>
+      <p:pic>
+        <p:nvPicPr>
+          <p:cNvPr id="9" name="Image 8">
+            <a:extLst>
+              <a:ext uri="{FF2B5EF4-FFF2-40B4-BE49-F238E27FC236}">
+                <a16:creationId xmlns:a16="http://schemas.microsoft.com/office/drawing/2014/main" id="{78066D6F-FDE6-40F7-B77F-BD36431738F0}"/>
+              </a:ext>
+            </a:extLst>
+          </p:cNvPr>
+          <p:cNvPicPr>
+            <a:picLocks noChangeAspect="1"/>
+          </p:cNvPicPr>
+          <p:nvPr/>
+        </p:nvPicPr>
+        <p:blipFill>
+          <a:blip r:embed="rId3"/>
+          <a:stretch>
+            <a:fillRect/>
+          </a:stretch>
+        </p:blipFill>
+        <p:spPr>
+          <a:xfrm>
+            <a:off x="2756107" y="3429000"/>
+            <a:ext cx="6855798" cy="1011730"/>
+          </a:xfrm>
+          <a:prstGeom prst="rect">
+            <a:avLst/>
+          </a:prstGeom>
+        </p:spPr>
+      </p:pic>
+      <p:sp>
+        <p:nvSpPr>
+          <p:cNvPr id="15" name="ZoneTexte 14">
+            <a:extLst>
+              <a:ext uri="{FF2B5EF4-FFF2-40B4-BE49-F238E27FC236}">
+                <a16:creationId xmlns:a16="http://schemas.microsoft.com/office/drawing/2014/main" id="{95E50973-95D2-4127-8FAE-F776C4B8C0ED}"/>
+              </a:ext>
+            </a:extLst>
+          </p:cNvPr>
+          <p:cNvSpPr txBox="1"/>
+          <p:nvPr/>
+        </p:nvSpPr>
+        <p:spPr>
+          <a:xfrm>
+            <a:off x="617545" y="1729010"/>
+            <a:ext cx="11132922" cy="923330"/>
+          </a:xfrm>
+          <a:prstGeom prst="rect">
+            <a:avLst/>
+          </a:prstGeom>
+          <a:noFill/>
+        </p:spPr>
+        <p:txBody>
+          <a:bodyPr wrap="square">
+            <a:spAutoFit/>
+          </a:bodyPr>
+          <a:lstStyle/>
+          <a:p>
+            <a:r>
+              <a:rPr lang="fr-FR" dirty="0"/>
+              <a:t>Nous savons qu'un faux négatif coûte 10x plus cher qu'un faux positif, c'est pour ça que nous devons essayer d'avoir le moins de faux négatif possible. On mettra un coefficient 10 aux faux négatifs (prêt accordé mais fait défaut) </a:t>
+            </a:r>
+          </a:p>
+        </p:txBody>
+      </p:sp>
+    </p:spTree>
+    <p:extLst>
+      <p:ext uri="{BB962C8B-B14F-4D97-AF65-F5344CB8AC3E}">
+        <p14:creationId xmlns:p14="http://schemas.microsoft.com/office/powerpoint/2010/main" val="3955826058"/>
+      </p:ext>
+    </p:extLst>
+  </p:cSld>
+  <p:clrMapOvr>
+    <a:masterClrMapping/>
+  </p:clrMapOvr>
+</p:sld>
+</file>
+
+<file path=ppt/slides/slide14.xml><?xml version="1.0" encoding="utf-8"?>
+<p:sld xmlns:a="http://schemas.openxmlformats.org/drawingml/2006/main" xmlns:r="http://schemas.openxmlformats.org/officeDocument/2006/relationships" xmlns:p="http://schemas.openxmlformats.org/presentationml/2006/main">
+  <p:cSld>
+    <p:spTree>
+      <p:nvGrpSpPr>
+        <p:cNvPr id="1" name=""/>
+        <p:cNvGrpSpPr/>
+        <p:nvPr/>
+      </p:nvGrpSpPr>
+      <p:grpSpPr>
+        <a:xfrm>
+          <a:off x="0" y="0"/>
+          <a:ext cx="0" cy="0"/>
+          <a:chOff x="0" y="0"/>
+          <a:chExt cx="0" cy="0"/>
+        </a:xfrm>
+      </p:grpSpPr>
+      <p:sp>
+        <p:nvSpPr>
+          <p:cNvPr id="2" name="Titre 1">
+            <a:extLst>
+              <a:ext uri="{FF2B5EF4-FFF2-40B4-BE49-F238E27FC236}">
+                <a16:creationId xmlns:a16="http://schemas.microsoft.com/office/drawing/2014/main" id="{3F6EE76D-942F-489D-8E64-6BFFA528F2B9}"/>
+              </a:ext>
+            </a:extLst>
+          </p:cNvPr>
+          <p:cNvSpPr>
+            <a:spLocks noGrp="1"/>
+          </p:cNvSpPr>
+          <p:nvPr>
+            <p:ph type="title"/>
+          </p:nvPr>
+        </p:nvSpPr>
+        <p:spPr>
+          <a:xfrm>
+            <a:off x="521207" y="448056"/>
+            <a:ext cx="8229686" cy="640080"/>
+          </a:xfrm>
+        </p:spPr>
+        <p:txBody>
+          <a:bodyPr>
+            <a:normAutofit/>
+          </a:bodyPr>
+          <a:lstStyle/>
+          <a:p>
+            <a:r>
+              <a:rPr lang="fr-FR" sz="2000" b="1" dirty="0">
+                <a:solidFill>
+                  <a:schemeClr val="tx1"/>
+                </a:solidFill>
+                <a:latin typeface="+mn-lt"/>
+                <a:ea typeface="+mn-ea"/>
+                <a:cs typeface="+mn-cs"/>
+              </a:rPr>
+              <a:t>Performance Fonction métier sur LGBM</a:t>
+            </a:r>
+          </a:p>
+        </p:txBody>
+      </p:sp>
+      <p:sp>
+        <p:nvSpPr>
+          <p:cNvPr id="4" name="ZoneTexte 3">
+            <a:extLst>
+              <a:ext uri="{FF2B5EF4-FFF2-40B4-BE49-F238E27FC236}">
+                <a16:creationId xmlns:a16="http://schemas.microsoft.com/office/drawing/2014/main" id="{A90C18B5-954C-4BE6-B5FE-DD3EA7AFF0CE}"/>
+              </a:ext>
+            </a:extLst>
+          </p:cNvPr>
+          <p:cNvSpPr txBox="1"/>
+          <p:nvPr/>
+        </p:nvSpPr>
+        <p:spPr>
+          <a:xfrm>
+            <a:off x="9966121" y="6479140"/>
+            <a:ext cx="3456264" cy="369332"/>
+          </a:xfrm>
+          <a:prstGeom prst="rect">
+            <a:avLst/>
+          </a:prstGeom>
+          <a:noFill/>
+        </p:spPr>
+        <p:txBody>
+          <a:bodyPr wrap="square" rtlCol="0">
+            <a:spAutoFit/>
+          </a:bodyPr>
+          <a:lstStyle/>
+          <a:p>
+            <a:r>
+              <a:rPr lang="fr-FR" dirty="0"/>
+              <a:t>Teycir Ben </a:t>
+            </a:r>
+            <a:r>
+              <a:rPr lang="fr-FR" dirty="0" err="1"/>
+              <a:t>Soltane</a:t>
+            </a:r>
+            <a:r>
+              <a:rPr lang="fr-FR" dirty="0"/>
+              <a:t> </a:t>
+            </a:r>
+          </a:p>
+        </p:txBody>
+      </p:sp>
+      <p:pic>
+        <p:nvPicPr>
+          <p:cNvPr id="5" name="Image 4">
+            <a:extLst>
+              <a:ext uri="{FF2B5EF4-FFF2-40B4-BE49-F238E27FC236}">
+                <a16:creationId xmlns:a16="http://schemas.microsoft.com/office/drawing/2014/main" id="{E20B9FD2-2276-4E16-AC20-4EE97720C685}"/>
+              </a:ext>
+            </a:extLst>
+          </p:cNvPr>
+          <p:cNvPicPr>
+            <a:picLocks noChangeAspect="1"/>
+          </p:cNvPicPr>
+          <p:nvPr/>
+        </p:nvPicPr>
+        <p:blipFill>
+          <a:blip r:embed="rId2">
+            <a:extLst>
+              <a:ext uri="{28A0092B-C50C-407E-A947-70E740481C1C}">
+                <a14:useLocalDpi xmlns:a14="http://schemas.microsoft.com/office/drawing/2010/main" val="0"/>
+              </a:ext>
+            </a:extLst>
+          </a:blip>
+          <a:stretch>
+            <a:fillRect/>
+          </a:stretch>
+        </p:blipFill>
+        <p:spPr>
+          <a:xfrm>
+            <a:off x="228957" y="6511425"/>
+            <a:ext cx="2133333" cy="304762"/>
+          </a:xfrm>
+          <a:prstGeom prst="rect">
+            <a:avLst/>
+          </a:prstGeom>
+        </p:spPr>
+      </p:pic>
+      <p:pic>
+        <p:nvPicPr>
+          <p:cNvPr id="6" name="Image 5">
+            <a:extLst>
+              <a:ext uri="{FF2B5EF4-FFF2-40B4-BE49-F238E27FC236}">
+                <a16:creationId xmlns:a16="http://schemas.microsoft.com/office/drawing/2014/main" id="{4839F104-4868-48BF-A174-1BD53B722048}"/>
+              </a:ext>
+            </a:extLst>
+          </p:cNvPr>
+          <p:cNvPicPr>
+            <a:picLocks noChangeAspect="1"/>
+          </p:cNvPicPr>
+          <p:nvPr/>
+        </p:nvPicPr>
+        <p:blipFill>
+          <a:blip r:embed="rId3"/>
+          <a:stretch>
+            <a:fillRect/>
+          </a:stretch>
+        </p:blipFill>
+        <p:spPr>
+          <a:xfrm>
+            <a:off x="2885869" y="1762325"/>
+            <a:ext cx="8095238" cy="4647619"/>
+          </a:xfrm>
+          <a:prstGeom prst="rect">
+            <a:avLst/>
+          </a:prstGeom>
+        </p:spPr>
+      </p:pic>
+      <p:sp>
+        <p:nvSpPr>
+          <p:cNvPr id="7" name="ZoneTexte 6">
+            <a:extLst>
+              <a:ext uri="{FF2B5EF4-FFF2-40B4-BE49-F238E27FC236}">
+                <a16:creationId xmlns:a16="http://schemas.microsoft.com/office/drawing/2014/main" id="{97D82AC6-FA4E-491C-84F4-314633734DEA}"/>
+              </a:ext>
+            </a:extLst>
+          </p:cNvPr>
+          <p:cNvSpPr txBox="1"/>
+          <p:nvPr/>
+        </p:nvSpPr>
+        <p:spPr>
+          <a:xfrm>
+            <a:off x="2749136" y="1277523"/>
+            <a:ext cx="7759581" cy="369332"/>
+          </a:xfrm>
+          <a:prstGeom prst="rect">
+            <a:avLst/>
+          </a:prstGeom>
+          <a:noFill/>
+        </p:spPr>
+        <p:txBody>
+          <a:bodyPr wrap="square" rtlCol="0">
+            <a:spAutoFit/>
+          </a:bodyPr>
+          <a:lstStyle/>
+          <a:p>
+            <a:r>
+              <a:rPr lang="fr-FR" dirty="0"/>
+              <a:t>Performance très proche de celle obtenue par ROC / AUC comme métrique </a:t>
+            </a:r>
+          </a:p>
+        </p:txBody>
+      </p:sp>
+    </p:spTree>
+    <p:extLst>
+      <p:ext uri="{BB962C8B-B14F-4D97-AF65-F5344CB8AC3E}">
+        <p14:creationId xmlns:p14="http://schemas.microsoft.com/office/powerpoint/2010/main" val="899991029"/>
+      </p:ext>
+    </p:extLst>
+  </p:cSld>
+  <p:clrMapOvr>
+    <a:masterClrMapping/>
+  </p:clrMapOvr>
+</p:sld>
+</file>
+
+<file path=ppt/slides/slide15.xml><?xml version="1.0" encoding="utf-8"?>
+<p:sld xmlns:a="http://schemas.openxmlformats.org/drawingml/2006/main" xmlns:r="http://schemas.openxmlformats.org/officeDocument/2006/relationships" xmlns:p="http://schemas.openxmlformats.org/presentationml/2006/main">
+  <p:cSld>
+    <p:spTree>
+      <p:nvGrpSpPr>
+        <p:cNvPr id="1" name=""/>
+        <p:cNvGrpSpPr/>
+        <p:nvPr/>
+      </p:nvGrpSpPr>
+      <p:grpSpPr>
+        <a:xfrm>
+          <a:off x="0" y="0"/>
+          <a:ext cx="0" cy="0"/>
+          <a:chOff x="0" y="0"/>
+          <a:chExt cx="0" cy="0"/>
+        </a:xfrm>
+      </p:grpSpPr>
+      <p:sp>
+        <p:nvSpPr>
+          <p:cNvPr id="2" name="Titre 1">
+            <a:extLst>
+              <a:ext uri="{FF2B5EF4-FFF2-40B4-BE49-F238E27FC236}">
                 <a16:creationId xmlns:a16="http://schemas.microsoft.com/office/drawing/2014/main" id="{0BD235EC-26A9-4DB1-B3C9-E378D8DE2A56}"/>
               </a:ext>
             </a:extLst>
@@ -6245,7 +6842,7 @@
 </p:sld>
 </file>
 
-<file path=ppt/slides/slide14.xml><?xml version="1.0" encoding="utf-8"?>
+<file path=ppt/slides/slide16.xml><?xml version="1.0" encoding="utf-8"?>
 <p:sld xmlns:a="http://schemas.openxmlformats.org/drawingml/2006/main" xmlns:r="http://schemas.openxmlformats.org/officeDocument/2006/relationships" xmlns:p="http://schemas.openxmlformats.org/presentationml/2006/main">
   <p:cSld>
     <p:spTree>
@@ -6617,7 +7214,7 @@
 </p:sld>
 </file>
 
-<file path=ppt/slides/slide15.xml><?xml version="1.0" encoding="utf-8"?>
+<file path=ppt/slides/slide17.xml><?xml version="1.0" encoding="utf-8"?>
 <p:sld xmlns:a="http://schemas.openxmlformats.org/drawingml/2006/main" xmlns:r="http://schemas.openxmlformats.org/officeDocument/2006/relationships" xmlns:p="http://schemas.openxmlformats.org/presentationml/2006/main">
   <p:cSld>
     <p:spTree>
@@ -6719,7 +7316,7 @@
 </p:sld>
 </file>
 
-<file path=ppt/slides/slide16.xml><?xml version="1.0" encoding="utf-8"?>
+<file path=ppt/slides/slide18.xml><?xml version="1.0" encoding="utf-8"?>
 <p:sld xmlns:a="http://schemas.openxmlformats.org/drawingml/2006/main" xmlns:r="http://schemas.openxmlformats.org/officeDocument/2006/relationships" xmlns:p="http://schemas.openxmlformats.org/presentationml/2006/main">
   <p:cSld>
     <p:spTree>
@@ -6930,7 +7527,7 @@
 </p:sld>
 </file>
 
-<file path=ppt/slides/slide17.xml><?xml version="1.0" encoding="utf-8"?>
+<file path=ppt/slides/slide19.xml><?xml version="1.0" encoding="utf-8"?>
 <p:sld xmlns:a="http://schemas.openxmlformats.org/drawingml/2006/main" xmlns:r="http://schemas.openxmlformats.org/officeDocument/2006/relationships" xmlns:p="http://schemas.openxmlformats.org/presentationml/2006/main">
   <p:cSld>
     <p:spTree>
@@ -7661,7 +8258,282 @@
 </p:sld>
 </file>
 
-<file path=ppt/slides/slide18.xml><?xml version="1.0" encoding="utf-8"?>
+<file path=ppt/slides/slide2.xml><?xml version="1.0" encoding="utf-8"?>
+<p:sld xmlns:a="http://schemas.openxmlformats.org/drawingml/2006/main" xmlns:r="http://schemas.openxmlformats.org/officeDocument/2006/relationships" xmlns:p="http://schemas.openxmlformats.org/presentationml/2006/main">
+  <p:cSld>
+    <p:spTree>
+      <p:nvGrpSpPr>
+        <p:cNvPr id="1" name=""/>
+        <p:cNvGrpSpPr/>
+        <p:nvPr/>
+      </p:nvGrpSpPr>
+      <p:grpSpPr>
+        <a:xfrm>
+          <a:off x="0" y="0"/>
+          <a:ext cx="0" cy="0"/>
+          <a:chOff x="0" y="0"/>
+          <a:chExt cx="0" cy="0"/>
+        </a:xfrm>
+      </p:grpSpPr>
+      <p:sp>
+        <p:nvSpPr>
+          <p:cNvPr id="7" name="ZoneTexte 6">
+            <a:extLst>
+              <a:ext uri="{FF2B5EF4-FFF2-40B4-BE49-F238E27FC236}">
+                <a16:creationId xmlns:a16="http://schemas.microsoft.com/office/drawing/2014/main" id="{E4FF927D-C458-4E1B-9AFC-0A93759CD3C7}"/>
+              </a:ext>
+            </a:extLst>
+          </p:cNvPr>
+          <p:cNvSpPr txBox="1"/>
+          <p:nvPr/>
+        </p:nvSpPr>
+        <p:spPr>
+          <a:xfrm>
+            <a:off x="9966121" y="6479140"/>
+            <a:ext cx="3456264" cy="369332"/>
+          </a:xfrm>
+          <a:prstGeom prst="rect">
+            <a:avLst/>
+          </a:prstGeom>
+          <a:noFill/>
+        </p:spPr>
+        <p:txBody>
+          <a:bodyPr wrap="square" rtlCol="0">
+            <a:spAutoFit/>
+          </a:bodyPr>
+          <a:lstStyle/>
+          <a:p>
+            <a:r>
+              <a:rPr lang="fr-FR" dirty="0"/>
+              <a:t>Teycir Ben </a:t>
+            </a:r>
+            <a:r>
+              <a:rPr lang="fr-FR" dirty="0" err="1"/>
+              <a:t>Soltane</a:t>
+            </a:r>
+            <a:r>
+              <a:rPr lang="fr-FR" dirty="0"/>
+              <a:t> </a:t>
+            </a:r>
+          </a:p>
+        </p:txBody>
+      </p:sp>
+      <p:pic>
+        <p:nvPicPr>
+          <p:cNvPr id="9" name="Image 8">
+            <a:extLst>
+              <a:ext uri="{FF2B5EF4-FFF2-40B4-BE49-F238E27FC236}">
+                <a16:creationId xmlns:a16="http://schemas.microsoft.com/office/drawing/2014/main" id="{E7355D0B-D793-4EFD-8F89-AFE0EE7DD201}"/>
+              </a:ext>
+            </a:extLst>
+          </p:cNvPr>
+          <p:cNvPicPr>
+            <a:picLocks noChangeAspect="1"/>
+          </p:cNvPicPr>
+          <p:nvPr/>
+        </p:nvPicPr>
+        <p:blipFill>
+          <a:blip r:embed="rId3">
+            <a:extLst>
+              <a:ext uri="{28A0092B-C50C-407E-A947-70E740481C1C}">
+                <a14:useLocalDpi xmlns:a14="http://schemas.microsoft.com/office/drawing/2010/main" val="0"/>
+              </a:ext>
+            </a:extLst>
+          </a:blip>
+          <a:stretch>
+            <a:fillRect/>
+          </a:stretch>
+        </p:blipFill>
+        <p:spPr>
+          <a:xfrm>
+            <a:off x="228957" y="6511425"/>
+            <a:ext cx="2133333" cy="304762"/>
+          </a:xfrm>
+          <a:prstGeom prst="rect">
+            <a:avLst/>
+          </a:prstGeom>
+        </p:spPr>
+      </p:pic>
+      <p:sp>
+        <p:nvSpPr>
+          <p:cNvPr id="3" name="ZoneTexte 2">
+            <a:extLst>
+              <a:ext uri="{FF2B5EF4-FFF2-40B4-BE49-F238E27FC236}">
+                <a16:creationId xmlns:a16="http://schemas.microsoft.com/office/drawing/2014/main" id="{E0FAA548-EDB2-4CFD-8E3F-BA1F139C7F52}"/>
+              </a:ext>
+            </a:extLst>
+          </p:cNvPr>
+          <p:cNvSpPr txBox="1"/>
+          <p:nvPr/>
+        </p:nvSpPr>
+        <p:spPr>
+          <a:xfrm>
+            <a:off x="709301" y="606751"/>
+            <a:ext cx="10699335" cy="400110"/>
+          </a:xfrm>
+          <a:prstGeom prst="rect">
+            <a:avLst/>
+          </a:prstGeom>
+          <a:noFill/>
+        </p:spPr>
+        <p:txBody>
+          <a:bodyPr wrap="square" rtlCol="0">
+            <a:spAutoFit/>
+          </a:bodyPr>
+          <a:lstStyle/>
+          <a:p>
+            <a:r>
+              <a:rPr lang="fr-FR" sz="2000" b="1" dirty="0"/>
+              <a:t>Objectif</a:t>
+            </a:r>
+          </a:p>
+        </p:txBody>
+      </p:sp>
+      <p:sp>
+        <p:nvSpPr>
+          <p:cNvPr id="8" name="ZoneTexte 7">
+            <a:extLst>
+              <a:ext uri="{FF2B5EF4-FFF2-40B4-BE49-F238E27FC236}">
+                <a16:creationId xmlns:a16="http://schemas.microsoft.com/office/drawing/2014/main" id="{0607C41C-F67C-4394-95CB-AF2D48DA39B4}"/>
+              </a:ext>
+            </a:extLst>
+          </p:cNvPr>
+          <p:cNvSpPr txBox="1"/>
+          <p:nvPr/>
+        </p:nvSpPr>
+        <p:spPr>
+          <a:xfrm>
+            <a:off x="606751" y="1469878"/>
+            <a:ext cx="11006984" cy="3539430"/>
+          </a:xfrm>
+          <a:prstGeom prst="rect">
+            <a:avLst/>
+          </a:prstGeom>
+          <a:noFill/>
+        </p:spPr>
+        <p:txBody>
+          <a:bodyPr wrap="square">
+            <a:spAutoFit/>
+          </a:bodyPr>
+          <a:lstStyle/>
+          <a:p>
+            <a:r>
+              <a:rPr lang="fr-FR" sz="1600" dirty="0"/>
+              <a:t>L’entreprise financière </a:t>
+            </a:r>
+            <a:r>
+              <a:rPr lang="fr-FR" sz="1600" b="1" i="1" dirty="0"/>
+              <a:t>prêt à dépenser</a:t>
+            </a:r>
+            <a:r>
+              <a:rPr lang="fr-FR" sz="1600" dirty="0"/>
+              <a:t> propose des crédits à la consommation pour des personnes ayant peu ou pas du tout d’historique de prêt.</a:t>
+            </a:r>
+          </a:p>
+          <a:p>
+            <a:endParaRPr lang="fr-FR" sz="1600" b="1" dirty="0"/>
+          </a:p>
+          <a:p>
+            <a:r>
+              <a:rPr lang="fr-FR" sz="1600" b="1" dirty="0"/>
+              <a:t>Prêt à dépenser </a:t>
+            </a:r>
+            <a:r>
+              <a:rPr lang="fr-FR" sz="1600" dirty="0"/>
+              <a:t>décide donc de </a:t>
+            </a:r>
+            <a:r>
+              <a:rPr lang="fr-FR" sz="1600" b="1" dirty="0"/>
+              <a:t>développer un </a:t>
+            </a:r>
+            <a:r>
+              <a:rPr lang="fr-FR" sz="1600" b="1" dirty="0" err="1"/>
+              <a:t>dashboard</a:t>
+            </a:r>
+            <a:r>
+              <a:rPr lang="fr-FR" sz="1600" b="1" dirty="0"/>
+              <a:t> interactif</a:t>
+            </a:r>
+            <a:r>
+              <a:rPr lang="fr-FR" sz="1600" dirty="0"/>
+              <a:t> pour que les chargés de relation client puissent à la fois expliquer de façon la plus transparente possible les décisions d’octroi de crédit, mais également permettre à leurs clients de disposer de leurs informations personnelles et de les explorer facilement. </a:t>
+            </a:r>
+          </a:p>
+          <a:p>
+            <a:endParaRPr lang="fr-FR" sz="1600" dirty="0"/>
+          </a:p>
+          <a:p>
+            <a:r>
+              <a:rPr lang="fr-FR" sz="1600" dirty="0"/>
+              <a:t>Il faudra donc:</a:t>
+            </a:r>
+          </a:p>
+          <a:p>
+            <a:pPr>
+              <a:buFont typeface="+mj-lt"/>
+              <a:buAutoNum type="arabicPeriod"/>
+            </a:pPr>
+            <a:r>
+              <a:rPr lang="fr-FR" sz="1600" dirty="0"/>
+              <a:t>Construire un modèle de </a:t>
+            </a:r>
+            <a:r>
+              <a:rPr lang="fr-FR" sz="1600" dirty="0" err="1"/>
+              <a:t>scoring</a:t>
+            </a:r>
+            <a:r>
+              <a:rPr lang="fr-FR" sz="1600" dirty="0"/>
+              <a:t> qui donnera une prédiction sur la probabilité de faillite d'un client de façon automatique.</a:t>
+            </a:r>
+          </a:p>
+          <a:p>
+            <a:pPr>
+              <a:buFont typeface="+mj-lt"/>
+              <a:buAutoNum type="arabicPeriod"/>
+            </a:pPr>
+            <a:r>
+              <a:rPr lang="fr-FR" sz="1600" dirty="0"/>
+              <a:t>Construire un </a:t>
+            </a:r>
+            <a:r>
+              <a:rPr lang="fr-FR" sz="1600" dirty="0" err="1"/>
+              <a:t>dashboard</a:t>
+            </a:r>
+            <a:r>
+              <a:rPr lang="fr-FR" sz="1600" dirty="0"/>
+              <a:t> interactif à destination des gestionnaires de la relation client permettant d'interpréter les prédictions faites par le modèle, et d’améliorer la connaissance client des chargés de relation client.</a:t>
+            </a:r>
+          </a:p>
+          <a:p>
+            <a:endParaRPr lang="fr-FR" sz="1600" dirty="0"/>
+          </a:p>
+          <a:p>
+            <a:endParaRPr lang="fr-FR" sz="1600" dirty="0"/>
+          </a:p>
+        </p:txBody>
+      </p:sp>
+    </p:spTree>
+    <p:extLst>
+      <p:ext uri="{BB962C8B-B14F-4D97-AF65-F5344CB8AC3E}">
+        <p14:creationId xmlns:p14="http://schemas.microsoft.com/office/powerpoint/2010/main" val="2112867286"/>
+      </p:ext>
+    </p:extLst>
+  </p:cSld>
+  <p:clrMapOvr>
+    <a:masterClrMapping/>
+  </p:clrMapOvr>
+  <mc:AlternateContent xmlns:mc="http://schemas.openxmlformats.org/markup-compatibility/2006" xmlns:p14="http://schemas.microsoft.com/office/powerpoint/2010/main">
+    <mc:Choice Requires="p14">
+      <p:transition p14:dur="10"/>
+    </mc:Choice>
+    <mc:Fallback xmlns="">
+      <p:transition/>
+    </mc:Fallback>
+  </mc:AlternateContent>
+</p:sld>
+</file>
+
+<file path=ppt/slides/slide20.xml><?xml version="1.0" encoding="utf-8"?>
 <p:sld xmlns:a="http://schemas.openxmlformats.org/drawingml/2006/main" xmlns:r="http://schemas.openxmlformats.org/officeDocument/2006/relationships" xmlns:p="http://schemas.openxmlformats.org/presentationml/2006/main">
   <p:cSld>
     <p:spTree>
@@ -8033,7 +8905,7 @@
 </p:sld>
 </file>
 
-<file path=ppt/slides/slide19.xml><?xml version="1.0" encoding="utf-8"?>
+<file path=ppt/slides/slide21.xml><?xml version="1.0" encoding="utf-8"?>
 <p:sld xmlns:a="http://schemas.openxmlformats.org/drawingml/2006/main" xmlns:r="http://schemas.openxmlformats.org/officeDocument/2006/relationships" xmlns:p="http://schemas.openxmlformats.org/presentationml/2006/main">
   <p:cSld>
     <p:spTree>
@@ -8639,281 +9511,6 @@
   <p:clrMapOvr>
     <a:masterClrMapping/>
   </p:clrMapOvr>
-</p:sld>
-</file>
-
-<file path=ppt/slides/slide2.xml><?xml version="1.0" encoding="utf-8"?>
-<p:sld xmlns:a="http://schemas.openxmlformats.org/drawingml/2006/main" xmlns:r="http://schemas.openxmlformats.org/officeDocument/2006/relationships" xmlns:p="http://schemas.openxmlformats.org/presentationml/2006/main">
-  <p:cSld>
-    <p:spTree>
-      <p:nvGrpSpPr>
-        <p:cNvPr id="1" name=""/>
-        <p:cNvGrpSpPr/>
-        <p:nvPr/>
-      </p:nvGrpSpPr>
-      <p:grpSpPr>
-        <a:xfrm>
-          <a:off x="0" y="0"/>
-          <a:ext cx="0" cy="0"/>
-          <a:chOff x="0" y="0"/>
-          <a:chExt cx="0" cy="0"/>
-        </a:xfrm>
-      </p:grpSpPr>
-      <p:sp>
-        <p:nvSpPr>
-          <p:cNvPr id="7" name="ZoneTexte 6">
-            <a:extLst>
-              <a:ext uri="{FF2B5EF4-FFF2-40B4-BE49-F238E27FC236}">
-                <a16:creationId xmlns:a16="http://schemas.microsoft.com/office/drawing/2014/main" id="{E4FF927D-C458-4E1B-9AFC-0A93759CD3C7}"/>
-              </a:ext>
-            </a:extLst>
-          </p:cNvPr>
-          <p:cNvSpPr txBox="1"/>
-          <p:nvPr/>
-        </p:nvSpPr>
-        <p:spPr>
-          <a:xfrm>
-            <a:off x="9966121" y="6479140"/>
-            <a:ext cx="3456264" cy="369332"/>
-          </a:xfrm>
-          <a:prstGeom prst="rect">
-            <a:avLst/>
-          </a:prstGeom>
-          <a:noFill/>
-        </p:spPr>
-        <p:txBody>
-          <a:bodyPr wrap="square" rtlCol="0">
-            <a:spAutoFit/>
-          </a:bodyPr>
-          <a:lstStyle/>
-          <a:p>
-            <a:r>
-              <a:rPr lang="fr-FR" dirty="0"/>
-              <a:t>Teycir Ben </a:t>
-            </a:r>
-            <a:r>
-              <a:rPr lang="fr-FR" dirty="0" err="1"/>
-              <a:t>Soltane</a:t>
-            </a:r>
-            <a:r>
-              <a:rPr lang="fr-FR" dirty="0"/>
-              <a:t> </a:t>
-            </a:r>
-          </a:p>
-        </p:txBody>
-      </p:sp>
-      <p:pic>
-        <p:nvPicPr>
-          <p:cNvPr id="9" name="Image 8">
-            <a:extLst>
-              <a:ext uri="{FF2B5EF4-FFF2-40B4-BE49-F238E27FC236}">
-                <a16:creationId xmlns:a16="http://schemas.microsoft.com/office/drawing/2014/main" id="{E7355D0B-D793-4EFD-8F89-AFE0EE7DD201}"/>
-              </a:ext>
-            </a:extLst>
-          </p:cNvPr>
-          <p:cNvPicPr>
-            <a:picLocks noChangeAspect="1"/>
-          </p:cNvPicPr>
-          <p:nvPr/>
-        </p:nvPicPr>
-        <p:blipFill>
-          <a:blip r:embed="rId3">
-            <a:extLst>
-              <a:ext uri="{28A0092B-C50C-407E-A947-70E740481C1C}">
-                <a14:useLocalDpi xmlns:a14="http://schemas.microsoft.com/office/drawing/2010/main" val="0"/>
-              </a:ext>
-            </a:extLst>
-          </a:blip>
-          <a:stretch>
-            <a:fillRect/>
-          </a:stretch>
-        </p:blipFill>
-        <p:spPr>
-          <a:xfrm>
-            <a:off x="228957" y="6511425"/>
-            <a:ext cx="2133333" cy="304762"/>
-          </a:xfrm>
-          <a:prstGeom prst="rect">
-            <a:avLst/>
-          </a:prstGeom>
-        </p:spPr>
-      </p:pic>
-      <p:sp>
-        <p:nvSpPr>
-          <p:cNvPr id="3" name="ZoneTexte 2">
-            <a:extLst>
-              <a:ext uri="{FF2B5EF4-FFF2-40B4-BE49-F238E27FC236}">
-                <a16:creationId xmlns:a16="http://schemas.microsoft.com/office/drawing/2014/main" id="{E0FAA548-EDB2-4CFD-8E3F-BA1F139C7F52}"/>
-              </a:ext>
-            </a:extLst>
-          </p:cNvPr>
-          <p:cNvSpPr txBox="1"/>
-          <p:nvPr/>
-        </p:nvSpPr>
-        <p:spPr>
-          <a:xfrm>
-            <a:off x="709301" y="606751"/>
-            <a:ext cx="10699335" cy="400110"/>
-          </a:xfrm>
-          <a:prstGeom prst="rect">
-            <a:avLst/>
-          </a:prstGeom>
-          <a:noFill/>
-        </p:spPr>
-        <p:txBody>
-          <a:bodyPr wrap="square" rtlCol="0">
-            <a:spAutoFit/>
-          </a:bodyPr>
-          <a:lstStyle/>
-          <a:p>
-            <a:r>
-              <a:rPr lang="fr-FR" sz="2000" b="1" dirty="0"/>
-              <a:t>Objectif</a:t>
-            </a:r>
-          </a:p>
-        </p:txBody>
-      </p:sp>
-      <p:sp>
-        <p:nvSpPr>
-          <p:cNvPr id="8" name="ZoneTexte 7">
-            <a:extLst>
-              <a:ext uri="{FF2B5EF4-FFF2-40B4-BE49-F238E27FC236}">
-                <a16:creationId xmlns:a16="http://schemas.microsoft.com/office/drawing/2014/main" id="{0607C41C-F67C-4394-95CB-AF2D48DA39B4}"/>
-              </a:ext>
-            </a:extLst>
-          </p:cNvPr>
-          <p:cNvSpPr txBox="1"/>
-          <p:nvPr/>
-        </p:nvSpPr>
-        <p:spPr>
-          <a:xfrm>
-            <a:off x="606751" y="1469878"/>
-            <a:ext cx="11006984" cy="3539430"/>
-          </a:xfrm>
-          <a:prstGeom prst="rect">
-            <a:avLst/>
-          </a:prstGeom>
-          <a:noFill/>
-        </p:spPr>
-        <p:txBody>
-          <a:bodyPr wrap="square">
-            <a:spAutoFit/>
-          </a:bodyPr>
-          <a:lstStyle/>
-          <a:p>
-            <a:r>
-              <a:rPr lang="fr-FR" sz="1600" dirty="0"/>
-              <a:t>L’entreprise financière </a:t>
-            </a:r>
-            <a:r>
-              <a:rPr lang="fr-FR" sz="1600" b="1" i="1" dirty="0"/>
-              <a:t>prêt à dépenser</a:t>
-            </a:r>
-            <a:r>
-              <a:rPr lang="fr-FR" sz="1600" dirty="0"/>
-              <a:t> propose des crédits à la consommation pour des personnes ayant peu ou pas du tout d’historique de prêt.</a:t>
-            </a:r>
-          </a:p>
-          <a:p>
-            <a:endParaRPr lang="fr-FR" sz="1600" b="1" dirty="0"/>
-          </a:p>
-          <a:p>
-            <a:r>
-              <a:rPr lang="fr-FR" sz="1600" b="1" dirty="0"/>
-              <a:t>Prêt à dépenser </a:t>
-            </a:r>
-            <a:r>
-              <a:rPr lang="fr-FR" sz="1600" dirty="0"/>
-              <a:t>décide donc de </a:t>
-            </a:r>
-            <a:r>
-              <a:rPr lang="fr-FR" sz="1600" b="1" dirty="0"/>
-              <a:t>développer un </a:t>
-            </a:r>
-            <a:r>
-              <a:rPr lang="fr-FR" sz="1600" b="1" dirty="0" err="1"/>
-              <a:t>dashboard</a:t>
-            </a:r>
-            <a:r>
-              <a:rPr lang="fr-FR" sz="1600" b="1" dirty="0"/>
-              <a:t> interactif</a:t>
-            </a:r>
-            <a:r>
-              <a:rPr lang="fr-FR" sz="1600" dirty="0"/>
-              <a:t> pour que les chargés de relation client puissent à la fois expliquer de façon la plus transparente possible les décisions d’octroi de crédit, mais également permettre à leurs clients de disposer de leurs informations personnelles et de les explorer facilement. </a:t>
-            </a:r>
-          </a:p>
-          <a:p>
-            <a:endParaRPr lang="fr-FR" sz="1600" dirty="0"/>
-          </a:p>
-          <a:p>
-            <a:r>
-              <a:rPr lang="fr-FR" sz="1600" dirty="0"/>
-              <a:t>Il faudra donc:</a:t>
-            </a:r>
-          </a:p>
-          <a:p>
-            <a:pPr>
-              <a:buFont typeface="+mj-lt"/>
-              <a:buAutoNum type="arabicPeriod"/>
-            </a:pPr>
-            <a:r>
-              <a:rPr lang="fr-FR" sz="1600" dirty="0"/>
-              <a:t>Construire un modèle de </a:t>
-            </a:r>
-            <a:r>
-              <a:rPr lang="fr-FR" sz="1600" dirty="0" err="1"/>
-              <a:t>scoring</a:t>
-            </a:r>
-            <a:r>
-              <a:rPr lang="fr-FR" sz="1600" dirty="0"/>
-              <a:t> qui donnera une prédiction sur la probabilité de faillite d'un client de façon automatique.</a:t>
-            </a:r>
-          </a:p>
-          <a:p>
-            <a:pPr>
-              <a:buFont typeface="+mj-lt"/>
-              <a:buAutoNum type="arabicPeriod"/>
-            </a:pPr>
-            <a:r>
-              <a:rPr lang="fr-FR" sz="1600" dirty="0"/>
-              <a:t>Construire un </a:t>
-            </a:r>
-            <a:r>
-              <a:rPr lang="fr-FR" sz="1600" dirty="0" err="1"/>
-              <a:t>dashboard</a:t>
-            </a:r>
-            <a:r>
-              <a:rPr lang="fr-FR" sz="1600" dirty="0"/>
-              <a:t> interactif à destination des gestionnaires de la relation client permettant d'interpréter les prédictions faites par le modèle, et d’améliorer la connaissance client des chargés de relation client.</a:t>
-            </a:r>
-          </a:p>
-          <a:p>
-            <a:endParaRPr lang="fr-FR" sz="1600" dirty="0"/>
-          </a:p>
-          <a:p>
-            <a:endParaRPr lang="fr-FR" sz="1600" dirty="0"/>
-          </a:p>
-        </p:txBody>
-      </p:sp>
-    </p:spTree>
-    <p:extLst>
-      <p:ext uri="{BB962C8B-B14F-4D97-AF65-F5344CB8AC3E}">
-        <p14:creationId xmlns:p14="http://schemas.microsoft.com/office/powerpoint/2010/main" val="2112867286"/>
-      </p:ext>
-    </p:extLst>
-  </p:cSld>
-  <p:clrMapOvr>
-    <a:masterClrMapping/>
-  </p:clrMapOvr>
-  <mc:AlternateContent xmlns:mc="http://schemas.openxmlformats.org/markup-compatibility/2006" xmlns:p14="http://schemas.microsoft.com/office/powerpoint/2010/main">
-    <mc:Choice Requires="p14">
-      <p:transition p14:dur="10"/>
-    </mc:Choice>
-    <mc:Fallback xmlns="">
-      <p:transition/>
-    </mc:Fallback>
-  </mc:AlternateContent>
 </p:sld>
 </file>
 
@@ -11625,15 +12222,6 @@
 </file>
 
 <file path=customXml/item2.xml><?xml version="1.0" encoding="utf-8"?>
-<p:properties xmlns:p="http://schemas.microsoft.com/office/2006/metadata/properties" xmlns:xsi="http://www.w3.org/2001/XMLSchema-instance" xmlns:pc="http://schemas.microsoft.com/office/infopath/2007/PartnerControls">
-  <documentManagement>
-    <Status xmlns="71af3243-3dd4-4a8d-8c0d-dd76da1f02a5">Not started</Status>
-    <MediaServiceKeyPoints xmlns="71af3243-3dd4-4a8d-8c0d-dd76da1f02a5" xsi:nil="true"/>
-  </documentManagement>
-</p:properties>
-</file>
-
-<file path=customXml/item3.xml><?xml version="1.0" encoding="utf-8"?>
 <ct:contentTypeSchema xmlns:ct="http://schemas.microsoft.com/office/2006/metadata/contentType" xmlns:ma="http://schemas.microsoft.com/office/2006/metadata/properties/metaAttributes" ct:_="" ma:_="" ma:contentTypeName="Document" ma:contentTypeID="0x01010079F111ED35F8CC479449609E8A0923A6" ma:contentTypeVersion="12" ma:contentTypeDescription="Create a new document." ma:contentTypeScope="" ma:versionID="a8a52e8c320b9a064ae3583ae3861c92">
   <xsd:schema xmlns:xsd="http://www.w3.org/2001/XMLSchema" xmlns:xs="http://www.w3.org/2001/XMLSchema" xmlns:p="http://schemas.microsoft.com/office/2006/metadata/properties" xmlns:ns2="71af3243-3dd4-4a8d-8c0d-dd76da1f02a5" xmlns:ns3="16c05727-aa75-4e4a-9b5f-8a80a1165891" targetNamespace="http://schemas.microsoft.com/office/2006/metadata/properties" ma:root="true" ma:fieldsID="88020cb39231a0945110f9cd888b521a" ns2:_="" ns3:_="">
     <xsd:import namespace="71af3243-3dd4-4a8d-8c0d-dd76da1f02a5"/>
@@ -11854,6 +12442,15 @@
 </ct:contentTypeSchema>
 </file>
 
+<file path=customXml/item3.xml><?xml version="1.0" encoding="utf-8"?>
+<p:properties xmlns:p="http://schemas.microsoft.com/office/2006/metadata/properties" xmlns:xsi="http://www.w3.org/2001/XMLSchema-instance" xmlns:pc="http://schemas.microsoft.com/office/infopath/2007/PartnerControls">
+  <documentManagement>
+    <Status xmlns="71af3243-3dd4-4a8d-8c0d-dd76da1f02a5">Not started</Status>
+    <MediaServiceKeyPoints xmlns="71af3243-3dd4-4a8d-8c0d-dd76da1f02a5" xsi:nil="true"/>
+  </documentManagement>
+</p:properties>
+</file>
+
 <file path=customXml/itemProps1.xml><?xml version="1.0" encoding="utf-8"?>
 <ds:datastoreItem xmlns:ds="http://schemas.openxmlformats.org/officeDocument/2006/customXml" ds:itemID="{7EE8C63A-4744-4DE4-BB49-0FF0B5375C60}">
   <ds:schemaRefs>
@@ -11863,16 +12460,6 @@
 </file>
 
 <file path=customXml/itemProps2.xml><?xml version="1.0" encoding="utf-8"?>
-<ds:datastoreItem xmlns:ds="http://schemas.openxmlformats.org/officeDocument/2006/customXml" ds:itemID="{950072C5-DDE0-4258-BA7A-4D4B80DFA632}">
-  <ds:schemaRefs>
-    <ds:schemaRef ds:uri="http://schemas.microsoft.com/office/2006/metadata/properties"/>
-    <ds:schemaRef ds:uri="http://schemas.microsoft.com/office/infopath/2007/PartnerControls"/>
-    <ds:schemaRef ds:uri="71af3243-3dd4-4a8d-8c0d-dd76da1f02a5"/>
-  </ds:schemaRefs>
-</ds:datastoreItem>
-</file>
-
-<file path=customXml/itemProps3.xml><?xml version="1.0" encoding="utf-8"?>
 <ds:datastoreItem xmlns:ds="http://schemas.openxmlformats.org/officeDocument/2006/customXml" ds:itemID="{FD7FC771-7DFE-49DA-B577-71181BFBCB2E}">
   <ds:schemaRefs>
     <ds:schemaRef ds:uri="http://schemas.microsoft.com/office/2006/metadata/contentType"/>
@@ -11889,4 +12476,14 @@
     <ds:schemaRef ds:uri="http://schemas.microsoft.com/internal/obd"/>
   </ds:schemaRefs>
 </ds:datastoreItem>
+</file>
+
+<file path=customXml/itemProps3.xml><?xml version="1.0" encoding="utf-8"?>
+<ds:datastoreItem xmlns:ds="http://schemas.openxmlformats.org/officeDocument/2006/customXml" ds:itemID="{950072C5-DDE0-4258-BA7A-4D4B80DFA632}">
+  <ds:schemaRefs>
+    <ds:schemaRef ds:uri="http://schemas.microsoft.com/office/2006/metadata/properties"/>
+    <ds:schemaRef ds:uri="http://schemas.microsoft.com/office/infopath/2007/PartnerControls"/>
+    <ds:schemaRef ds:uri="71af3243-3dd4-4a8d-8c0d-dd76da1f02a5"/>
+  </ds:schemaRefs>
+</ds:datastoreItem>
 </file>